--- a/20230530/unit1.pptx
+++ b/20230530/unit1.pptx
@@ -25,10 +25,12 @@
     <p:sldId id="271" r:id="rId19"/>
     <p:sldId id="272" r:id="rId20"/>
     <p:sldId id="284" r:id="rId21"/>
-    <p:sldId id="282" r:id="rId22"/>
-    <p:sldId id="283" r:id="rId23"/>
-    <p:sldId id="279" r:id="rId24"/>
-    <p:sldId id="280" r:id="rId25"/>
+    <p:sldId id="285" r:id="rId22"/>
+    <p:sldId id="280" r:id="rId23"/>
+    <p:sldId id="287" r:id="rId24"/>
+    <p:sldId id="288" r:id="rId25"/>
+    <p:sldId id="286" r:id="rId26"/>
+    <p:sldId id="289" r:id="rId27"/>
   </p:sldIdLst>
   <p:sldSz cx="12192000" cy="6858000"/>
   <p:notesSz cx="6858000" cy="9144000"/>
@@ -361,7 +363,7 @@
           <a:p>
             <a:fld id="{87C46EDA-6141-4A17-A137-A1686AD67C1D}" type="datetimeFigureOut">
               <a:rPr kumimoji="1" lang="ja-JP" altLang="en-US" smtClean="0"/>
-              <a:t>2023/5/28</a:t>
+              <a:t>2023/5/29</a:t>
             </a:fld>
             <a:endParaRPr kumimoji="1" lang="ja-JP" altLang="en-US"/>
           </a:p>
@@ -601,7 +603,7 @@
           <a:p>
             <a:fld id="{87C46EDA-6141-4A17-A137-A1686AD67C1D}" type="datetimeFigureOut">
               <a:rPr kumimoji="1" lang="ja-JP" altLang="en-US" smtClean="0"/>
-              <a:t>2023/5/28</a:t>
+              <a:t>2023/5/29</a:t>
             </a:fld>
             <a:endParaRPr kumimoji="1" lang="ja-JP" altLang="en-US"/>
           </a:p>
@@ -889,7 +891,7 @@
           <a:p>
             <a:fld id="{87C46EDA-6141-4A17-A137-A1686AD67C1D}" type="datetimeFigureOut">
               <a:rPr kumimoji="1" lang="ja-JP" altLang="en-US" smtClean="0"/>
-              <a:t>2023/5/28</a:t>
+              <a:t>2023/5/29</a:t>
             </a:fld>
             <a:endParaRPr kumimoji="1" lang="ja-JP" altLang="en-US"/>
           </a:p>
@@ -1131,7 +1133,7 @@
           <a:p>
             <a:fld id="{87C46EDA-6141-4A17-A137-A1686AD67C1D}" type="datetimeFigureOut">
               <a:rPr kumimoji="1" lang="ja-JP" altLang="en-US" smtClean="0"/>
-              <a:t>2023/5/28</a:t>
+              <a:t>2023/5/29</a:t>
             </a:fld>
             <a:endParaRPr kumimoji="1" lang="ja-JP" altLang="en-US"/>
           </a:p>
@@ -1474,7 +1476,7 @@
           <a:p>
             <a:fld id="{87C46EDA-6141-4A17-A137-A1686AD67C1D}" type="datetimeFigureOut">
               <a:rPr kumimoji="1" lang="ja-JP" altLang="en-US" smtClean="0"/>
-              <a:t>2023/5/28</a:t>
+              <a:t>2023/5/29</a:t>
             </a:fld>
             <a:endParaRPr kumimoji="1" lang="ja-JP" altLang="en-US"/>
           </a:p>
@@ -1813,7 +1815,7 @@
           <a:p>
             <a:fld id="{87C46EDA-6141-4A17-A137-A1686AD67C1D}" type="datetimeFigureOut">
               <a:rPr kumimoji="1" lang="ja-JP" altLang="en-US" smtClean="0"/>
-              <a:t>2023/5/28</a:t>
+              <a:t>2023/5/29</a:t>
             </a:fld>
             <a:endParaRPr kumimoji="1" lang="ja-JP" altLang="en-US"/>
           </a:p>
@@ -2256,7 +2258,7 @@
           <a:p>
             <a:fld id="{87C46EDA-6141-4A17-A137-A1686AD67C1D}" type="datetimeFigureOut">
               <a:rPr kumimoji="1" lang="ja-JP" altLang="en-US" smtClean="0"/>
-              <a:t>2023/5/28</a:t>
+              <a:t>2023/5/29</a:t>
             </a:fld>
             <a:endParaRPr kumimoji="1" lang="ja-JP" altLang="en-US"/>
           </a:p>
@@ -2374,7 +2376,7 @@
           <a:p>
             <a:fld id="{87C46EDA-6141-4A17-A137-A1686AD67C1D}" type="datetimeFigureOut">
               <a:rPr kumimoji="1" lang="ja-JP" altLang="en-US" smtClean="0"/>
-              <a:t>2023/5/28</a:t>
+              <a:t>2023/5/29</a:t>
             </a:fld>
             <a:endParaRPr kumimoji="1" lang="ja-JP" altLang="en-US"/>
           </a:p>
@@ -2545,7 +2547,7 @@
           <a:p>
             <a:fld id="{87C46EDA-6141-4A17-A137-A1686AD67C1D}" type="datetimeFigureOut">
               <a:rPr kumimoji="1" lang="ja-JP" altLang="en-US" smtClean="0"/>
-              <a:t>2023/5/28</a:t>
+              <a:t>2023/5/29</a:t>
             </a:fld>
             <a:endParaRPr kumimoji="1" lang="ja-JP" altLang="en-US"/>
           </a:p>
@@ -2931,7 +2933,7 @@
           <a:p>
             <a:fld id="{87C46EDA-6141-4A17-A137-A1686AD67C1D}" type="datetimeFigureOut">
               <a:rPr kumimoji="1" lang="ja-JP" altLang="en-US" smtClean="0"/>
-              <a:t>2023/5/28</a:t>
+              <a:t>2023/5/29</a:t>
             </a:fld>
             <a:endParaRPr kumimoji="1" lang="ja-JP" altLang="en-US"/>
           </a:p>
@@ -3313,7 +3315,7 @@
           <a:p>
             <a:fld id="{87C46EDA-6141-4A17-A137-A1686AD67C1D}" type="datetimeFigureOut">
               <a:rPr kumimoji="1" lang="ja-JP" altLang="en-US" smtClean="0"/>
-              <a:t>2023/5/28</a:t>
+              <a:t>2023/5/29</a:t>
             </a:fld>
             <a:endParaRPr kumimoji="1" lang="ja-JP" altLang="en-US"/>
           </a:p>
@@ -3632,7 +3634,7 @@
           <a:p>
             <a:fld id="{87C46EDA-6141-4A17-A137-A1686AD67C1D}" type="datetimeFigureOut">
               <a:rPr kumimoji="1" lang="ja-JP" altLang="en-US" smtClean="0"/>
-              <a:t>2023/5/28</a:t>
+              <a:t>2023/5/29</a:t>
             </a:fld>
             <a:endParaRPr kumimoji="1" lang="ja-JP" altLang="en-US"/>
           </a:p>
@@ -7998,20 +8000,53 @@
           </a:p>
           <a:p>
             <a:r>
-              <a:rPr kumimoji="1" lang="ja-JP" altLang="en-US" dirty="0"/>
+              <a:rPr lang="en-US" altLang="ja-JP" b="0" dirty="0">
+                <a:solidFill>
+                  <a:srgbClr val="6A9955"/>
+                </a:solidFill>
+                <a:effectLst/>
+                <a:latin typeface="Consolas" panose="020B0609020204030204" pitchFamily="49" charset="0"/>
+              </a:rPr>
+              <a:t># </a:t>
+            </a:r>
+            <a:r>
+              <a:rPr lang="ja-JP" altLang="en-US" b="0" dirty="0">
+                <a:solidFill>
+                  <a:srgbClr val="6A9955"/>
+                </a:solidFill>
+                <a:effectLst/>
+                <a:latin typeface="Consolas" panose="020B0609020204030204" pitchFamily="49" charset="0"/>
+              </a:rPr>
               <a:t>文字 </a:t>
             </a:r>
             <a:r>
-              <a:rPr kumimoji="1" lang="en-US" altLang="ja-JP" dirty="0"/>
-              <a:t>+ </a:t>
-            </a:r>
-            <a:r>
-              <a:rPr kumimoji="1" lang="ja-JP" altLang="en-US" dirty="0"/>
+              <a:rPr lang="en-US" altLang="ja-JP" dirty="0">
+                <a:solidFill>
+                  <a:srgbClr val="6A9955"/>
+                </a:solidFill>
+              </a:rPr>
+              <a:t>+</a:t>
+            </a:r>
+            <a:r>
+              <a:rPr lang="en-US" altLang="ja-JP" b="0" dirty="0">
+                <a:solidFill>
+                  <a:srgbClr val="6A9955"/>
+                </a:solidFill>
+                <a:effectLst/>
+                <a:latin typeface="Consolas" panose="020B0609020204030204" pitchFamily="49" charset="0"/>
+              </a:rPr>
+              <a:t> </a:t>
+            </a:r>
+            <a:r>
+              <a:rPr lang="ja-JP" altLang="en-US" b="0" dirty="0">
+                <a:solidFill>
+                  <a:srgbClr val="6A9955"/>
+                </a:solidFill>
+                <a:effectLst/>
+                <a:latin typeface="Consolas" panose="020B0609020204030204" pitchFamily="49" charset="0"/>
+              </a:rPr>
               <a:t>文字</a:t>
             </a:r>
-            <a:endParaRPr kumimoji="1" lang="en-US" altLang="ja-JP" dirty="0"/>
-          </a:p>
-          <a:p>
             <a:endParaRPr lang="en-US" altLang="ja-JP" sz="800" dirty="0"/>
           </a:p>
           <a:p>
@@ -8337,7 +8372,12 @@
             <p:ph idx="1"/>
           </p:nvPr>
         </p:nvSpPr>
-        <p:spPr/>
+        <p:spPr>
+          <a:xfrm>
+            <a:off x="1097280" y="1845734"/>
+            <a:ext cx="10058400" cy="4834466"/>
+          </a:xfrm>
+        </p:spPr>
         <p:txBody>
           <a:bodyPr>
             <a:normAutofit/>
@@ -8348,20 +8388,53 @@
           </a:p>
           <a:p>
             <a:r>
-              <a:rPr kumimoji="1" lang="ja-JP" altLang="en-US" dirty="0"/>
+              <a:rPr lang="en-US" altLang="ja-JP" b="0" dirty="0">
+                <a:solidFill>
+                  <a:srgbClr val="6A9955"/>
+                </a:solidFill>
+                <a:effectLst/>
+                <a:latin typeface="Consolas" panose="020B0609020204030204" pitchFamily="49" charset="0"/>
+              </a:rPr>
+              <a:t># </a:t>
+            </a:r>
+            <a:r>
+              <a:rPr lang="ja-JP" altLang="en-US" b="0" dirty="0">
+                <a:solidFill>
+                  <a:srgbClr val="6A9955"/>
+                </a:solidFill>
+                <a:effectLst/>
+                <a:latin typeface="Consolas" panose="020B0609020204030204" pitchFamily="49" charset="0"/>
+              </a:rPr>
               <a:t>文字 </a:t>
             </a:r>
             <a:r>
-              <a:rPr kumimoji="1" lang="en-US" altLang="ja-JP" dirty="0"/>
-              <a:t>+ </a:t>
-            </a:r>
-            <a:r>
-              <a:rPr kumimoji="1" lang="ja-JP" altLang="en-US" dirty="0"/>
+              <a:rPr lang="en-US" altLang="ja-JP" dirty="0">
+                <a:solidFill>
+                  <a:srgbClr val="6A9955"/>
+                </a:solidFill>
+              </a:rPr>
+              <a:t>+</a:t>
+            </a:r>
+            <a:r>
+              <a:rPr lang="en-US" altLang="ja-JP" b="0" dirty="0">
+                <a:solidFill>
+                  <a:srgbClr val="6A9955"/>
+                </a:solidFill>
+                <a:effectLst/>
+                <a:latin typeface="Consolas" panose="020B0609020204030204" pitchFamily="49" charset="0"/>
+              </a:rPr>
+              <a:t> </a:t>
+            </a:r>
+            <a:r>
+              <a:rPr lang="ja-JP" altLang="en-US" b="0" dirty="0">
+                <a:solidFill>
+                  <a:srgbClr val="6A9955"/>
+                </a:solidFill>
+                <a:effectLst/>
+                <a:latin typeface="Consolas" panose="020B0609020204030204" pitchFamily="49" charset="0"/>
+              </a:rPr>
               <a:t>文字</a:t>
             </a:r>
-            <a:endParaRPr kumimoji="1" lang="en-US" altLang="ja-JP" dirty="0"/>
-          </a:p>
-          <a:p>
             <a:endParaRPr lang="en-US" altLang="ja-JP" sz="800" dirty="0"/>
           </a:p>
           <a:p>
@@ -8488,6 +8561,55 @@
           </a:p>
           <a:p>
             <a:endParaRPr lang="en-US" altLang="ja-JP" b="0" dirty="0">
+              <a:solidFill>
+                <a:srgbClr val="6A9955"/>
+              </a:solidFill>
+              <a:effectLst/>
+              <a:latin typeface="Consolas" panose="020B0609020204030204" pitchFamily="49" charset="0"/>
+            </a:endParaRPr>
+          </a:p>
+          <a:p>
+            <a:r>
+              <a:rPr lang="en-US" altLang="ja-JP" b="0" dirty="0">
+                <a:solidFill>
+                  <a:srgbClr val="6A9955"/>
+                </a:solidFill>
+                <a:effectLst/>
+                <a:latin typeface="Consolas" panose="020B0609020204030204" pitchFamily="49" charset="0"/>
+              </a:rPr>
+              <a:t># </a:t>
+            </a:r>
+            <a:r>
+              <a:rPr lang="ja-JP" altLang="en-US" b="0" dirty="0">
+                <a:solidFill>
+                  <a:srgbClr val="6A9955"/>
+                </a:solidFill>
+                <a:effectLst/>
+                <a:latin typeface="Consolas" panose="020B0609020204030204" pitchFamily="49" charset="0"/>
+              </a:rPr>
+              <a:t>文字 </a:t>
+            </a:r>
+            <a:r>
+              <a:rPr lang="en-US" altLang="ja-JP" b="0" dirty="0">
+                <a:solidFill>
+                  <a:srgbClr val="6A9955"/>
+                </a:solidFill>
+                <a:effectLst/>
+                <a:latin typeface="Consolas" panose="020B0609020204030204" pitchFamily="49" charset="0"/>
+              </a:rPr>
+              <a:t>* </a:t>
+            </a:r>
+            <a:r>
+              <a:rPr lang="ja-JP" altLang="en-US" b="0" dirty="0">
+                <a:solidFill>
+                  <a:srgbClr val="6A9955"/>
+                </a:solidFill>
+                <a:effectLst/>
+                <a:latin typeface="Consolas" panose="020B0609020204030204" pitchFamily="49" charset="0"/>
+              </a:rPr>
+              <a:t>数字</a:t>
+            </a:r>
+            <a:endParaRPr lang="en-US" altLang="ja-JP" sz="800" b="0" dirty="0">
               <a:solidFill>
                 <a:schemeClr val="tx1"/>
               </a:solidFill>
@@ -8495,12 +8617,68 @@
               <a:latin typeface="Consolas" panose="020B0609020204030204" pitchFamily="49" charset="0"/>
             </a:endParaRPr>
           </a:p>
+          <a:p>
+            <a:r>
+              <a:rPr lang="en-US" altLang="ja-JP" b="0" dirty="0">
+                <a:solidFill>
+                  <a:schemeClr val="tx1"/>
+                </a:solidFill>
+                <a:effectLst/>
+                <a:latin typeface="Consolas" panose="020B0609020204030204" pitchFamily="49" charset="0"/>
+              </a:rPr>
+              <a:t>&gt;&gt;&gt; </a:t>
+            </a:r>
+            <a:r>
+              <a:rPr lang="en-US" altLang="ja-JP" b="0" dirty="0">
+                <a:solidFill>
+                  <a:srgbClr val="CE9178"/>
+                </a:solidFill>
+                <a:effectLst/>
+                <a:latin typeface="Consolas" panose="020B0609020204030204" pitchFamily="49" charset="0"/>
+              </a:rPr>
+              <a:t>""</a:t>
+            </a:r>
+            <a:r>
+              <a:rPr lang="ja-JP" altLang="en-US" b="0" dirty="0">
+                <a:solidFill>
+                  <a:srgbClr val="D4D4D4"/>
+                </a:solidFill>
+                <a:effectLst/>
+                <a:latin typeface="Consolas" panose="020B0609020204030204" pitchFamily="49" charset="0"/>
+              </a:rPr>
+              <a:t> * </a:t>
+            </a:r>
+            <a:r>
+              <a:rPr lang="en-US" altLang="ja-JP" b="0" dirty="0">
+                <a:solidFill>
+                  <a:srgbClr val="B5CEA8"/>
+                </a:solidFill>
+                <a:effectLst/>
+                <a:latin typeface="Consolas" panose="020B0609020204030204" pitchFamily="49" charset="0"/>
+              </a:rPr>
+              <a:t>5</a:t>
+            </a:r>
+            <a:endParaRPr lang="ja-JP" altLang="en-US" b="0" dirty="0">
+              <a:solidFill>
+                <a:srgbClr val="D4D4D4"/>
+              </a:solidFill>
+              <a:effectLst/>
+              <a:latin typeface="Consolas" panose="020B0609020204030204" pitchFamily="49" charset="0"/>
+            </a:endParaRPr>
+          </a:p>
+          <a:p>
+            <a:endParaRPr lang="en-US" altLang="ja-JP" dirty="0">
+              <a:solidFill>
+                <a:schemeClr val="tx1"/>
+              </a:solidFill>
+            </a:endParaRPr>
+          </a:p>
         </p:txBody>
       </p:sp>
     </p:spTree>
     <p:extLst>
       <p:ext uri="{BB962C8B-B14F-4D97-AF65-F5344CB8AC3E}">
-        <p14:creationId xmlns:p14="http://schemas.microsoft.com/office/powerpoint/2010/main" val="294156129"/>
+        <p14:creationId xmlns:p14="http://schemas.microsoft.com/office/powerpoint/2010/main" val="3163834224"/>
       </p:ext>
     </p:extLst>
   </p:cSld>
@@ -8572,7 +8750,12 @@
             <p:ph idx="1"/>
           </p:nvPr>
         </p:nvSpPr>
-        <p:spPr/>
+        <p:spPr>
+          <a:xfrm>
+            <a:off x="1097280" y="1845734"/>
+            <a:ext cx="10058400" cy="5012266"/>
+          </a:xfrm>
+        </p:spPr>
         <p:txBody>
           <a:bodyPr>
             <a:normAutofit/>
@@ -8583,20 +8766,225 @@
           </a:p>
           <a:p>
             <a:r>
-              <a:rPr kumimoji="1" lang="ja-JP" altLang="en-US" dirty="0"/>
+              <a:rPr lang="en-US" altLang="ja-JP" b="0" dirty="0">
+                <a:solidFill>
+                  <a:srgbClr val="6A9955"/>
+                </a:solidFill>
+                <a:effectLst/>
+                <a:latin typeface="Consolas" panose="020B0609020204030204" pitchFamily="49" charset="0"/>
+              </a:rPr>
+              <a:t># </a:t>
+            </a:r>
+            <a:r>
+              <a:rPr lang="ja-JP" altLang="en-US" b="0" dirty="0">
+                <a:solidFill>
+                  <a:srgbClr val="6A9955"/>
+                </a:solidFill>
+                <a:effectLst/>
+                <a:latin typeface="Consolas" panose="020B0609020204030204" pitchFamily="49" charset="0"/>
+              </a:rPr>
               <a:t>文字 </a:t>
             </a:r>
             <a:r>
-              <a:rPr lang="en-US" altLang="ja-JP" dirty="0"/>
+              <a:rPr lang="en-US" altLang="ja-JP" dirty="0">
+                <a:solidFill>
+                  <a:srgbClr val="6A9955"/>
+                </a:solidFill>
+              </a:rPr>
+              <a:t>+</a:t>
+            </a:r>
+            <a:r>
+              <a:rPr lang="en-US" altLang="ja-JP" b="0" dirty="0">
+                <a:solidFill>
+                  <a:srgbClr val="6A9955"/>
+                </a:solidFill>
+                <a:effectLst/>
+                <a:latin typeface="Consolas" panose="020B0609020204030204" pitchFamily="49" charset="0"/>
+              </a:rPr>
+              <a:t> </a:t>
+            </a:r>
+            <a:r>
+              <a:rPr lang="ja-JP" altLang="en-US" b="0" dirty="0">
+                <a:solidFill>
+                  <a:srgbClr val="6A9955"/>
+                </a:solidFill>
+                <a:effectLst/>
+                <a:latin typeface="Consolas" panose="020B0609020204030204" pitchFamily="49" charset="0"/>
+              </a:rPr>
+              <a:t>文字</a:t>
+            </a:r>
+            <a:endParaRPr lang="en-US" altLang="ja-JP" sz="800" dirty="0"/>
+          </a:p>
+          <a:p>
+            <a:r>
+              <a:rPr kumimoji="1" lang="en-US" altLang="ja-JP" dirty="0"/>
+              <a:t>&gt;&gt;&gt; </a:t>
+            </a:r>
+            <a:r>
+              <a:rPr lang="en-US" altLang="ja-JP" b="0" dirty="0">
+                <a:solidFill>
+                  <a:srgbClr val="CE9178"/>
+                </a:solidFill>
+                <a:effectLst/>
+                <a:latin typeface="Consolas" panose="020B0609020204030204" pitchFamily="49" charset="0"/>
+              </a:rPr>
+              <a:t>"</a:t>
+            </a:r>
+            <a:r>
+              <a:rPr lang="ja-JP" altLang="en-US" b="0" dirty="0">
+                <a:solidFill>
+                  <a:srgbClr val="CE9178"/>
+                </a:solidFill>
+                <a:effectLst/>
+                <a:latin typeface="Consolas" panose="020B0609020204030204" pitchFamily="49" charset="0"/>
+              </a:rPr>
+              <a:t>坂本</a:t>
+            </a:r>
+            <a:r>
+              <a:rPr lang="en-US" altLang="ja-JP" b="0" dirty="0">
+                <a:solidFill>
+                  <a:srgbClr val="CE9178"/>
+                </a:solidFill>
+                <a:effectLst/>
+                <a:latin typeface="Consolas" panose="020B0609020204030204" pitchFamily="49" charset="0"/>
+              </a:rPr>
+              <a:t>"</a:t>
+            </a:r>
+            <a:r>
+              <a:rPr lang="ja-JP" altLang="en-US" b="0" dirty="0">
+                <a:solidFill>
+                  <a:srgbClr val="D4D4D4"/>
+                </a:solidFill>
+                <a:effectLst/>
+                <a:latin typeface="Consolas" panose="020B0609020204030204" pitchFamily="49" charset="0"/>
+              </a:rPr>
+              <a:t> </a:t>
+            </a:r>
+            <a:r>
+              <a:rPr lang="en-US" altLang="ja-JP" b="0" dirty="0">
+                <a:solidFill>
+                  <a:schemeClr val="tx1"/>
+                </a:solidFill>
+                <a:effectLst/>
+                <a:latin typeface="Consolas" panose="020B0609020204030204" pitchFamily="49" charset="0"/>
+              </a:rPr>
+              <a:t>+</a:t>
+            </a:r>
+            <a:r>
+              <a:rPr lang="en-US" altLang="ja-JP" b="0" dirty="0">
+                <a:solidFill>
+                  <a:srgbClr val="D4D4D4"/>
+                </a:solidFill>
+                <a:effectLst/>
+                <a:latin typeface="Consolas" panose="020B0609020204030204" pitchFamily="49" charset="0"/>
+              </a:rPr>
+              <a:t> </a:t>
+            </a:r>
+            <a:r>
+              <a:rPr lang="en-US" altLang="ja-JP" b="0" dirty="0">
+                <a:solidFill>
+                  <a:srgbClr val="CE9178"/>
+                </a:solidFill>
+                <a:effectLst/>
+                <a:latin typeface="Consolas" panose="020B0609020204030204" pitchFamily="49" charset="0"/>
+              </a:rPr>
+              <a:t>"</a:t>
+            </a:r>
+            <a:r>
+              <a:rPr lang="ja-JP" altLang="en-US" b="0" dirty="0">
+                <a:solidFill>
+                  <a:srgbClr val="CE9178"/>
+                </a:solidFill>
+                <a:effectLst/>
+                <a:latin typeface="Consolas" panose="020B0609020204030204" pitchFamily="49" charset="0"/>
+              </a:rPr>
+              <a:t>龍馬</a:t>
+            </a:r>
+            <a:r>
+              <a:rPr lang="en-US" altLang="ja-JP" b="0" dirty="0">
+                <a:solidFill>
+                  <a:srgbClr val="CE9178"/>
+                </a:solidFill>
+                <a:effectLst/>
+                <a:latin typeface="Consolas" panose="020B0609020204030204" pitchFamily="49" charset="0"/>
+              </a:rPr>
+              <a:t>"</a:t>
+            </a:r>
+          </a:p>
+          <a:p>
+            <a:r>
+              <a:rPr lang="en-US" altLang="ja-JP" dirty="0">
+                <a:solidFill>
+                  <a:schemeClr val="tx1"/>
+                </a:solidFill>
+              </a:rPr>
+              <a:t>"</a:t>
+            </a:r>
+            <a:r>
+              <a:rPr lang="ja-JP" altLang="en-US" dirty="0">
+                <a:solidFill>
+                  <a:schemeClr val="tx1"/>
+                </a:solidFill>
+              </a:rPr>
+              <a:t>坂本龍馬</a:t>
+            </a:r>
+            <a:r>
+              <a:rPr lang="en-US" altLang="ja-JP" dirty="0">
+                <a:solidFill>
+                  <a:schemeClr val="tx1"/>
+                </a:solidFill>
+              </a:rPr>
+              <a:t>"</a:t>
+            </a:r>
+          </a:p>
+          <a:p>
+            <a:endParaRPr lang="en-US" altLang="ja-JP" b="0" dirty="0">
+              <a:solidFill>
+                <a:srgbClr val="6A9955"/>
+              </a:solidFill>
+              <a:effectLst/>
+              <a:latin typeface="Consolas" panose="020B0609020204030204" pitchFamily="49" charset="0"/>
+            </a:endParaRPr>
+          </a:p>
+          <a:p>
+            <a:r>
+              <a:rPr lang="en-US" altLang="ja-JP" b="0" dirty="0">
+                <a:solidFill>
+                  <a:srgbClr val="6A9955"/>
+                </a:solidFill>
+                <a:effectLst/>
+                <a:latin typeface="Consolas" panose="020B0609020204030204" pitchFamily="49" charset="0"/>
+              </a:rPr>
+              <a:t># </a:t>
+            </a:r>
+            <a:r>
+              <a:rPr lang="ja-JP" altLang="en-US" b="0" dirty="0">
+                <a:solidFill>
+                  <a:srgbClr val="6A9955"/>
+                </a:solidFill>
+                <a:effectLst/>
+                <a:latin typeface="Consolas" panose="020B0609020204030204" pitchFamily="49" charset="0"/>
+              </a:rPr>
+              <a:t>文字 </a:t>
+            </a:r>
+            <a:r>
+              <a:rPr lang="en-US" altLang="ja-JP" b="0" dirty="0">
+                <a:solidFill>
+                  <a:srgbClr val="6A9955"/>
+                </a:solidFill>
+                <a:effectLst/>
+                <a:latin typeface="Consolas" panose="020B0609020204030204" pitchFamily="49" charset="0"/>
+              </a:rPr>
               <a:t>* </a:t>
             </a:r>
             <a:r>
-              <a:rPr lang="ja-JP" altLang="en-US" dirty="0"/>
+              <a:rPr lang="ja-JP" altLang="en-US" dirty="0">
+                <a:solidFill>
+                  <a:srgbClr val="6A9955"/>
+                </a:solidFill>
+              </a:rPr>
               <a:t>数字</a:t>
             </a:r>
-            <a:endParaRPr kumimoji="1" lang="en-US" altLang="ja-JP" dirty="0"/>
-          </a:p>
-          <a:p>
             <a:endParaRPr lang="en-US" altLang="ja-JP" sz="800" b="0" dirty="0">
               <a:solidFill>
                 <a:schemeClr val="tx1"/>
@@ -8655,17 +9043,28 @@
             </a:endParaRPr>
           </a:p>
           <a:p>
-            <a:pPr marL="0" indent="0">
-              <a:buNone/>
-            </a:pPr>
-            <a:endParaRPr kumimoji="1" lang="ja-JP" altLang="en-US" dirty="0"/>
+            <a:r>
+              <a:rPr lang="en-US" altLang="ja-JP" dirty="0">
+                <a:solidFill>
+                  <a:schemeClr val="tx1"/>
+                </a:solidFill>
+              </a:rPr>
+              <a:t>""</a:t>
+            </a:r>
+          </a:p>
+          <a:p>
+            <a:endParaRPr lang="en-US" altLang="ja-JP" dirty="0">
+              <a:solidFill>
+                <a:schemeClr val="tx1"/>
+              </a:solidFill>
+            </a:endParaRPr>
           </a:p>
         </p:txBody>
       </p:sp>
     </p:spTree>
     <p:extLst>
       <p:ext uri="{BB962C8B-B14F-4D97-AF65-F5344CB8AC3E}">
-        <p14:creationId xmlns:p14="http://schemas.microsoft.com/office/powerpoint/2010/main" val="1830440522"/>
+        <p14:creationId xmlns:p14="http://schemas.microsoft.com/office/powerpoint/2010/main" val="1879786169"/>
       </p:ext>
     </p:extLst>
   </p:cSld>
@@ -8697,7 +9096,7 @@
           <p:cNvPr id="2" name="タイトル 1">
             <a:extLst>
               <a:ext uri="{FF2B5EF4-FFF2-40B4-BE49-F238E27FC236}">
-                <a16:creationId xmlns:a16="http://schemas.microsoft.com/office/drawing/2014/main" id="{E1F3B39B-0B0B-E6D9-9954-00EDB87906BB}"/>
+                <a16:creationId xmlns:a16="http://schemas.microsoft.com/office/drawing/2014/main" id="{E3BAC792-5928-3026-B252-A5088B568F8D}"/>
               </a:ext>
             </a:extLst>
           </p:cNvPr>
@@ -8726,7 +9125,7 @@
           <p:cNvPr id="3" name="コンテンツ プレースホルダー 2">
             <a:extLst>
               <a:ext uri="{FF2B5EF4-FFF2-40B4-BE49-F238E27FC236}">
-                <a16:creationId xmlns:a16="http://schemas.microsoft.com/office/drawing/2014/main" id="{D5CA25BE-FADF-0149-0FCF-1BFAC9C4D299}"/>
+                <a16:creationId xmlns:a16="http://schemas.microsoft.com/office/drawing/2014/main" id="{326504D7-B40E-1184-B64C-B2053C6AB6D3}"/>
               </a:ext>
             </a:extLst>
           </p:cNvPr>
@@ -8739,27 +9138,501 @@
         </p:nvSpPr>
         <p:spPr/>
         <p:txBody>
-          <a:bodyPr>
-            <a:normAutofit/>
-          </a:bodyPr>
+          <a:bodyPr/>
           <a:lstStyle/>
           <a:p>
-            <a:endParaRPr kumimoji="1" lang="en-US" altLang="ja-JP" sz="1000" dirty="0"/>
-          </a:p>
-          <a:p>
-            <a:r>
-              <a:rPr kumimoji="1" lang="ja-JP" altLang="en-US" dirty="0"/>
+            <a:pPr marL="0" indent="0">
+              <a:buNone/>
+            </a:pPr>
+            <a:endParaRPr lang="en-US" altLang="ja-JP" sz="1000" b="0" dirty="0">
+              <a:solidFill>
+                <a:srgbClr val="6A9955"/>
+              </a:solidFill>
+              <a:effectLst/>
+              <a:latin typeface="Consolas" panose="020B0609020204030204" pitchFamily="49" charset="0"/>
+            </a:endParaRPr>
+          </a:p>
+          <a:p>
+            <a:r>
+              <a:rPr lang="en-US" altLang="ja-JP" b="0" dirty="0">
+                <a:solidFill>
+                  <a:srgbClr val="6A9955"/>
+                </a:solidFill>
+                <a:effectLst/>
+                <a:latin typeface="Consolas" panose="020B0609020204030204" pitchFamily="49" charset="0"/>
+              </a:rPr>
+              <a:t># </a:t>
+            </a:r>
+            <a:r>
+              <a:rPr lang="ja-JP" altLang="en-US" b="0" dirty="0">
+                <a:solidFill>
+                  <a:srgbClr val="6A9955"/>
+                </a:solidFill>
+                <a:effectLst/>
+                <a:latin typeface="Consolas" panose="020B0609020204030204" pitchFamily="49" charset="0"/>
+              </a:rPr>
               <a:t>文字 </a:t>
             </a:r>
             <a:r>
-              <a:rPr lang="en-US" altLang="ja-JP" dirty="0"/>
-              <a:t>* </a:t>
-            </a:r>
-            <a:r>
-              <a:rPr lang="ja-JP" altLang="en-US" dirty="0"/>
-              <a:t>数字</a:t>
-            </a:r>
-            <a:endParaRPr kumimoji="1" lang="en-US" altLang="ja-JP" dirty="0"/>
+              <a:rPr lang="en-US" altLang="ja-JP" b="0" dirty="0">
+                <a:solidFill>
+                  <a:srgbClr val="6A9955"/>
+                </a:solidFill>
+                <a:effectLst/>
+                <a:latin typeface="Consolas" panose="020B0609020204030204" pitchFamily="49" charset="0"/>
+              </a:rPr>
+              <a:t>- </a:t>
+            </a:r>
+            <a:r>
+              <a:rPr lang="ja-JP" altLang="en-US" b="0" dirty="0">
+                <a:solidFill>
+                  <a:srgbClr val="6A9955"/>
+                </a:solidFill>
+                <a:effectLst/>
+                <a:latin typeface="Consolas" panose="020B0609020204030204" pitchFamily="49" charset="0"/>
+              </a:rPr>
+              <a:t>文字</a:t>
+            </a:r>
+            <a:endParaRPr lang="ja-JP" altLang="en-US" b="0" dirty="0">
+              <a:solidFill>
+                <a:srgbClr val="D4D4D4"/>
+              </a:solidFill>
+              <a:effectLst/>
+              <a:latin typeface="Consolas" panose="020B0609020204030204" pitchFamily="49" charset="0"/>
+            </a:endParaRPr>
+          </a:p>
+          <a:p>
+            <a:r>
+              <a:rPr lang="en-US" altLang="ja-JP" b="0" dirty="0">
+                <a:solidFill>
+                  <a:schemeClr val="tx1"/>
+                </a:solidFill>
+                <a:effectLst/>
+                <a:latin typeface="Consolas" panose="020B0609020204030204" pitchFamily="49" charset="0"/>
+              </a:rPr>
+              <a:t>&gt;&gt;&gt;</a:t>
+            </a:r>
+            <a:r>
+              <a:rPr lang="en-US" altLang="ja-JP" b="0" dirty="0">
+                <a:solidFill>
+                  <a:srgbClr val="DCDCAA"/>
+                </a:solidFill>
+                <a:effectLst/>
+                <a:latin typeface="Consolas" panose="020B0609020204030204" pitchFamily="49" charset="0"/>
+              </a:rPr>
+              <a:t> </a:t>
+            </a:r>
+            <a:r>
+              <a:rPr lang="en-US" altLang="ja-JP" b="0" dirty="0">
+                <a:solidFill>
+                  <a:srgbClr val="CE9178"/>
+                </a:solidFill>
+                <a:effectLst/>
+                <a:latin typeface="Consolas" panose="020B0609020204030204" pitchFamily="49" charset="0"/>
+              </a:rPr>
+              <a:t>"</a:t>
+            </a:r>
+            <a:r>
+              <a:rPr lang="ja-JP" altLang="en-US" b="0" dirty="0">
+                <a:solidFill>
+                  <a:srgbClr val="CE9178"/>
+                </a:solidFill>
+                <a:effectLst/>
+                <a:latin typeface="Consolas" panose="020B0609020204030204" pitchFamily="49" charset="0"/>
+              </a:rPr>
+              <a:t>文字</a:t>
+            </a:r>
+            <a:r>
+              <a:rPr lang="en-US" altLang="ja-JP" b="0" dirty="0">
+                <a:solidFill>
+                  <a:srgbClr val="CE9178"/>
+                </a:solidFill>
+                <a:effectLst/>
+                <a:latin typeface="Consolas" panose="020B0609020204030204" pitchFamily="49" charset="0"/>
+              </a:rPr>
+              <a:t>"</a:t>
+            </a:r>
+            <a:r>
+              <a:rPr lang="ja-JP" altLang="en-US" b="0" dirty="0">
+                <a:solidFill>
+                  <a:srgbClr val="D4D4D4"/>
+                </a:solidFill>
+                <a:effectLst/>
+                <a:latin typeface="Consolas" panose="020B0609020204030204" pitchFamily="49" charset="0"/>
+              </a:rPr>
+              <a:t> </a:t>
+            </a:r>
+            <a:r>
+              <a:rPr lang="en-US" altLang="ja-JP" b="0" dirty="0">
+                <a:solidFill>
+                  <a:schemeClr val="tx1"/>
+                </a:solidFill>
+                <a:effectLst/>
+                <a:latin typeface="Consolas" panose="020B0609020204030204" pitchFamily="49" charset="0"/>
+              </a:rPr>
+              <a:t>-</a:t>
+            </a:r>
+            <a:r>
+              <a:rPr lang="en-US" altLang="ja-JP" b="0" dirty="0">
+                <a:solidFill>
+                  <a:srgbClr val="D4D4D4"/>
+                </a:solidFill>
+                <a:effectLst/>
+                <a:latin typeface="Consolas" panose="020B0609020204030204" pitchFamily="49" charset="0"/>
+              </a:rPr>
+              <a:t> </a:t>
+            </a:r>
+            <a:r>
+              <a:rPr lang="en-US" altLang="ja-JP" b="0" dirty="0">
+                <a:solidFill>
+                  <a:srgbClr val="CE9178"/>
+                </a:solidFill>
+                <a:effectLst/>
+                <a:latin typeface="Consolas" panose="020B0609020204030204" pitchFamily="49" charset="0"/>
+              </a:rPr>
+              <a:t>"</a:t>
+            </a:r>
+            <a:r>
+              <a:rPr lang="ja-JP" altLang="en-US" b="0" dirty="0">
+                <a:solidFill>
+                  <a:srgbClr val="CE9178"/>
+                </a:solidFill>
+                <a:effectLst/>
+                <a:latin typeface="Consolas" panose="020B0609020204030204" pitchFamily="49" charset="0"/>
+              </a:rPr>
+              <a:t>文字</a:t>
+            </a:r>
+            <a:r>
+              <a:rPr lang="en-US" altLang="ja-JP" b="0" dirty="0">
+                <a:solidFill>
+                  <a:srgbClr val="CE9178"/>
+                </a:solidFill>
+                <a:effectLst/>
+                <a:latin typeface="Consolas" panose="020B0609020204030204" pitchFamily="49" charset="0"/>
+              </a:rPr>
+              <a:t>"</a:t>
+            </a:r>
+            <a:endParaRPr lang="en-US" altLang="ja-JP" b="0" dirty="0">
+              <a:solidFill>
+                <a:schemeClr val="tx1"/>
+              </a:solidFill>
+              <a:effectLst/>
+              <a:latin typeface="Consolas" panose="020B0609020204030204" pitchFamily="49" charset="0"/>
+            </a:endParaRPr>
+          </a:p>
+          <a:p>
+            <a:r>
+              <a:rPr lang="en-US" altLang="ja-JP" b="0" dirty="0">
+                <a:solidFill>
+                  <a:srgbClr val="6A9955"/>
+                </a:solidFill>
+                <a:effectLst/>
+                <a:latin typeface="Consolas" panose="020B0609020204030204" pitchFamily="49" charset="0"/>
+              </a:rPr>
+              <a:t># </a:t>
+            </a:r>
+            <a:r>
+              <a:rPr lang="ja-JP" altLang="en-US" b="0" dirty="0">
+                <a:solidFill>
+                  <a:srgbClr val="6A9955"/>
+                </a:solidFill>
+                <a:effectLst/>
+                <a:latin typeface="Consolas" panose="020B0609020204030204" pitchFamily="49" charset="0"/>
+              </a:rPr>
+              <a:t>文字 </a:t>
+            </a:r>
+            <a:r>
+              <a:rPr lang="en-US" altLang="ja-JP" b="0" dirty="0">
+                <a:solidFill>
+                  <a:srgbClr val="6A9955"/>
+                </a:solidFill>
+                <a:effectLst/>
+                <a:latin typeface="Consolas" panose="020B0609020204030204" pitchFamily="49" charset="0"/>
+              </a:rPr>
+              <a:t>÷ </a:t>
+            </a:r>
+            <a:r>
+              <a:rPr lang="ja-JP" altLang="en-US" b="0" dirty="0">
+                <a:solidFill>
+                  <a:srgbClr val="6A9955"/>
+                </a:solidFill>
+                <a:effectLst/>
+                <a:latin typeface="Consolas" panose="020B0609020204030204" pitchFamily="49" charset="0"/>
+              </a:rPr>
+              <a:t>文字</a:t>
+            </a:r>
+            <a:endParaRPr lang="ja-JP" altLang="en-US" b="0" dirty="0">
+              <a:solidFill>
+                <a:srgbClr val="D4D4D4"/>
+              </a:solidFill>
+              <a:effectLst/>
+              <a:latin typeface="Consolas" panose="020B0609020204030204" pitchFamily="49" charset="0"/>
+            </a:endParaRPr>
+          </a:p>
+          <a:p>
+            <a:r>
+              <a:rPr lang="en-US" altLang="ja-JP" dirty="0">
+                <a:solidFill>
+                  <a:schemeClr val="tx1"/>
+                </a:solidFill>
+              </a:rPr>
+              <a:t>&gt;&gt;&gt;</a:t>
+            </a:r>
+            <a:r>
+              <a:rPr lang="en-US" altLang="ja-JP" dirty="0">
+                <a:solidFill>
+                  <a:srgbClr val="DCDCAA"/>
+                </a:solidFill>
+              </a:rPr>
+              <a:t> </a:t>
+            </a:r>
+            <a:r>
+              <a:rPr lang="en-US" altLang="ja-JP" b="0" dirty="0">
+                <a:solidFill>
+                  <a:srgbClr val="CE9178"/>
+                </a:solidFill>
+                <a:effectLst/>
+                <a:latin typeface="Consolas" panose="020B0609020204030204" pitchFamily="49" charset="0"/>
+              </a:rPr>
+              <a:t>"</a:t>
+            </a:r>
+            <a:r>
+              <a:rPr lang="ja-JP" altLang="en-US" b="0" dirty="0">
+                <a:solidFill>
+                  <a:srgbClr val="CE9178"/>
+                </a:solidFill>
+                <a:effectLst/>
+                <a:latin typeface="Consolas" panose="020B0609020204030204" pitchFamily="49" charset="0"/>
+              </a:rPr>
+              <a:t>文字</a:t>
+            </a:r>
+            <a:r>
+              <a:rPr lang="en-US" altLang="ja-JP" b="0" dirty="0">
+                <a:solidFill>
+                  <a:srgbClr val="CE9178"/>
+                </a:solidFill>
+                <a:effectLst/>
+                <a:latin typeface="Consolas" panose="020B0609020204030204" pitchFamily="49" charset="0"/>
+              </a:rPr>
+              <a:t>"</a:t>
+            </a:r>
+            <a:r>
+              <a:rPr lang="ja-JP" altLang="en-US" b="0" dirty="0">
+                <a:solidFill>
+                  <a:srgbClr val="D4D4D4"/>
+                </a:solidFill>
+                <a:effectLst/>
+                <a:latin typeface="Consolas" panose="020B0609020204030204" pitchFamily="49" charset="0"/>
+              </a:rPr>
+              <a:t> </a:t>
+            </a:r>
+            <a:r>
+              <a:rPr lang="en-US" altLang="ja-JP" b="0" dirty="0">
+                <a:solidFill>
+                  <a:schemeClr val="tx1"/>
+                </a:solidFill>
+                <a:effectLst/>
+                <a:latin typeface="Consolas" panose="020B0609020204030204" pitchFamily="49" charset="0"/>
+              </a:rPr>
+              <a:t>/</a:t>
+            </a:r>
+            <a:r>
+              <a:rPr lang="en-US" altLang="ja-JP" b="0" dirty="0">
+                <a:solidFill>
+                  <a:srgbClr val="D4D4D4"/>
+                </a:solidFill>
+                <a:effectLst/>
+                <a:latin typeface="Consolas" panose="020B0609020204030204" pitchFamily="49" charset="0"/>
+              </a:rPr>
+              <a:t> </a:t>
+            </a:r>
+            <a:r>
+              <a:rPr lang="en-US" altLang="ja-JP" b="0" dirty="0">
+                <a:solidFill>
+                  <a:srgbClr val="CE9178"/>
+                </a:solidFill>
+                <a:effectLst/>
+                <a:latin typeface="Consolas" panose="020B0609020204030204" pitchFamily="49" charset="0"/>
+              </a:rPr>
+              <a:t>"</a:t>
+            </a:r>
+            <a:r>
+              <a:rPr lang="ja-JP" altLang="en-US" b="0" dirty="0">
+                <a:solidFill>
+                  <a:srgbClr val="CE9178"/>
+                </a:solidFill>
+                <a:effectLst/>
+                <a:latin typeface="Consolas" panose="020B0609020204030204" pitchFamily="49" charset="0"/>
+              </a:rPr>
+              <a:t>文字</a:t>
+            </a:r>
+            <a:r>
+              <a:rPr lang="en-US" altLang="ja-JP" b="0" dirty="0">
+                <a:solidFill>
+                  <a:srgbClr val="CE9178"/>
+                </a:solidFill>
+                <a:effectLst/>
+                <a:latin typeface="Consolas" panose="020B0609020204030204" pitchFamily="49" charset="0"/>
+              </a:rPr>
+              <a:t>"</a:t>
+            </a:r>
+          </a:p>
+          <a:p>
+            <a:r>
+              <a:rPr lang="en-US" altLang="ja-JP" b="0" dirty="0">
+                <a:solidFill>
+                  <a:srgbClr val="6A9955"/>
+                </a:solidFill>
+                <a:effectLst/>
+                <a:latin typeface="Consolas" panose="020B0609020204030204" pitchFamily="49" charset="0"/>
+              </a:rPr>
+              <a:t># </a:t>
+            </a:r>
+            <a:r>
+              <a:rPr lang="ja-JP" altLang="en-US" b="0" dirty="0">
+                <a:solidFill>
+                  <a:srgbClr val="6A9955"/>
+                </a:solidFill>
+                <a:effectLst/>
+                <a:latin typeface="Consolas" panose="020B0609020204030204" pitchFamily="49" charset="0"/>
+              </a:rPr>
+              <a:t>文字 </a:t>
+            </a:r>
+            <a:r>
+              <a:rPr lang="en-US" altLang="ja-JP" b="0" dirty="0">
+                <a:solidFill>
+                  <a:srgbClr val="6A9955"/>
+                </a:solidFill>
+                <a:effectLst/>
+                <a:latin typeface="Consolas" panose="020B0609020204030204" pitchFamily="49" charset="0"/>
+              </a:rPr>
+              <a:t>÷ </a:t>
+            </a:r>
+            <a:r>
+              <a:rPr lang="ja-JP" altLang="en-US" b="0" dirty="0">
+                <a:solidFill>
+                  <a:srgbClr val="6A9955"/>
+                </a:solidFill>
+                <a:effectLst/>
+                <a:latin typeface="Consolas" panose="020B0609020204030204" pitchFamily="49" charset="0"/>
+              </a:rPr>
+              <a:t>文字</a:t>
+            </a:r>
+            <a:endParaRPr lang="ja-JP" altLang="en-US" b="0" dirty="0">
+              <a:solidFill>
+                <a:srgbClr val="D4D4D4"/>
+              </a:solidFill>
+              <a:effectLst/>
+              <a:latin typeface="Consolas" panose="020B0609020204030204" pitchFamily="49" charset="0"/>
+            </a:endParaRPr>
+          </a:p>
+          <a:p>
+            <a:r>
+              <a:rPr lang="en-US" altLang="ja-JP" dirty="0">
+                <a:solidFill>
+                  <a:schemeClr val="tx1"/>
+                </a:solidFill>
+              </a:rPr>
+              <a:t>&gt;&gt;&gt;</a:t>
+            </a:r>
+            <a:r>
+              <a:rPr lang="en-US" altLang="ja-JP" dirty="0">
+                <a:solidFill>
+                  <a:srgbClr val="DCDCAA"/>
+                </a:solidFill>
+              </a:rPr>
+              <a:t> </a:t>
+            </a:r>
+            <a:r>
+              <a:rPr lang="en-US" altLang="ja-JP" b="0" dirty="0">
+                <a:solidFill>
+                  <a:srgbClr val="CE9178"/>
+                </a:solidFill>
+                <a:effectLst/>
+                <a:latin typeface="Consolas" panose="020B0609020204030204" pitchFamily="49" charset="0"/>
+              </a:rPr>
+              <a:t>"</a:t>
+            </a:r>
+            <a:r>
+              <a:rPr lang="ja-JP" altLang="en-US" b="0" dirty="0">
+                <a:solidFill>
+                  <a:srgbClr val="CE9178"/>
+                </a:solidFill>
+                <a:effectLst/>
+                <a:latin typeface="Consolas" panose="020B0609020204030204" pitchFamily="49" charset="0"/>
+              </a:rPr>
+              <a:t>文字</a:t>
+            </a:r>
+            <a:r>
+              <a:rPr lang="en-US" altLang="ja-JP" b="0" dirty="0">
+                <a:solidFill>
+                  <a:srgbClr val="CE9178"/>
+                </a:solidFill>
+                <a:effectLst/>
+                <a:latin typeface="Consolas" panose="020B0609020204030204" pitchFamily="49" charset="0"/>
+              </a:rPr>
+              <a:t>"</a:t>
+            </a:r>
+            <a:r>
+              <a:rPr lang="ja-JP" altLang="en-US" b="0" dirty="0">
+                <a:solidFill>
+                  <a:srgbClr val="D4D4D4"/>
+                </a:solidFill>
+                <a:effectLst/>
+                <a:latin typeface="Consolas" panose="020B0609020204030204" pitchFamily="49" charset="0"/>
+              </a:rPr>
+              <a:t> </a:t>
+            </a:r>
+            <a:r>
+              <a:rPr lang="en-US" altLang="ja-JP" b="0" dirty="0">
+                <a:solidFill>
+                  <a:schemeClr val="tx1"/>
+                </a:solidFill>
+                <a:effectLst/>
+                <a:latin typeface="Consolas" panose="020B0609020204030204" pitchFamily="49" charset="0"/>
+              </a:rPr>
+              <a:t>/</a:t>
+            </a:r>
+            <a:r>
+              <a:rPr lang="en-US" altLang="ja-JP" b="0" dirty="0">
+                <a:solidFill>
+                  <a:srgbClr val="D4D4D4"/>
+                </a:solidFill>
+                <a:effectLst/>
+                <a:latin typeface="Consolas" panose="020B0609020204030204" pitchFamily="49" charset="0"/>
+              </a:rPr>
+              <a:t> </a:t>
+            </a:r>
+            <a:r>
+              <a:rPr lang="en-US" altLang="ja-JP" b="0" dirty="0">
+                <a:solidFill>
+                  <a:srgbClr val="CE9178"/>
+                </a:solidFill>
+                <a:effectLst/>
+                <a:latin typeface="Consolas" panose="020B0609020204030204" pitchFamily="49" charset="0"/>
+              </a:rPr>
+              <a:t>"</a:t>
+            </a:r>
+            <a:r>
+              <a:rPr lang="ja-JP" altLang="en-US" b="0" dirty="0">
+                <a:solidFill>
+                  <a:srgbClr val="CE9178"/>
+                </a:solidFill>
+                <a:effectLst/>
+                <a:latin typeface="Consolas" panose="020B0609020204030204" pitchFamily="49" charset="0"/>
+              </a:rPr>
+              <a:t>文字</a:t>
+            </a:r>
+            <a:r>
+              <a:rPr lang="en-US" altLang="ja-JP" b="0" dirty="0">
+                <a:solidFill>
+                  <a:srgbClr val="CE9178"/>
+                </a:solidFill>
+                <a:effectLst/>
+                <a:latin typeface="Consolas" panose="020B0609020204030204" pitchFamily="49" charset="0"/>
+              </a:rPr>
+              <a:t>"</a:t>
+            </a:r>
           </a:p>
           <a:p>
             <a:endParaRPr lang="en-US" altLang="ja-JP" sz="800" b="0" dirty="0">
@@ -8770,77 +9643,12 @@
               <a:latin typeface="Consolas" panose="020B0609020204030204" pitchFamily="49" charset="0"/>
             </a:endParaRPr>
           </a:p>
-          <a:p>
-            <a:r>
-              <a:rPr lang="en-US" altLang="ja-JP" b="0" dirty="0">
-                <a:solidFill>
-                  <a:schemeClr val="tx1"/>
-                </a:solidFill>
-                <a:effectLst/>
-                <a:latin typeface="Consolas" panose="020B0609020204030204" pitchFamily="49" charset="0"/>
-              </a:rPr>
-              <a:t>&gt;&gt;&gt; </a:t>
-            </a:r>
-            <a:r>
-              <a:rPr lang="en-US" altLang="ja-JP" b="0" dirty="0">
-                <a:solidFill>
-                  <a:srgbClr val="CE9178"/>
-                </a:solidFill>
-                <a:effectLst/>
-                <a:latin typeface="Consolas" panose="020B0609020204030204" pitchFamily="49" charset="0"/>
-              </a:rPr>
-              <a:t>""</a:t>
-            </a:r>
-            <a:r>
-              <a:rPr lang="ja-JP" altLang="en-US" b="0" dirty="0">
-                <a:solidFill>
-                  <a:srgbClr val="D4D4D4"/>
-                </a:solidFill>
-                <a:effectLst/>
-                <a:latin typeface="Consolas" panose="020B0609020204030204" pitchFamily="49" charset="0"/>
-              </a:rPr>
-              <a:t> * </a:t>
-            </a:r>
-            <a:r>
-              <a:rPr lang="en-US" altLang="ja-JP" b="0" dirty="0">
-                <a:solidFill>
-                  <a:srgbClr val="B5CEA8"/>
-                </a:solidFill>
-                <a:effectLst/>
-                <a:latin typeface="Consolas" panose="020B0609020204030204" pitchFamily="49" charset="0"/>
-              </a:rPr>
-              <a:t>5</a:t>
-            </a:r>
-            <a:endParaRPr lang="ja-JP" altLang="en-US" b="0" dirty="0">
-              <a:solidFill>
-                <a:srgbClr val="D4D4D4"/>
-              </a:solidFill>
-              <a:effectLst/>
-              <a:latin typeface="Consolas" panose="020B0609020204030204" pitchFamily="49" charset="0"/>
-            </a:endParaRPr>
-          </a:p>
-          <a:p>
-            <a:r>
-              <a:rPr lang="en-US" altLang="ja-JP" dirty="0">
-                <a:solidFill>
-                  <a:schemeClr val="tx1"/>
-                </a:solidFill>
-              </a:rPr>
-              <a:t>""</a:t>
-            </a:r>
-          </a:p>
-          <a:p>
-            <a:pPr marL="0" indent="0">
-              <a:buNone/>
-            </a:pPr>
-            <a:endParaRPr kumimoji="1" lang="ja-JP" altLang="en-US" dirty="0"/>
-          </a:p>
         </p:txBody>
       </p:sp>
     </p:spTree>
     <p:extLst>
       <p:ext uri="{BB962C8B-B14F-4D97-AF65-F5344CB8AC3E}">
-        <p14:creationId xmlns:p14="http://schemas.microsoft.com/office/powerpoint/2010/main" val="656676408"/>
+        <p14:creationId xmlns:p14="http://schemas.microsoft.com/office/powerpoint/2010/main" val="4069862915"/>
       </p:ext>
     </p:extLst>
   </p:cSld>
@@ -8872,7 +9680,7 @@
           <p:cNvPr id="2" name="タイトル 1">
             <a:extLst>
               <a:ext uri="{FF2B5EF4-FFF2-40B4-BE49-F238E27FC236}">
-                <a16:creationId xmlns:a16="http://schemas.microsoft.com/office/drawing/2014/main" id="{14DE72A2-6138-82D6-345E-D7E4911F2EAD}"/>
+                <a16:creationId xmlns:a16="http://schemas.microsoft.com/office/drawing/2014/main" id="{E3BAC792-5928-3026-B252-A5088B568F8D}"/>
               </a:ext>
             </a:extLst>
           </p:cNvPr>
@@ -8901,7 +9709,7 @@
           <p:cNvPr id="3" name="コンテンツ プレースホルダー 2">
             <a:extLst>
               <a:ext uri="{FF2B5EF4-FFF2-40B4-BE49-F238E27FC236}">
-                <a16:creationId xmlns:a16="http://schemas.microsoft.com/office/drawing/2014/main" id="{CEB280C7-C6B6-8881-61AD-09A5335E2A4D}"/>
+                <a16:creationId xmlns:a16="http://schemas.microsoft.com/office/drawing/2014/main" id="{326504D7-B40E-1184-B64C-B2053C6AB6D3}"/>
               </a:ext>
             </a:extLst>
           </p:cNvPr>
@@ -8912,19 +9720,551 @@
             <p:ph idx="1"/>
           </p:nvPr>
         </p:nvSpPr>
-        <p:spPr/>
+        <p:spPr>
+          <a:xfrm>
+            <a:off x="1097280" y="1845734"/>
+            <a:ext cx="10058400" cy="4402666"/>
+          </a:xfrm>
+        </p:spPr>
         <p:txBody>
-          <a:bodyPr/>
+          <a:bodyPr>
+            <a:normAutofit fontScale="92500" lnSpcReduction="10000"/>
+          </a:bodyPr>
           <a:lstStyle/>
           <a:p>
-            <a:endParaRPr kumimoji="1" lang="ja-JP" altLang="en-US" dirty="0"/>
+            <a:pPr marL="0" indent="0">
+              <a:buNone/>
+            </a:pPr>
+            <a:endParaRPr lang="en-US" altLang="ja-JP" sz="1000" b="0" dirty="0">
+              <a:solidFill>
+                <a:srgbClr val="6A9955"/>
+              </a:solidFill>
+              <a:effectLst/>
+              <a:latin typeface="Consolas" panose="020B0609020204030204" pitchFamily="49" charset="0"/>
+            </a:endParaRPr>
+          </a:p>
+          <a:p>
+            <a:r>
+              <a:rPr lang="en-US" altLang="ja-JP" b="0" dirty="0">
+                <a:solidFill>
+                  <a:srgbClr val="6A9955"/>
+                </a:solidFill>
+                <a:effectLst/>
+                <a:latin typeface="Consolas" panose="020B0609020204030204" pitchFamily="49" charset="0"/>
+              </a:rPr>
+              <a:t># </a:t>
+            </a:r>
+            <a:r>
+              <a:rPr lang="ja-JP" altLang="en-US" b="0" dirty="0">
+                <a:solidFill>
+                  <a:srgbClr val="6A9955"/>
+                </a:solidFill>
+                <a:effectLst/>
+                <a:latin typeface="Consolas" panose="020B0609020204030204" pitchFamily="49" charset="0"/>
+              </a:rPr>
+              <a:t>文字 </a:t>
+            </a:r>
+            <a:r>
+              <a:rPr lang="en-US" altLang="ja-JP" b="0" dirty="0">
+                <a:solidFill>
+                  <a:srgbClr val="6A9955"/>
+                </a:solidFill>
+                <a:effectLst/>
+                <a:latin typeface="Consolas" panose="020B0609020204030204" pitchFamily="49" charset="0"/>
+              </a:rPr>
+              <a:t>- </a:t>
+            </a:r>
+            <a:r>
+              <a:rPr lang="ja-JP" altLang="en-US" b="0" dirty="0">
+                <a:solidFill>
+                  <a:srgbClr val="6A9955"/>
+                </a:solidFill>
+                <a:effectLst/>
+                <a:latin typeface="Consolas" panose="020B0609020204030204" pitchFamily="49" charset="0"/>
+              </a:rPr>
+              <a:t>文字</a:t>
+            </a:r>
+            <a:endParaRPr lang="ja-JP" altLang="en-US" b="0" dirty="0">
+              <a:solidFill>
+                <a:srgbClr val="D4D4D4"/>
+              </a:solidFill>
+              <a:effectLst/>
+              <a:latin typeface="Consolas" panose="020B0609020204030204" pitchFamily="49" charset="0"/>
+            </a:endParaRPr>
+          </a:p>
+          <a:p>
+            <a:r>
+              <a:rPr lang="en-US" altLang="ja-JP" b="0" dirty="0">
+                <a:solidFill>
+                  <a:schemeClr val="tx1"/>
+                </a:solidFill>
+                <a:effectLst/>
+                <a:latin typeface="Consolas" panose="020B0609020204030204" pitchFamily="49" charset="0"/>
+              </a:rPr>
+              <a:t>&gt;&gt;&gt;</a:t>
+            </a:r>
+            <a:r>
+              <a:rPr lang="en-US" altLang="ja-JP" b="0" dirty="0">
+                <a:solidFill>
+                  <a:srgbClr val="DCDCAA"/>
+                </a:solidFill>
+                <a:effectLst/>
+                <a:latin typeface="Consolas" panose="020B0609020204030204" pitchFamily="49" charset="0"/>
+              </a:rPr>
+              <a:t> </a:t>
+            </a:r>
+            <a:r>
+              <a:rPr lang="en-US" altLang="ja-JP" b="0" dirty="0">
+                <a:solidFill>
+                  <a:srgbClr val="CE9178"/>
+                </a:solidFill>
+                <a:effectLst/>
+                <a:latin typeface="Consolas" panose="020B0609020204030204" pitchFamily="49" charset="0"/>
+              </a:rPr>
+              <a:t>"</a:t>
+            </a:r>
+            <a:r>
+              <a:rPr lang="ja-JP" altLang="en-US" b="0" dirty="0">
+                <a:solidFill>
+                  <a:srgbClr val="CE9178"/>
+                </a:solidFill>
+                <a:effectLst/>
+                <a:latin typeface="Consolas" panose="020B0609020204030204" pitchFamily="49" charset="0"/>
+              </a:rPr>
+              <a:t>文字</a:t>
+            </a:r>
+            <a:r>
+              <a:rPr lang="en-US" altLang="ja-JP" b="0" dirty="0">
+                <a:solidFill>
+                  <a:srgbClr val="CE9178"/>
+                </a:solidFill>
+                <a:effectLst/>
+                <a:latin typeface="Consolas" panose="020B0609020204030204" pitchFamily="49" charset="0"/>
+              </a:rPr>
+              <a:t>"</a:t>
+            </a:r>
+            <a:r>
+              <a:rPr lang="ja-JP" altLang="en-US" b="0" dirty="0">
+                <a:solidFill>
+                  <a:srgbClr val="D4D4D4"/>
+                </a:solidFill>
+                <a:effectLst/>
+                <a:latin typeface="Consolas" panose="020B0609020204030204" pitchFamily="49" charset="0"/>
+              </a:rPr>
+              <a:t> </a:t>
+            </a:r>
+            <a:r>
+              <a:rPr lang="en-US" altLang="ja-JP" b="0" dirty="0">
+                <a:solidFill>
+                  <a:schemeClr val="tx1"/>
+                </a:solidFill>
+                <a:effectLst/>
+                <a:latin typeface="Consolas" panose="020B0609020204030204" pitchFamily="49" charset="0"/>
+              </a:rPr>
+              <a:t>-</a:t>
+            </a:r>
+            <a:r>
+              <a:rPr lang="en-US" altLang="ja-JP" b="0" dirty="0">
+                <a:solidFill>
+                  <a:srgbClr val="D4D4D4"/>
+                </a:solidFill>
+                <a:effectLst/>
+                <a:latin typeface="Consolas" panose="020B0609020204030204" pitchFamily="49" charset="0"/>
+              </a:rPr>
+              <a:t> </a:t>
+            </a:r>
+            <a:r>
+              <a:rPr lang="en-US" altLang="ja-JP" b="0" dirty="0">
+                <a:solidFill>
+                  <a:srgbClr val="CE9178"/>
+                </a:solidFill>
+                <a:effectLst/>
+                <a:latin typeface="Consolas" panose="020B0609020204030204" pitchFamily="49" charset="0"/>
+              </a:rPr>
+              <a:t>"</a:t>
+            </a:r>
+            <a:r>
+              <a:rPr lang="ja-JP" altLang="en-US" b="0" dirty="0">
+                <a:solidFill>
+                  <a:srgbClr val="CE9178"/>
+                </a:solidFill>
+                <a:effectLst/>
+                <a:latin typeface="Consolas" panose="020B0609020204030204" pitchFamily="49" charset="0"/>
+              </a:rPr>
+              <a:t>文字</a:t>
+            </a:r>
+            <a:r>
+              <a:rPr lang="en-US" altLang="ja-JP" b="0" dirty="0">
+                <a:solidFill>
+                  <a:srgbClr val="CE9178"/>
+                </a:solidFill>
+                <a:effectLst/>
+                <a:latin typeface="Consolas" panose="020B0609020204030204" pitchFamily="49" charset="0"/>
+              </a:rPr>
+              <a:t>"</a:t>
+            </a:r>
+            <a:endParaRPr lang="en-US" altLang="ja-JP" b="0" dirty="0">
+              <a:solidFill>
+                <a:schemeClr val="tx1"/>
+              </a:solidFill>
+              <a:effectLst/>
+              <a:latin typeface="Consolas" panose="020B0609020204030204" pitchFamily="49" charset="0"/>
+            </a:endParaRPr>
+          </a:p>
+          <a:p>
+            <a:r>
+              <a:rPr lang="en-US" altLang="ja-JP" b="0" dirty="0">
+                <a:solidFill>
+                  <a:srgbClr val="6A9955"/>
+                </a:solidFill>
+                <a:effectLst/>
+                <a:latin typeface="Consolas" panose="020B0609020204030204" pitchFamily="49" charset="0"/>
+              </a:rPr>
+              <a:t># </a:t>
+            </a:r>
+            <a:r>
+              <a:rPr lang="ja-JP" altLang="en-US" b="0" dirty="0">
+                <a:solidFill>
+                  <a:srgbClr val="6A9955"/>
+                </a:solidFill>
+                <a:effectLst/>
+                <a:latin typeface="Consolas" panose="020B0609020204030204" pitchFamily="49" charset="0"/>
+              </a:rPr>
+              <a:t>文字 </a:t>
+            </a:r>
+            <a:r>
+              <a:rPr lang="en-US" altLang="ja-JP" b="0" dirty="0">
+                <a:solidFill>
+                  <a:srgbClr val="6A9955"/>
+                </a:solidFill>
+                <a:effectLst/>
+                <a:latin typeface="Consolas" panose="020B0609020204030204" pitchFamily="49" charset="0"/>
+              </a:rPr>
+              <a:t>* </a:t>
+            </a:r>
+            <a:r>
+              <a:rPr lang="ja-JP" altLang="en-US" b="0" dirty="0">
+                <a:solidFill>
+                  <a:srgbClr val="6A9955"/>
+                </a:solidFill>
+                <a:effectLst/>
+                <a:latin typeface="Consolas" panose="020B0609020204030204" pitchFamily="49" charset="0"/>
+              </a:rPr>
+              <a:t>文字</a:t>
+            </a:r>
+            <a:endParaRPr lang="ja-JP" altLang="en-US" b="0" dirty="0">
+              <a:solidFill>
+                <a:srgbClr val="D4D4D4"/>
+              </a:solidFill>
+              <a:effectLst/>
+              <a:latin typeface="Consolas" panose="020B0609020204030204" pitchFamily="49" charset="0"/>
+            </a:endParaRPr>
+          </a:p>
+          <a:p>
+            <a:r>
+              <a:rPr lang="en-US" altLang="ja-JP" dirty="0">
+                <a:solidFill>
+                  <a:schemeClr val="tx1"/>
+                </a:solidFill>
+              </a:rPr>
+              <a:t>&gt;&gt;&gt;</a:t>
+            </a:r>
+            <a:r>
+              <a:rPr lang="en-US" altLang="ja-JP" dirty="0">
+                <a:solidFill>
+                  <a:srgbClr val="DCDCAA"/>
+                </a:solidFill>
+              </a:rPr>
+              <a:t> </a:t>
+            </a:r>
+            <a:r>
+              <a:rPr lang="en-US" altLang="ja-JP" b="0" dirty="0">
+                <a:solidFill>
+                  <a:srgbClr val="CE9178"/>
+                </a:solidFill>
+                <a:effectLst/>
+                <a:latin typeface="Consolas" panose="020B0609020204030204" pitchFamily="49" charset="0"/>
+              </a:rPr>
+              <a:t>“</a:t>
+            </a:r>
+            <a:r>
+              <a:rPr lang="ja-JP" altLang="en-US" b="0" dirty="0">
+                <a:solidFill>
+                  <a:srgbClr val="CE9178"/>
+                </a:solidFill>
+                <a:effectLst/>
+                <a:latin typeface="Consolas" panose="020B0609020204030204" pitchFamily="49" charset="0"/>
+              </a:rPr>
+              <a:t>文字</a:t>
+            </a:r>
+            <a:r>
+              <a:rPr lang="en-US" altLang="ja-JP" b="0" dirty="0">
+                <a:solidFill>
+                  <a:srgbClr val="CE9178"/>
+                </a:solidFill>
+                <a:effectLst/>
+                <a:latin typeface="Consolas" panose="020B0609020204030204" pitchFamily="49" charset="0"/>
+              </a:rPr>
+              <a:t>”</a:t>
+            </a:r>
+            <a:r>
+              <a:rPr lang="ja-JP" altLang="en-US" b="0" dirty="0">
+                <a:solidFill>
+                  <a:srgbClr val="D4D4D4"/>
+                </a:solidFill>
+                <a:effectLst/>
+                <a:latin typeface="Consolas" panose="020B0609020204030204" pitchFamily="49" charset="0"/>
+              </a:rPr>
+              <a:t> </a:t>
+            </a:r>
+            <a:r>
+              <a:rPr lang="en-US" altLang="ja-JP" dirty="0">
+                <a:solidFill>
+                  <a:schemeClr val="tx1"/>
+                </a:solidFill>
+              </a:rPr>
+              <a:t>*</a:t>
+            </a:r>
+            <a:r>
+              <a:rPr lang="en-US" altLang="ja-JP" b="0" dirty="0">
+                <a:solidFill>
+                  <a:srgbClr val="D4D4D4"/>
+                </a:solidFill>
+                <a:effectLst/>
+                <a:latin typeface="Consolas" panose="020B0609020204030204" pitchFamily="49" charset="0"/>
+              </a:rPr>
+              <a:t> </a:t>
+            </a:r>
+            <a:r>
+              <a:rPr lang="en-US" altLang="ja-JP" b="0" dirty="0">
+                <a:solidFill>
+                  <a:srgbClr val="CE9178"/>
+                </a:solidFill>
+                <a:effectLst/>
+                <a:latin typeface="Consolas" panose="020B0609020204030204" pitchFamily="49" charset="0"/>
+              </a:rPr>
+              <a:t>"</a:t>
+            </a:r>
+            <a:r>
+              <a:rPr lang="ja-JP" altLang="en-US" b="0" dirty="0">
+                <a:solidFill>
+                  <a:srgbClr val="CE9178"/>
+                </a:solidFill>
+                <a:effectLst/>
+                <a:latin typeface="Consolas" panose="020B0609020204030204" pitchFamily="49" charset="0"/>
+              </a:rPr>
+              <a:t>文字</a:t>
+            </a:r>
+            <a:r>
+              <a:rPr lang="en-US" altLang="ja-JP" b="0" dirty="0">
+                <a:solidFill>
+                  <a:srgbClr val="CE9178"/>
+                </a:solidFill>
+                <a:effectLst/>
+                <a:latin typeface="Consolas" panose="020B0609020204030204" pitchFamily="49" charset="0"/>
+              </a:rPr>
+              <a:t>"</a:t>
+            </a:r>
+          </a:p>
+          <a:p>
+            <a:r>
+              <a:rPr lang="en-US" altLang="ja-JP" b="0" dirty="0">
+                <a:solidFill>
+                  <a:srgbClr val="6A9955"/>
+                </a:solidFill>
+                <a:effectLst/>
+                <a:latin typeface="Consolas" panose="020B0609020204030204" pitchFamily="49" charset="0"/>
+              </a:rPr>
+              <a:t># </a:t>
+            </a:r>
+            <a:r>
+              <a:rPr lang="ja-JP" altLang="en-US" b="0" dirty="0">
+                <a:solidFill>
+                  <a:srgbClr val="6A9955"/>
+                </a:solidFill>
+                <a:effectLst/>
+                <a:latin typeface="Consolas" panose="020B0609020204030204" pitchFamily="49" charset="0"/>
+              </a:rPr>
+              <a:t>文字 </a:t>
+            </a:r>
+            <a:r>
+              <a:rPr lang="en-US" altLang="ja-JP" b="0" dirty="0">
+                <a:solidFill>
+                  <a:srgbClr val="6A9955"/>
+                </a:solidFill>
+                <a:effectLst/>
+                <a:latin typeface="Consolas" panose="020B0609020204030204" pitchFamily="49" charset="0"/>
+              </a:rPr>
+              <a:t>÷ </a:t>
+            </a:r>
+            <a:r>
+              <a:rPr lang="ja-JP" altLang="en-US" b="0" dirty="0">
+                <a:solidFill>
+                  <a:srgbClr val="6A9955"/>
+                </a:solidFill>
+                <a:effectLst/>
+                <a:latin typeface="Consolas" panose="020B0609020204030204" pitchFamily="49" charset="0"/>
+              </a:rPr>
+              <a:t>文字</a:t>
+            </a:r>
+            <a:endParaRPr lang="ja-JP" altLang="en-US" b="0" dirty="0">
+              <a:solidFill>
+                <a:srgbClr val="D4D4D4"/>
+              </a:solidFill>
+              <a:effectLst/>
+              <a:latin typeface="Consolas" panose="020B0609020204030204" pitchFamily="49" charset="0"/>
+            </a:endParaRPr>
+          </a:p>
+          <a:p>
+            <a:r>
+              <a:rPr lang="en-US" altLang="ja-JP" dirty="0">
+                <a:solidFill>
+                  <a:schemeClr val="tx1"/>
+                </a:solidFill>
+              </a:rPr>
+              <a:t>&gt;&gt;&gt;</a:t>
+            </a:r>
+            <a:r>
+              <a:rPr lang="en-US" altLang="ja-JP" dirty="0">
+                <a:solidFill>
+                  <a:srgbClr val="DCDCAA"/>
+                </a:solidFill>
+              </a:rPr>
+              <a:t> </a:t>
+            </a:r>
+            <a:r>
+              <a:rPr lang="en-US" altLang="ja-JP" b="0" dirty="0">
+                <a:solidFill>
+                  <a:srgbClr val="CE9178"/>
+                </a:solidFill>
+                <a:effectLst/>
+                <a:latin typeface="Consolas" panose="020B0609020204030204" pitchFamily="49" charset="0"/>
+              </a:rPr>
+              <a:t>"</a:t>
+            </a:r>
+            <a:r>
+              <a:rPr lang="ja-JP" altLang="en-US" b="0" dirty="0">
+                <a:solidFill>
+                  <a:srgbClr val="CE9178"/>
+                </a:solidFill>
+                <a:effectLst/>
+                <a:latin typeface="Consolas" panose="020B0609020204030204" pitchFamily="49" charset="0"/>
+              </a:rPr>
+              <a:t>文字</a:t>
+            </a:r>
+            <a:r>
+              <a:rPr lang="en-US" altLang="ja-JP" b="0" dirty="0">
+                <a:solidFill>
+                  <a:srgbClr val="CE9178"/>
+                </a:solidFill>
+                <a:effectLst/>
+                <a:latin typeface="Consolas" panose="020B0609020204030204" pitchFamily="49" charset="0"/>
+              </a:rPr>
+              <a:t>"</a:t>
+            </a:r>
+            <a:r>
+              <a:rPr lang="ja-JP" altLang="en-US" b="0" dirty="0">
+                <a:solidFill>
+                  <a:srgbClr val="D4D4D4"/>
+                </a:solidFill>
+                <a:effectLst/>
+                <a:latin typeface="Consolas" panose="020B0609020204030204" pitchFamily="49" charset="0"/>
+              </a:rPr>
+              <a:t> </a:t>
+            </a:r>
+            <a:r>
+              <a:rPr lang="en-US" altLang="ja-JP" b="0" dirty="0">
+                <a:solidFill>
+                  <a:schemeClr val="tx1"/>
+                </a:solidFill>
+                <a:effectLst/>
+                <a:latin typeface="Consolas" panose="020B0609020204030204" pitchFamily="49" charset="0"/>
+              </a:rPr>
+              <a:t>/</a:t>
+            </a:r>
+            <a:r>
+              <a:rPr lang="en-US" altLang="ja-JP" b="0" dirty="0">
+                <a:solidFill>
+                  <a:srgbClr val="D4D4D4"/>
+                </a:solidFill>
+                <a:effectLst/>
+                <a:latin typeface="Consolas" panose="020B0609020204030204" pitchFamily="49" charset="0"/>
+              </a:rPr>
+              <a:t> </a:t>
+            </a:r>
+            <a:r>
+              <a:rPr lang="en-US" altLang="ja-JP" b="0" dirty="0">
+                <a:solidFill>
+                  <a:srgbClr val="CE9178"/>
+                </a:solidFill>
+                <a:effectLst/>
+                <a:latin typeface="Consolas" panose="020B0609020204030204" pitchFamily="49" charset="0"/>
+              </a:rPr>
+              <a:t>"</a:t>
+            </a:r>
+            <a:r>
+              <a:rPr lang="ja-JP" altLang="en-US" b="0" dirty="0">
+                <a:solidFill>
+                  <a:srgbClr val="CE9178"/>
+                </a:solidFill>
+                <a:effectLst/>
+                <a:latin typeface="Consolas" panose="020B0609020204030204" pitchFamily="49" charset="0"/>
+              </a:rPr>
+              <a:t>文字</a:t>
+            </a:r>
+            <a:r>
+              <a:rPr lang="en-US" altLang="ja-JP" b="0" dirty="0">
+                <a:solidFill>
+                  <a:srgbClr val="CE9178"/>
+                </a:solidFill>
+                <a:effectLst/>
+                <a:latin typeface="Consolas" panose="020B0609020204030204" pitchFamily="49" charset="0"/>
+              </a:rPr>
+              <a:t>"</a:t>
+            </a:r>
+          </a:p>
+          <a:p>
+            <a:endParaRPr lang="en-US" altLang="ja-JP" sz="800" b="0" dirty="0">
+              <a:solidFill>
+                <a:schemeClr val="tx1"/>
+              </a:solidFill>
+              <a:effectLst/>
+              <a:latin typeface="Consolas" panose="020B0609020204030204" pitchFamily="49" charset="0"/>
+            </a:endParaRPr>
+          </a:p>
+          <a:p>
+            <a:r>
+              <a:rPr lang="en-US" altLang="ja-JP" b="1" i="0" dirty="0" err="1">
+                <a:solidFill>
+                  <a:srgbClr val="C00000"/>
+                </a:solidFill>
+                <a:effectLst/>
+                <a:latin typeface="Consolas" panose="020B0609020204030204" pitchFamily="49" charset="0"/>
+              </a:rPr>
+              <a:t>TypeError</a:t>
+            </a:r>
+            <a:r>
+              <a:rPr lang="en-US" altLang="ja-JP" b="0" i="0" dirty="0">
+                <a:solidFill>
+                  <a:schemeClr val="tx1"/>
+                </a:solidFill>
+                <a:effectLst/>
+                <a:latin typeface="Consolas" panose="020B0609020204030204" pitchFamily="49" charset="0"/>
+              </a:rPr>
+              <a:t>: unsupported operand type(s) for /: 'str' and 'str'</a:t>
+            </a:r>
+            <a:endParaRPr kumimoji="1" lang="ja-JP" altLang="en-US" dirty="0">
+              <a:solidFill>
+                <a:schemeClr val="tx1"/>
+              </a:solidFill>
+            </a:endParaRPr>
           </a:p>
         </p:txBody>
       </p:sp>
     </p:spTree>
     <p:extLst>
       <p:ext uri="{BB962C8B-B14F-4D97-AF65-F5344CB8AC3E}">
-        <p14:creationId xmlns:p14="http://schemas.microsoft.com/office/powerpoint/2010/main" val="432081708"/>
+        <p14:creationId xmlns:p14="http://schemas.microsoft.com/office/powerpoint/2010/main" val="2476182723"/>
       </p:ext>
     </p:extLst>
   </p:cSld>
@@ -8956,7 +10296,7 @@
           <p:cNvPr id="2" name="タイトル 1">
             <a:extLst>
               <a:ext uri="{FF2B5EF4-FFF2-40B4-BE49-F238E27FC236}">
-                <a16:creationId xmlns:a16="http://schemas.microsoft.com/office/drawing/2014/main" id="{E3BAC792-5928-3026-B252-A5088B568F8D}"/>
+                <a16:creationId xmlns:a16="http://schemas.microsoft.com/office/drawing/2014/main" id="{4D14DE7C-FF2B-361A-5CC3-5CBC8608C9AF}"/>
               </a:ext>
             </a:extLst>
           </p:cNvPr>
@@ -8972,7 +10312,10 @@
           <a:bodyPr/>
           <a:lstStyle/>
           <a:p>
-            <a:endParaRPr kumimoji="1" lang="ja-JP" altLang="en-US"/>
+            <a:r>
+              <a:rPr kumimoji="1" lang="ja-JP" altLang="en-US" dirty="0"/>
+              <a:t>文字と数字の演算</a:t>
+            </a:r>
           </a:p>
         </p:txBody>
       </p:sp>
@@ -8981,7 +10324,7 @@
           <p:cNvPr id="3" name="コンテンツ プレースホルダー 2">
             <a:extLst>
               <a:ext uri="{FF2B5EF4-FFF2-40B4-BE49-F238E27FC236}">
-                <a16:creationId xmlns:a16="http://schemas.microsoft.com/office/drawing/2014/main" id="{326504D7-B40E-1184-B64C-B2053C6AB6D3}"/>
+                <a16:creationId xmlns:a16="http://schemas.microsoft.com/office/drawing/2014/main" id="{35FF9797-561A-3AA4-7338-34AADE09619E}"/>
               </a:ext>
             </a:extLst>
           </p:cNvPr>
@@ -8992,19 +10335,417 @@
             <p:ph idx="1"/>
           </p:nvPr>
         </p:nvSpPr>
+        <p:spPr>
+          <a:xfrm>
+            <a:off x="1097280" y="1845734"/>
+            <a:ext cx="10058400" cy="4288366"/>
+          </a:xfrm>
+        </p:spPr>
+        <p:txBody>
+          <a:bodyPr>
+            <a:normAutofit/>
+          </a:bodyPr>
+          <a:lstStyle/>
+          <a:p>
+            <a:r>
+              <a:rPr kumimoji="1" lang="en-US" altLang="ja-JP" dirty="0"/>
+              <a:t>&gt;&gt;&gt; </a:t>
+            </a:r>
+            <a:r>
+              <a:rPr lang="en-US" altLang="ja-JP" b="0" dirty="0">
+                <a:solidFill>
+                  <a:srgbClr val="CE9178"/>
+                </a:solidFill>
+                <a:effectLst/>
+                <a:latin typeface="Consolas" panose="020B0609020204030204" pitchFamily="49" charset="0"/>
+              </a:rPr>
+              <a:t>"123"</a:t>
+            </a:r>
+            <a:r>
+              <a:rPr lang="ja-JP" altLang="en-US" b="0" dirty="0">
+                <a:solidFill>
+                  <a:srgbClr val="D4D4D4"/>
+                </a:solidFill>
+                <a:effectLst/>
+                <a:latin typeface="Consolas" panose="020B0609020204030204" pitchFamily="49" charset="0"/>
+              </a:rPr>
+              <a:t> </a:t>
+            </a:r>
+            <a:r>
+              <a:rPr lang="en-US" altLang="ja-JP" b="0" dirty="0">
+                <a:solidFill>
+                  <a:schemeClr val="tx1"/>
+                </a:solidFill>
+                <a:effectLst/>
+                <a:latin typeface="Consolas" panose="020B0609020204030204" pitchFamily="49" charset="0"/>
+              </a:rPr>
+              <a:t>+</a:t>
+            </a:r>
+            <a:r>
+              <a:rPr lang="en-US" altLang="ja-JP" b="0" dirty="0">
+                <a:solidFill>
+                  <a:srgbClr val="D4D4D4"/>
+                </a:solidFill>
+                <a:effectLst/>
+                <a:latin typeface="Consolas" panose="020B0609020204030204" pitchFamily="49" charset="0"/>
+              </a:rPr>
+              <a:t> </a:t>
+            </a:r>
+            <a:r>
+              <a:rPr lang="en-US" altLang="ja-JP" b="0" dirty="0">
+                <a:solidFill>
+                  <a:srgbClr val="B5CEA8"/>
+                </a:solidFill>
+                <a:effectLst/>
+                <a:latin typeface="Consolas" panose="020B0609020204030204" pitchFamily="49" charset="0"/>
+              </a:rPr>
+              <a:t>456</a:t>
+            </a:r>
+            <a:endParaRPr lang="en-US" altLang="ja-JP" b="0" dirty="0">
+              <a:solidFill>
+                <a:schemeClr val="tx1"/>
+              </a:solidFill>
+              <a:effectLst/>
+              <a:latin typeface="Consolas" panose="020B0609020204030204" pitchFamily="49" charset="0"/>
+            </a:endParaRPr>
+          </a:p>
+          <a:p>
+            <a:r>
+              <a:rPr lang="en-US" altLang="ja-JP" b="1" i="0" dirty="0" err="1">
+                <a:solidFill>
+                  <a:srgbClr val="C00000"/>
+                </a:solidFill>
+                <a:effectLst/>
+                <a:latin typeface="Consolas" panose="020B0609020204030204" pitchFamily="49" charset="0"/>
+              </a:rPr>
+              <a:t>TypeError</a:t>
+            </a:r>
+            <a:r>
+              <a:rPr lang="en-US" altLang="ja-JP" b="0" i="0" dirty="0">
+                <a:solidFill>
+                  <a:schemeClr val="tx1"/>
+                </a:solidFill>
+                <a:effectLst/>
+                <a:latin typeface="Consolas" panose="020B0609020204030204" pitchFamily="49" charset="0"/>
+              </a:rPr>
+              <a:t>: can only concatenate str (not "int") to str</a:t>
+            </a:r>
+            <a:endParaRPr lang="en-US" altLang="ja-JP" b="0" dirty="0">
+              <a:solidFill>
+                <a:schemeClr val="tx1"/>
+              </a:solidFill>
+              <a:effectLst/>
+              <a:latin typeface="Consolas" panose="020B0609020204030204" pitchFamily="49" charset="0"/>
+            </a:endParaRPr>
+          </a:p>
+          <a:p>
+            <a:pPr marL="0" indent="0">
+              <a:buNone/>
+            </a:pPr>
+            <a:endParaRPr kumimoji="1" lang="en-US" altLang="ja-JP" sz="800" dirty="0"/>
+          </a:p>
+          <a:p>
+            <a:r>
+              <a:rPr lang="en-US" altLang="ja-JP" dirty="0"/>
+              <a:t>&gt;&gt;&gt; </a:t>
+            </a:r>
+            <a:r>
+              <a:rPr lang="en-US" altLang="ja-JP" b="0" dirty="0">
+                <a:solidFill>
+                  <a:srgbClr val="CE9178"/>
+                </a:solidFill>
+                <a:effectLst/>
+                <a:latin typeface="Consolas" panose="020B0609020204030204" pitchFamily="49" charset="0"/>
+              </a:rPr>
+              <a:t>"123"</a:t>
+            </a:r>
+            <a:r>
+              <a:rPr lang="ja-JP" altLang="en-US" b="0" dirty="0">
+                <a:solidFill>
+                  <a:srgbClr val="D4D4D4"/>
+                </a:solidFill>
+                <a:effectLst/>
+                <a:latin typeface="Consolas" panose="020B0609020204030204" pitchFamily="49" charset="0"/>
+              </a:rPr>
+              <a:t> </a:t>
+            </a:r>
+            <a:r>
+              <a:rPr lang="en-US" altLang="ja-JP" dirty="0">
+                <a:solidFill>
+                  <a:schemeClr val="tx1"/>
+                </a:solidFill>
+              </a:rPr>
+              <a:t>-</a:t>
+            </a:r>
+            <a:r>
+              <a:rPr lang="en-US" altLang="ja-JP" b="0" dirty="0">
+                <a:solidFill>
+                  <a:srgbClr val="D4D4D4"/>
+                </a:solidFill>
+                <a:effectLst/>
+                <a:latin typeface="Consolas" panose="020B0609020204030204" pitchFamily="49" charset="0"/>
+              </a:rPr>
+              <a:t> </a:t>
+            </a:r>
+            <a:r>
+              <a:rPr lang="en-US" altLang="ja-JP" b="0" dirty="0">
+                <a:solidFill>
+                  <a:srgbClr val="B5CEA8"/>
+                </a:solidFill>
+                <a:effectLst/>
+                <a:latin typeface="Consolas" panose="020B0609020204030204" pitchFamily="49" charset="0"/>
+              </a:rPr>
+              <a:t>456</a:t>
+            </a:r>
+            <a:endParaRPr kumimoji="1" lang="ja-JP" altLang="en-US" dirty="0"/>
+          </a:p>
+          <a:p>
+            <a:r>
+              <a:rPr lang="en-US" altLang="ja-JP" dirty="0"/>
+              <a:t>&gt;&gt;&gt; </a:t>
+            </a:r>
+            <a:r>
+              <a:rPr lang="en-US" altLang="ja-JP" b="0" dirty="0">
+                <a:solidFill>
+                  <a:srgbClr val="CE9178"/>
+                </a:solidFill>
+                <a:effectLst/>
+                <a:latin typeface="Consolas" panose="020B0609020204030204" pitchFamily="49" charset="0"/>
+              </a:rPr>
+              <a:t>"123"</a:t>
+            </a:r>
+            <a:r>
+              <a:rPr lang="ja-JP" altLang="en-US" b="0" dirty="0">
+                <a:solidFill>
+                  <a:srgbClr val="D4D4D4"/>
+                </a:solidFill>
+                <a:effectLst/>
+                <a:latin typeface="Consolas" panose="020B0609020204030204" pitchFamily="49" charset="0"/>
+              </a:rPr>
+              <a:t> </a:t>
+            </a:r>
+            <a:r>
+              <a:rPr lang="en-US" altLang="ja-JP" dirty="0">
+                <a:solidFill>
+                  <a:schemeClr val="tx1"/>
+                </a:solidFill>
+              </a:rPr>
+              <a:t>/</a:t>
+            </a:r>
+            <a:r>
+              <a:rPr lang="en-US" altLang="ja-JP" b="0" dirty="0">
+                <a:solidFill>
+                  <a:srgbClr val="D4D4D4"/>
+                </a:solidFill>
+                <a:effectLst/>
+                <a:latin typeface="Consolas" panose="020B0609020204030204" pitchFamily="49" charset="0"/>
+              </a:rPr>
+              <a:t> </a:t>
+            </a:r>
+            <a:r>
+              <a:rPr lang="en-US" altLang="ja-JP" b="0" dirty="0">
+                <a:solidFill>
+                  <a:srgbClr val="B5CEA8"/>
+                </a:solidFill>
+                <a:effectLst/>
+                <a:latin typeface="Consolas" panose="020B0609020204030204" pitchFamily="49" charset="0"/>
+              </a:rPr>
+              <a:t>456</a:t>
+            </a:r>
+          </a:p>
+          <a:p>
+            <a:r>
+              <a:rPr lang="en-US" altLang="ja-JP" b="1" i="0" dirty="0" err="1">
+                <a:solidFill>
+                  <a:srgbClr val="C00000"/>
+                </a:solidFill>
+                <a:effectLst/>
+                <a:latin typeface="Consolas" panose="020B0609020204030204" pitchFamily="49" charset="0"/>
+              </a:rPr>
+              <a:t>TypeError</a:t>
+            </a:r>
+            <a:r>
+              <a:rPr lang="en-US" altLang="ja-JP" b="0" i="0" dirty="0">
+                <a:solidFill>
+                  <a:schemeClr val="tx1"/>
+                </a:solidFill>
+                <a:effectLst/>
+                <a:latin typeface="Consolas" panose="020B0609020204030204" pitchFamily="49" charset="0"/>
+              </a:rPr>
+              <a:t>: unsupported operand type(s) for /: 'str' and 'int'</a:t>
+            </a:r>
+            <a:endParaRPr kumimoji="1" lang="ja-JP" altLang="en-US" dirty="0">
+              <a:solidFill>
+                <a:schemeClr val="tx1"/>
+              </a:solidFill>
+            </a:endParaRPr>
+          </a:p>
+        </p:txBody>
+      </p:sp>
+    </p:spTree>
+    <p:extLst>
+      <p:ext uri="{BB962C8B-B14F-4D97-AF65-F5344CB8AC3E}">
+        <p14:creationId xmlns:p14="http://schemas.microsoft.com/office/powerpoint/2010/main" val="3112521350"/>
+      </p:ext>
+    </p:extLst>
+  </p:cSld>
+  <p:clrMapOvr>
+    <a:masterClrMapping/>
+  </p:clrMapOvr>
+</p:sld>
+</file>
+
+<file path=ppt/slides/slide25.xml><?xml version="1.0" encoding="utf-8"?>
+<p:sld xmlns:a="http://schemas.openxmlformats.org/drawingml/2006/main" xmlns:r="http://schemas.openxmlformats.org/officeDocument/2006/relationships" xmlns:p="http://schemas.openxmlformats.org/presentationml/2006/main">
+  <p:cSld>
+    <p:spTree>
+      <p:nvGrpSpPr>
+        <p:cNvPr id="1" name=""/>
+        <p:cNvGrpSpPr/>
+        <p:nvPr/>
+      </p:nvGrpSpPr>
+      <p:grpSpPr>
+        <a:xfrm>
+          <a:off x="0" y="0"/>
+          <a:ext cx="0" cy="0"/>
+          <a:chOff x="0" y="0"/>
+          <a:chExt cx="0" cy="0"/>
+        </a:xfrm>
+      </p:grpSpPr>
+      <p:sp>
+        <p:nvSpPr>
+          <p:cNvPr id="2" name="タイトル 1">
+            <a:extLst>
+              <a:ext uri="{FF2B5EF4-FFF2-40B4-BE49-F238E27FC236}">
+                <a16:creationId xmlns:a16="http://schemas.microsoft.com/office/drawing/2014/main" id="{F50D2A35-B2A6-F141-AD58-15C1D61196BD}"/>
+              </a:ext>
+            </a:extLst>
+          </p:cNvPr>
+          <p:cNvSpPr>
+            <a:spLocks noGrp="1"/>
+          </p:cNvSpPr>
+          <p:nvPr>
+            <p:ph type="title"/>
+          </p:nvPr>
+        </p:nvSpPr>
         <p:spPr/>
         <p:txBody>
           <a:bodyPr/>
           <a:lstStyle/>
           <a:p>
-            <a:endParaRPr kumimoji="1" lang="ja-JP" altLang="en-US" dirty="0"/>
+            <a:endParaRPr kumimoji="1" lang="ja-JP" altLang="en-US"/>
+          </a:p>
+        </p:txBody>
+      </p:sp>
+      <p:sp>
+        <p:nvSpPr>
+          <p:cNvPr id="3" name="コンテンツ プレースホルダー 2">
+            <a:extLst>
+              <a:ext uri="{FF2B5EF4-FFF2-40B4-BE49-F238E27FC236}">
+                <a16:creationId xmlns:a16="http://schemas.microsoft.com/office/drawing/2014/main" id="{890B69A3-C26F-2982-E268-F4C601BA7D63}"/>
+              </a:ext>
+            </a:extLst>
+          </p:cNvPr>
+          <p:cNvSpPr>
+            <a:spLocks noGrp="1"/>
+          </p:cNvSpPr>
+          <p:nvPr>
+            <p:ph idx="1"/>
+          </p:nvPr>
+        </p:nvSpPr>
+        <p:spPr/>
+        <p:txBody>
+          <a:bodyPr/>
+          <a:lstStyle/>
+          <a:p>
+            <a:endParaRPr kumimoji="1" lang="ja-JP" altLang="en-US"/>
           </a:p>
         </p:txBody>
       </p:sp>
     </p:spTree>
     <p:extLst>
       <p:ext uri="{BB962C8B-B14F-4D97-AF65-F5344CB8AC3E}">
-        <p14:creationId xmlns:p14="http://schemas.microsoft.com/office/powerpoint/2010/main" val="4069862915"/>
+        <p14:creationId xmlns:p14="http://schemas.microsoft.com/office/powerpoint/2010/main" val="410481444"/>
+      </p:ext>
+    </p:extLst>
+  </p:cSld>
+  <p:clrMapOvr>
+    <a:masterClrMapping/>
+  </p:clrMapOvr>
+</p:sld>
+</file>
+
+<file path=ppt/slides/slide26.xml><?xml version="1.0" encoding="utf-8"?>
+<p:sld xmlns:a="http://schemas.openxmlformats.org/drawingml/2006/main" xmlns:r="http://schemas.openxmlformats.org/officeDocument/2006/relationships" xmlns:p="http://schemas.openxmlformats.org/presentationml/2006/main">
+  <p:cSld>
+    <p:spTree>
+      <p:nvGrpSpPr>
+        <p:cNvPr id="1" name=""/>
+        <p:cNvGrpSpPr/>
+        <p:nvPr/>
+      </p:nvGrpSpPr>
+      <p:grpSpPr>
+        <a:xfrm>
+          <a:off x="0" y="0"/>
+          <a:ext cx="0" cy="0"/>
+          <a:chOff x="0" y="0"/>
+          <a:chExt cx="0" cy="0"/>
+        </a:xfrm>
+      </p:grpSpPr>
+      <p:sp>
+        <p:nvSpPr>
+          <p:cNvPr id="2" name="タイトル 1">
+            <a:extLst>
+              <a:ext uri="{FF2B5EF4-FFF2-40B4-BE49-F238E27FC236}">
+                <a16:creationId xmlns:a16="http://schemas.microsoft.com/office/drawing/2014/main" id="{641889DA-B7FB-7396-2808-E74E220D7AA4}"/>
+              </a:ext>
+            </a:extLst>
+          </p:cNvPr>
+          <p:cNvSpPr>
+            <a:spLocks noGrp="1"/>
+          </p:cNvSpPr>
+          <p:nvPr>
+            <p:ph type="title"/>
+          </p:nvPr>
+        </p:nvSpPr>
+        <p:spPr/>
+        <p:txBody>
+          <a:bodyPr/>
+          <a:lstStyle/>
+          <a:p>
+            <a:endParaRPr kumimoji="1" lang="ja-JP" altLang="en-US"/>
+          </a:p>
+        </p:txBody>
+      </p:sp>
+      <p:sp>
+        <p:nvSpPr>
+          <p:cNvPr id="3" name="コンテンツ プレースホルダー 2">
+            <a:extLst>
+              <a:ext uri="{FF2B5EF4-FFF2-40B4-BE49-F238E27FC236}">
+                <a16:creationId xmlns:a16="http://schemas.microsoft.com/office/drawing/2014/main" id="{16DB6EE2-1E5F-9D24-725A-C65FD591C6C9}"/>
+              </a:ext>
+            </a:extLst>
+          </p:cNvPr>
+          <p:cNvSpPr>
+            <a:spLocks noGrp="1"/>
+          </p:cNvSpPr>
+          <p:nvPr>
+            <p:ph idx="1"/>
+          </p:nvPr>
+        </p:nvSpPr>
+        <p:spPr/>
+        <p:txBody>
+          <a:bodyPr/>
+          <a:lstStyle/>
+          <a:p>
+            <a:endParaRPr kumimoji="1" lang="ja-JP" altLang="en-US"/>
+          </a:p>
+        </p:txBody>
+      </p:sp>
+    </p:spTree>
+    <p:extLst>
+      <p:ext uri="{BB962C8B-B14F-4D97-AF65-F5344CB8AC3E}">
+        <p14:creationId xmlns:p14="http://schemas.microsoft.com/office/powerpoint/2010/main" val="690253123"/>
       </p:ext>
     </p:extLst>
   </p:cSld>

--- a/20230530/unit1.pptx
+++ b/20230530/unit1.pptx
@@ -11,7 +11,7 @@
     <p:sldId id="262" r:id="rId5"/>
     <p:sldId id="260" r:id="rId6"/>
     <p:sldId id="264" r:id="rId7"/>
-    <p:sldId id="263" r:id="rId8"/>
+    <p:sldId id="290" r:id="rId8"/>
     <p:sldId id="274" r:id="rId9"/>
     <p:sldId id="266" r:id="rId10"/>
     <p:sldId id="267" r:id="rId11"/>
@@ -4308,6 +4308,10 @@
           <a:bodyPr/>
           <a:lstStyle/>
           <a:p>
+            <a:r>
+              <a:rPr lang="ja-JP" altLang="en-US" dirty="0"/>
+              <a:t>演算子</a:t>
+            </a:r>
             <a:endParaRPr kumimoji="1" lang="ja-JP" altLang="en-US" dirty="0"/>
           </a:p>
         </p:txBody>
@@ -4328,14 +4332,14 @@
             <p:ph idx="1"/>
             <p:extLst>
               <p:ext uri="{D42A27DB-BD31-4B8C-83A1-F6EECF244321}">
-                <p14:modId xmlns:p14="http://schemas.microsoft.com/office/powerpoint/2010/main" val="284390929"/>
+                <p14:modId xmlns:p14="http://schemas.microsoft.com/office/powerpoint/2010/main" val="4006209580"/>
               </p:ext>
             </p:extLst>
           </p:nvPr>
         </p:nvGraphicFramePr>
         <p:xfrm>
-          <a:off x="1097280" y="2117724"/>
-          <a:ext cx="5494020" cy="3876672"/>
+          <a:off x="1471506" y="2049990"/>
+          <a:ext cx="9248987" cy="4145280"/>
         </p:xfrm>
         <a:graphic>
           <a:graphicData uri="http://schemas.openxmlformats.org/drawingml/2006/table">
@@ -4344,21 +4348,21 @@
                 <a:tableStyleId>{C083E6E3-FA7D-4D7B-A595-EF9225AFEA82}</a:tableStyleId>
               </a:tblPr>
               <a:tblGrid>
-                <a:gridCol w="2390440">
+                <a:gridCol w="2814321">
                   <a:extLst>
                     <a:ext uri="{9D8B030D-6E8A-4147-A177-3AD203B41FA5}">
                       <a16:colId xmlns:a16="http://schemas.microsoft.com/office/drawing/2014/main" val="990763900"/>
                     </a:ext>
                   </a:extLst>
                 </a:gridCol>
-                <a:gridCol w="1204268">
+                <a:gridCol w="3237242">
                   <a:extLst>
                     <a:ext uri="{9D8B030D-6E8A-4147-A177-3AD203B41FA5}">
                       <a16:colId xmlns:a16="http://schemas.microsoft.com/office/drawing/2014/main" val="3413011629"/>
                     </a:ext>
                   </a:extLst>
                 </a:gridCol>
-                <a:gridCol w="1899312">
+                <a:gridCol w="3197424">
                   <a:extLst>
                     <a:ext uri="{9D8B030D-6E8A-4147-A177-3AD203B41FA5}">
                       <a16:colId xmlns:a16="http://schemas.microsoft.com/office/drawing/2014/main" val="960952399"/>
@@ -4366,14 +4370,15 @@
                   </a:extLst>
                 </a:gridCol>
               </a:tblGrid>
-              <a:tr h="484584">
+              <a:tr h="495168">
                 <a:tc>
                   <a:txBody>
                     <a:bodyPr/>
                     <a:lstStyle/>
                     <a:p>
+                      <a:pPr algn="ctr"/>
                       <a:r>
-                        <a:rPr kumimoji="1" lang="ja-JP" altLang="en-US" dirty="0"/>
+                        <a:rPr kumimoji="1" lang="ja-JP" altLang="en-US" sz="2800" dirty="0"/>
                         <a:t>計算方法</a:t>
                       </a:r>
                     </a:p>
@@ -4385,8 +4390,9 @@
                     <a:bodyPr/>
                     <a:lstStyle/>
                     <a:p>
+                      <a:pPr algn="ctr"/>
                       <a:r>
-                        <a:rPr kumimoji="1" lang="ja-JP" altLang="en-US" dirty="0"/>
+                        <a:rPr kumimoji="1" lang="ja-JP" altLang="en-US" sz="2800" dirty="0"/>
                         <a:t>数学</a:t>
                       </a:r>
                     </a:p>
@@ -4398,8 +4404,9 @@
                     <a:bodyPr/>
                     <a:lstStyle/>
                     <a:p>
+                      <a:pPr algn="ctr"/>
                       <a:r>
-                        <a:rPr kumimoji="1" lang="ja-JP" altLang="en-US" dirty="0"/>
+                        <a:rPr kumimoji="1" lang="ja-JP" altLang="en-US" sz="2800" dirty="0"/>
                         <a:t>プログラム</a:t>
                       </a:r>
                     </a:p>
@@ -4412,14 +4419,15 @@
                   </a:ext>
                 </a:extLst>
               </a:tr>
-              <a:tr h="484584">
+              <a:tr h="495168">
                 <a:tc>
                   <a:txBody>
                     <a:bodyPr/>
                     <a:lstStyle/>
                     <a:p>
+                      <a:pPr algn="ctr"/>
                       <a:r>
-                        <a:rPr kumimoji="1" lang="ja-JP" altLang="en-US" baseline="0" dirty="0"/>
+                        <a:rPr kumimoji="1" lang="ja-JP" altLang="en-US" sz="2800" baseline="0" dirty="0"/>
                         <a:t>足し算</a:t>
                       </a:r>
                     </a:p>
@@ -4431,11 +4439,12 @@
                     <a:bodyPr/>
                     <a:lstStyle/>
                     <a:p>
+                      <a:pPr algn="ctr"/>
                       <a:r>
-                        <a:rPr kumimoji="1" lang="en-US" altLang="ja-JP" baseline="0" dirty="0"/>
+                        <a:rPr kumimoji="1" lang="en-US" altLang="ja-JP" sz="2800" baseline="0" dirty="0"/>
                         <a:t>3 + 2</a:t>
                       </a:r>
-                      <a:endParaRPr kumimoji="1" lang="ja-JP" altLang="en-US" baseline="0" dirty="0"/>
+                      <a:endParaRPr kumimoji="1" lang="ja-JP" altLang="en-US" sz="2800" baseline="0" dirty="0"/>
                     </a:p>
                   </a:txBody>
                   <a:tcPr/>
@@ -4445,11 +4454,12 @@
                     <a:bodyPr/>
                     <a:lstStyle/>
                     <a:p>
+                      <a:pPr algn="ctr"/>
                       <a:r>
-                        <a:rPr kumimoji="1" lang="en-US" altLang="ja-JP" dirty="0"/>
+                        <a:rPr kumimoji="1" lang="en-US" altLang="ja-JP" sz="2800" dirty="0"/>
                         <a:t>3 + 2</a:t>
                       </a:r>
-                      <a:endParaRPr kumimoji="1" lang="ja-JP" altLang="en-US" dirty="0"/>
+                      <a:endParaRPr kumimoji="1" lang="ja-JP" altLang="en-US" sz="2800" dirty="0"/>
                     </a:p>
                   </a:txBody>
                   <a:tcPr/>
@@ -4460,14 +4470,15 @@
                   </a:ext>
                 </a:extLst>
               </a:tr>
-              <a:tr h="484584">
+              <a:tr h="495168">
                 <a:tc>
                   <a:txBody>
                     <a:bodyPr/>
                     <a:lstStyle/>
                     <a:p>
+                      <a:pPr algn="ctr"/>
                       <a:r>
-                        <a:rPr kumimoji="1" lang="ja-JP" altLang="en-US" dirty="0"/>
+                        <a:rPr kumimoji="1" lang="ja-JP" altLang="en-US" sz="2800" dirty="0"/>
                         <a:t>引き算</a:t>
                       </a:r>
                     </a:p>
@@ -4479,11 +4490,12 @@
                     <a:bodyPr/>
                     <a:lstStyle/>
                     <a:p>
+                      <a:pPr algn="ctr"/>
                       <a:r>
-                        <a:rPr kumimoji="1" lang="en-US" altLang="ja-JP" dirty="0"/>
+                        <a:rPr kumimoji="1" lang="en-US" altLang="ja-JP" sz="2800" dirty="0"/>
                         <a:t>3 – 2</a:t>
                       </a:r>
-                      <a:endParaRPr kumimoji="1" lang="ja-JP" altLang="en-US" dirty="0"/>
+                      <a:endParaRPr kumimoji="1" lang="ja-JP" altLang="en-US" sz="2800" dirty="0"/>
                     </a:p>
                   </a:txBody>
                   <a:tcPr/>
@@ -4493,11 +4505,12 @@
                     <a:bodyPr/>
                     <a:lstStyle/>
                     <a:p>
+                      <a:pPr algn="ctr"/>
                       <a:r>
-                        <a:rPr kumimoji="1" lang="en-US" altLang="ja-JP" dirty="0"/>
+                        <a:rPr kumimoji="1" lang="en-US" altLang="ja-JP" sz="2800" dirty="0"/>
                         <a:t>3 – 2</a:t>
                       </a:r>
-                      <a:endParaRPr kumimoji="1" lang="ja-JP" altLang="en-US" dirty="0"/>
+                      <a:endParaRPr kumimoji="1" lang="ja-JP" altLang="en-US" sz="2800" dirty="0"/>
                     </a:p>
                   </a:txBody>
                   <a:tcPr/>
@@ -4508,14 +4521,15 @@
                   </a:ext>
                 </a:extLst>
               </a:tr>
-              <a:tr h="484584">
+              <a:tr h="495168">
                 <a:tc>
                   <a:txBody>
                     <a:bodyPr/>
                     <a:lstStyle/>
                     <a:p>
+                      <a:pPr algn="ctr"/>
                       <a:r>
-                        <a:rPr kumimoji="1" lang="ja-JP" altLang="en-US" dirty="0"/>
+                        <a:rPr kumimoji="1" lang="ja-JP" altLang="en-US" sz="2800" dirty="0"/>
                         <a:t>掛け算</a:t>
                       </a:r>
                     </a:p>
@@ -4527,11 +4541,12 @@
                     <a:bodyPr/>
                     <a:lstStyle/>
                     <a:p>
+                      <a:pPr algn="ctr"/>
                       <a:r>
-                        <a:rPr kumimoji="1" lang="en-US" altLang="ja-JP" dirty="0"/>
+                        <a:rPr kumimoji="1" lang="en-US" altLang="ja-JP" sz="2800" dirty="0"/>
                         <a:t>3 × 2</a:t>
                       </a:r>
-                      <a:endParaRPr kumimoji="1" lang="ja-JP" altLang="en-US" dirty="0"/>
+                      <a:endParaRPr kumimoji="1" lang="ja-JP" altLang="en-US" sz="2800" dirty="0"/>
                     </a:p>
                   </a:txBody>
                   <a:tcPr/>
@@ -4541,11 +4556,12 @@
                     <a:bodyPr/>
                     <a:lstStyle/>
                     <a:p>
+                      <a:pPr algn="ctr"/>
                       <a:r>
-                        <a:rPr kumimoji="1" lang="en-US" altLang="ja-JP" dirty="0"/>
+                        <a:rPr kumimoji="1" lang="en-US" altLang="ja-JP" sz="2800" dirty="0"/>
                         <a:t>3 * 2</a:t>
                       </a:r>
-                      <a:endParaRPr kumimoji="1" lang="ja-JP" altLang="en-US" dirty="0"/>
+                      <a:endParaRPr kumimoji="1" lang="ja-JP" altLang="en-US" sz="2800" dirty="0"/>
                     </a:p>
                   </a:txBody>
                   <a:tcPr/>
@@ -4556,14 +4572,15 @@
                   </a:ext>
                 </a:extLst>
               </a:tr>
-              <a:tr h="484584">
+              <a:tr h="495168">
                 <a:tc>
                   <a:txBody>
                     <a:bodyPr/>
                     <a:lstStyle/>
                     <a:p>
+                      <a:pPr algn="ctr"/>
                       <a:r>
-                        <a:rPr kumimoji="1" lang="ja-JP" altLang="en-US" dirty="0"/>
+                        <a:rPr kumimoji="1" lang="ja-JP" altLang="en-US" sz="2800" dirty="0"/>
                         <a:t>割り算</a:t>
                       </a:r>
                     </a:p>
@@ -4575,11 +4592,12 @@
                     <a:bodyPr/>
                     <a:lstStyle/>
                     <a:p>
+                      <a:pPr algn="ctr"/>
                       <a:r>
-                        <a:rPr kumimoji="1" lang="en-US" altLang="ja-JP" dirty="0"/>
+                        <a:rPr kumimoji="1" lang="en-US" altLang="ja-JP" sz="2800" dirty="0"/>
                         <a:t>3 ÷ 2</a:t>
                       </a:r>
-                      <a:endParaRPr kumimoji="1" lang="ja-JP" altLang="en-US" dirty="0"/>
+                      <a:endParaRPr kumimoji="1" lang="ja-JP" altLang="en-US" sz="2800" dirty="0"/>
                     </a:p>
                   </a:txBody>
                   <a:tcPr/>
@@ -4589,11 +4607,12 @@
                     <a:bodyPr/>
                     <a:lstStyle/>
                     <a:p>
+                      <a:pPr algn="ctr"/>
                       <a:r>
-                        <a:rPr kumimoji="1" lang="en-US" altLang="ja-JP" dirty="0"/>
+                        <a:rPr kumimoji="1" lang="en-US" altLang="ja-JP" sz="2800" dirty="0"/>
                         <a:t>3 / 2</a:t>
                       </a:r>
-                      <a:endParaRPr kumimoji="1" lang="ja-JP" altLang="en-US" dirty="0"/>
+                      <a:endParaRPr kumimoji="1" lang="ja-JP" altLang="en-US" sz="2800" dirty="0"/>
                     </a:p>
                   </a:txBody>
                   <a:tcPr/>
@@ -4604,14 +4623,15 @@
                   </a:ext>
                 </a:extLst>
               </a:tr>
-              <a:tr h="484584">
+              <a:tr h="495168">
                 <a:tc>
                   <a:txBody>
                     <a:bodyPr/>
                     <a:lstStyle/>
                     <a:p>
+                      <a:pPr algn="ctr"/>
                       <a:r>
-                        <a:rPr kumimoji="1" lang="ja-JP" altLang="en-US" dirty="0"/>
+                        <a:rPr kumimoji="1" lang="ja-JP" altLang="en-US" sz="2800" dirty="0"/>
                         <a:t>累乗</a:t>
                       </a:r>
                     </a:p>
@@ -4623,11 +4643,8 @@
                     <a:bodyPr/>
                     <a:lstStyle/>
                     <a:p>
-                      <a:r>
-                        <a:rPr kumimoji="1" lang="en-US" altLang="ja-JP" dirty="0"/>
-                        <a:t>3 ^ 2</a:t>
-                      </a:r>
-                      <a:endParaRPr kumimoji="1" lang="ja-JP" altLang="en-US" dirty="0"/>
+                      <a:pPr algn="ctr"/>
+                      <a:endParaRPr kumimoji="1" lang="ja-JP" altLang="en-US" sz="2800" dirty="0"/>
                     </a:p>
                   </a:txBody>
                   <a:tcPr/>
@@ -4637,11 +4654,12 @@
                     <a:bodyPr/>
                     <a:lstStyle/>
                     <a:p>
+                      <a:pPr algn="ctr"/>
                       <a:r>
-                        <a:rPr kumimoji="1" lang="en-US" altLang="ja-JP" dirty="0"/>
+                        <a:rPr kumimoji="1" lang="en-US" altLang="ja-JP" sz="2800" dirty="0"/>
                         <a:t>3 ** 2</a:t>
                       </a:r>
-                      <a:endParaRPr kumimoji="1" lang="ja-JP" altLang="en-US" dirty="0"/>
+                      <a:endParaRPr kumimoji="1" lang="ja-JP" altLang="en-US" sz="2800" dirty="0"/>
                     </a:p>
                   </a:txBody>
                   <a:tcPr/>
@@ -4652,14 +4670,15 @@
                   </a:ext>
                 </a:extLst>
               </a:tr>
-              <a:tr h="484584">
+              <a:tr h="0">
                 <a:tc>
                   <a:txBody>
                     <a:bodyPr/>
                     <a:lstStyle/>
                     <a:p>
+                      <a:pPr algn="ctr"/>
                       <a:r>
-                        <a:rPr kumimoji="1" lang="ja-JP" altLang="en-US" dirty="0"/>
+                        <a:rPr kumimoji="1" lang="ja-JP" altLang="en-US" sz="2800" dirty="0"/>
                         <a:t>余り</a:t>
                       </a:r>
                     </a:p>
@@ -4671,7 +4690,7 @@
                     <a:bodyPr/>
                     <a:lstStyle/>
                     <a:p>
-                      <a:pPr marL="0" marR="0" lvl="0" indent="0" algn="l" defTabSz="914400" rtl="0" eaLnBrk="1" fontAlgn="auto" latinLnBrk="0" hangingPunct="1">
+                      <a:pPr marL="0" marR="0" lvl="0" indent="0" algn="ctr" defTabSz="914400" rtl="0" eaLnBrk="1" fontAlgn="auto" latinLnBrk="0" hangingPunct="1">
                         <a:lnSpc>
                           <a:spcPct val="100000"/>
                         </a:lnSpc>
@@ -4689,10 +4708,10 @@
                         <a:defRPr/>
                       </a:pPr>
                       <a:r>
-                        <a:rPr kumimoji="1" lang="en-US" altLang="ja-JP" dirty="0"/>
+                        <a:rPr kumimoji="1" lang="en-US" altLang="ja-JP" sz="2800" dirty="0"/>
                         <a:t>3 ÷ 2</a:t>
                       </a:r>
-                      <a:endParaRPr kumimoji="1" lang="ja-JP" altLang="en-US" dirty="0"/>
+                      <a:endParaRPr kumimoji="1" lang="ja-JP" altLang="en-US" sz="2800" dirty="0"/>
                     </a:p>
                   </a:txBody>
                   <a:tcPr/>
@@ -4702,11 +4721,12 @@
                     <a:bodyPr/>
                     <a:lstStyle/>
                     <a:p>
+                      <a:pPr algn="ctr"/>
                       <a:r>
-                        <a:rPr kumimoji="1" lang="en-US" altLang="ja-JP" dirty="0"/>
+                        <a:rPr kumimoji="1" lang="en-US" altLang="ja-JP" sz="2800" dirty="0"/>
                         <a:t>3 % 2</a:t>
                       </a:r>
-                      <a:endParaRPr kumimoji="1" lang="ja-JP" altLang="en-US" dirty="0"/>
+                      <a:endParaRPr kumimoji="1" lang="ja-JP" altLang="en-US" sz="2800" dirty="0"/>
                     </a:p>
                   </a:txBody>
                   <a:tcPr/>
@@ -4717,21 +4737,22 @@
                   </a:ext>
                 </a:extLst>
               </a:tr>
-              <a:tr h="484584">
+              <a:tr h="495168">
                 <a:tc>
                   <a:txBody>
                     <a:bodyPr/>
                     <a:lstStyle/>
                     <a:p>
+                      <a:pPr algn="ctr"/>
                       <a:r>
-                        <a:rPr kumimoji="1" lang="ja-JP" altLang="en-US" dirty="0"/>
+                        <a:rPr kumimoji="1" lang="ja-JP" altLang="en-US" sz="2800" dirty="0"/>
                         <a:t>割り算</a:t>
                       </a:r>
                       <a:r>
-                        <a:rPr kumimoji="1" lang="en-US" altLang="ja-JP" dirty="0"/>
+                        <a:rPr kumimoji="1" lang="en-US" altLang="ja-JP" sz="2800" dirty="0"/>
                         <a:t>2</a:t>
                       </a:r>
-                      <a:endParaRPr kumimoji="1" lang="ja-JP" altLang="en-US" dirty="0"/>
+                      <a:endParaRPr kumimoji="1" lang="ja-JP" altLang="en-US" sz="2800" dirty="0"/>
                     </a:p>
                   </a:txBody>
                   <a:tcPr/>
@@ -4741,7 +4762,7 @@
                     <a:bodyPr/>
                     <a:lstStyle/>
                     <a:p>
-                      <a:pPr marL="0" marR="0" lvl="0" indent="0" algn="l" defTabSz="914400" rtl="0" eaLnBrk="1" fontAlgn="auto" latinLnBrk="0" hangingPunct="1">
+                      <a:pPr marL="0" marR="0" lvl="0" indent="0" algn="ctr" defTabSz="914400" rtl="0" eaLnBrk="1" fontAlgn="auto" latinLnBrk="0" hangingPunct="1">
                         <a:lnSpc>
                           <a:spcPct val="100000"/>
                         </a:lnSpc>
@@ -4759,10 +4780,10 @@
                         <a:defRPr/>
                       </a:pPr>
                       <a:r>
-                        <a:rPr kumimoji="1" lang="en-US" altLang="ja-JP" dirty="0"/>
+                        <a:rPr kumimoji="1" lang="en-US" altLang="ja-JP" sz="2800" dirty="0"/>
                         <a:t>3 ÷ 2</a:t>
                       </a:r>
-                      <a:endParaRPr kumimoji="1" lang="ja-JP" altLang="en-US" dirty="0"/>
+                      <a:endParaRPr kumimoji="1" lang="ja-JP" altLang="en-US" sz="2800" dirty="0"/>
                     </a:p>
                   </a:txBody>
                   <a:tcPr/>
@@ -4772,11 +4793,12 @@
                     <a:bodyPr/>
                     <a:lstStyle/>
                     <a:p>
+                      <a:pPr algn="ctr"/>
                       <a:r>
-                        <a:rPr kumimoji="1" lang="en-US" altLang="ja-JP" dirty="0"/>
+                        <a:rPr kumimoji="1" lang="en-US" altLang="ja-JP" sz="2800" dirty="0"/>
                         <a:t>3 // 2</a:t>
                       </a:r>
-                      <a:endParaRPr kumimoji="1" lang="ja-JP" altLang="en-US" dirty="0"/>
+                      <a:endParaRPr kumimoji="1" lang="ja-JP" altLang="en-US" sz="2800" dirty="0"/>
                     </a:p>
                   </a:txBody>
                   <a:tcPr/>
@@ -4791,6 +4813,121 @@
           </a:graphicData>
         </a:graphic>
       </p:graphicFrame>
+      <mc:AlternateContent xmlns:mc="http://schemas.openxmlformats.org/markup-compatibility/2006" xmlns:a14="http://schemas.microsoft.com/office/drawing/2010/main">
+        <mc:Choice Requires="a14">
+          <p:sp>
+            <p:nvSpPr>
+              <p:cNvPr id="3" name="テキスト ボックス 2">
+                <a:extLst>
+                  <a:ext uri="{FF2B5EF4-FFF2-40B4-BE49-F238E27FC236}">
+                    <a16:creationId xmlns:a16="http://schemas.microsoft.com/office/drawing/2014/main" id="{B78C5B58-F838-5318-5442-9DA3E628CA58}"/>
+                  </a:ext>
+                </a:extLst>
+              </p:cNvPr>
+              <p:cNvSpPr txBox="1"/>
+              <p:nvPr/>
+            </p:nvSpPr>
+            <p:spPr>
+              <a:xfrm>
+                <a:off x="5648312" y="4715934"/>
+                <a:ext cx="447687" cy="430887"/>
+              </a:xfrm>
+              <a:prstGeom prst="rect">
+                <a:avLst/>
+              </a:prstGeom>
+              <a:noFill/>
+            </p:spPr>
+            <p:txBody>
+              <a:bodyPr wrap="none" lIns="0" tIns="0" rIns="0" bIns="0" rtlCol="0">
+                <a:spAutoFit/>
+              </a:bodyPr>
+              <a:lstStyle/>
+              <a:p>
+                <a:pPr/>
+                <a14:m>
+                  <m:oMathPara xmlns:m="http://schemas.openxmlformats.org/officeDocument/2006/math">
+                    <m:oMathParaPr>
+                      <m:jc m:val="centerGroup"/>
+                    </m:oMathParaPr>
+                    <m:oMath xmlns:m="http://schemas.openxmlformats.org/officeDocument/2006/math">
+                      <m:sSup>
+                        <m:sSupPr>
+                          <m:ctrlPr>
+                            <a:rPr kumimoji="1" lang="en-US" altLang="ja-JP" sz="2800" b="0" i="1" smtClean="0">
+                              <a:latin typeface="Cambria Math" panose="02040503050406030204" pitchFamily="18" charset="0"/>
+                            </a:rPr>
+                          </m:ctrlPr>
+                        </m:sSupPr>
+                        <m:e>
+                          <m:r>
+                            <a:rPr kumimoji="1" lang="en-US" altLang="ja-JP" sz="2800" b="0" i="1" smtClean="0">
+                              <a:latin typeface="Cambria Math" panose="02040503050406030204" pitchFamily="18" charset="0"/>
+                            </a:rPr>
+                            <m:t>3</m:t>
+                          </m:r>
+                        </m:e>
+                        <m:sup>
+                          <m:r>
+                            <a:rPr kumimoji="1" lang="en-US" altLang="ja-JP" sz="2800" b="0" i="1" smtClean="0">
+                              <a:latin typeface="Cambria Math" panose="02040503050406030204" pitchFamily="18" charset="0"/>
+                            </a:rPr>
+                            <m:t>2</m:t>
+                          </m:r>
+                        </m:sup>
+                      </m:sSup>
+                    </m:oMath>
+                  </m:oMathPara>
+                </a14:m>
+                <a:endParaRPr kumimoji="1" lang="ja-JP" altLang="en-US" sz="1400" dirty="0"/>
+              </a:p>
+            </p:txBody>
+          </p:sp>
+        </mc:Choice>
+        <mc:Fallback xmlns="">
+          <p:sp>
+            <p:nvSpPr>
+              <p:cNvPr id="3" name="テキスト ボックス 2">
+                <a:extLst>
+                  <a:ext uri="{FF2B5EF4-FFF2-40B4-BE49-F238E27FC236}">
+                    <a16:creationId xmlns:a16="http://schemas.microsoft.com/office/drawing/2014/main" id="{B78C5B58-F838-5318-5442-9DA3E628CA58}"/>
+                  </a:ext>
+                </a:extLst>
+              </p:cNvPr>
+              <p:cNvSpPr txBox="1">
+                <a:spLocks noRot="1" noChangeAspect="1" noMove="1" noResize="1" noEditPoints="1" noAdjustHandles="1" noChangeArrowheads="1" noChangeShapeType="1" noTextEdit="1"/>
+              </p:cNvSpPr>
+              <p:nvPr/>
+            </p:nvSpPr>
+            <p:spPr>
+              <a:xfrm>
+                <a:off x="5648312" y="4715934"/>
+                <a:ext cx="447687" cy="430887"/>
+              </a:xfrm>
+              <a:prstGeom prst="rect">
+                <a:avLst/>
+              </a:prstGeom>
+              <a:blipFill>
+                <a:blip r:embed="rId2"/>
+                <a:stretch>
+                  <a:fillRect/>
+                </a:stretch>
+              </a:blipFill>
+            </p:spPr>
+            <p:txBody>
+              <a:bodyPr/>
+              <a:lstStyle/>
+              <a:p>
+                <a:r>
+                  <a:rPr lang="ja-JP" altLang="en-US">
+                    <a:noFill/>
+                  </a:rPr>
+                  <a:t> </a:t>
+                </a:r>
+              </a:p>
+            </p:txBody>
+          </p:sp>
+        </mc:Fallback>
+      </mc:AlternateContent>
     </p:spTree>
     <p:extLst>
       <p:ext uri="{BB962C8B-B14F-4D97-AF65-F5344CB8AC3E}">
@@ -5057,7 +5194,7 @@
                 <a:effectLst/>
                 <a:latin typeface="Consolas" panose="020B0609020204030204" pitchFamily="49" charset="0"/>
               </a:rPr>
-              <a:t>"2 + 3 * 5 = 17</a:t>
+              <a:t>2 + 3 * 5 = 17</a:t>
             </a:r>
           </a:p>
           <a:p>
@@ -5358,8 +5495,13 @@
             </a:pPr>
             <a:r>
               <a:rPr kumimoji="1" lang="en-US" altLang="ja-JP" sz="2800" dirty="0"/>
-              <a:t>1-1</a:t>
-            </a:r>
+              <a:t>1-</a:t>
+            </a:r>
+            <a:r>
+              <a:rPr lang="en-US" altLang="ja-JP" sz="2800" dirty="0"/>
+              <a:t>2</a:t>
+            </a:r>
+            <a:endParaRPr kumimoji="1" lang="en-US" altLang="ja-JP" sz="2800" dirty="0"/>
           </a:p>
           <a:p>
             <a:pPr lvl="1">
@@ -5369,7 +5511,7 @@
             </a:pPr>
             <a:r>
               <a:rPr lang="en-US" altLang="ja-JP" sz="2800" dirty="0"/>
-              <a:t>1-2</a:t>
+              <a:t>1-3</a:t>
             </a:r>
             <a:endParaRPr kumimoji="1" lang="ja-JP" altLang="en-US" sz="2800" dirty="0"/>
           </a:p>
@@ -5389,7 +5531,7 @@
 </file>
 
 <file path=ppt/slides/slide13.xml><?xml version="1.0" encoding="utf-8"?>
-<p:sld xmlns:a="http://schemas.openxmlformats.org/drawingml/2006/main" xmlns:r="http://schemas.openxmlformats.org/officeDocument/2006/relationships" xmlns:p="http://schemas.openxmlformats.org/presentationml/2006/main">
+<p:sld xmlns:a="http://schemas.openxmlformats.org/drawingml/2006/main" xmlns:r="http://schemas.openxmlformats.org/officeDocument/2006/relationships" xmlns:p="http://schemas.openxmlformats.org/presentationml/2006/main" show="0">
   <p:cSld>
     <p:spTree>
       <p:nvGrpSpPr>
@@ -10633,7 +10775,10 @@
           <a:bodyPr/>
           <a:lstStyle/>
           <a:p>
-            <a:endParaRPr kumimoji="1" lang="ja-JP" altLang="en-US"/>
+            <a:r>
+              <a:rPr kumimoji="1" lang="ja-JP" altLang="en-US" dirty="0"/>
+              <a:t>文字の連結</a:t>
+            </a:r>
           </a:p>
         </p:txBody>
       </p:sp>
@@ -10658,7 +10803,144 @@
           <a:bodyPr/>
           <a:lstStyle/>
           <a:p>
-            <a:endParaRPr kumimoji="1" lang="ja-JP" altLang="en-US"/>
+            <a:pPr marL="514350" indent="-514350">
+              <a:lnSpc>
+                <a:spcPct val="150000"/>
+              </a:lnSpc>
+              <a:buFont typeface="+mj-lt"/>
+              <a:buAutoNum type="arabicPeriod"/>
+            </a:pPr>
+            <a:r>
+              <a:rPr lang="ja-JP" altLang="en-US" b="0" dirty="0">
+                <a:solidFill>
+                  <a:schemeClr val="tx1"/>
+                </a:solidFill>
+                <a:effectLst/>
+                <a:latin typeface="Consolas" panose="020B0609020204030204" pitchFamily="49" charset="0"/>
+              </a:rPr>
+              <a:t>連結</a:t>
+            </a:r>
+          </a:p>
+          <a:p>
+            <a:pPr lvl="2">
+              <a:lnSpc>
+                <a:spcPct val="150000"/>
+              </a:lnSpc>
+            </a:pPr>
+            <a:r>
+              <a:rPr lang="en-US" altLang="ja-JP" sz="2400" b="0" dirty="0">
+                <a:solidFill>
+                  <a:schemeClr val="tx1"/>
+                </a:solidFill>
+                <a:effectLst/>
+                <a:latin typeface="Consolas" panose="020B0609020204030204" pitchFamily="49" charset="0"/>
+              </a:rPr>
+              <a:t>"+" </a:t>
+            </a:r>
+            <a:r>
+              <a:rPr lang="ja-JP" altLang="en-US" sz="2400" b="0" dirty="0">
+                <a:solidFill>
+                  <a:schemeClr val="tx1"/>
+                </a:solidFill>
+                <a:effectLst/>
+                <a:latin typeface="Consolas" panose="020B0609020204030204" pitchFamily="49" charset="0"/>
+              </a:rPr>
+              <a:t>を用いることで複数の文字列を繋げることが可能</a:t>
+            </a:r>
+          </a:p>
+          <a:p>
+            <a:pPr lvl="2">
+              <a:lnSpc>
+                <a:spcPct val="150000"/>
+              </a:lnSpc>
+            </a:pPr>
+            <a:r>
+              <a:rPr lang="ja-JP" altLang="en-US" sz="2400" b="0" dirty="0">
+                <a:solidFill>
+                  <a:schemeClr val="tx1"/>
+                </a:solidFill>
+                <a:effectLst/>
+                <a:latin typeface="Consolas" panose="020B0609020204030204" pitchFamily="49" charset="0"/>
+              </a:rPr>
+              <a:t>文字列 と 数字 を繋ぐことはできない</a:t>
+            </a:r>
+            <a:endParaRPr lang="ja-JP" altLang="en-US" b="0" dirty="0">
+              <a:solidFill>
+                <a:schemeClr val="tx1"/>
+              </a:solidFill>
+              <a:effectLst/>
+              <a:latin typeface="Consolas" panose="020B0609020204030204" pitchFamily="49" charset="0"/>
+            </a:endParaRPr>
+          </a:p>
+          <a:p>
+            <a:pPr marL="514350" indent="-514350">
+              <a:lnSpc>
+                <a:spcPct val="150000"/>
+              </a:lnSpc>
+              <a:buFont typeface="+mj-lt"/>
+              <a:buAutoNum type="arabicPeriod"/>
+            </a:pPr>
+            <a:r>
+              <a:rPr lang="ja-JP" altLang="en-US" b="0" dirty="0">
+                <a:solidFill>
+                  <a:schemeClr val="tx1"/>
+                </a:solidFill>
+                <a:effectLst/>
+                <a:latin typeface="Consolas" panose="020B0609020204030204" pitchFamily="49" charset="0"/>
+              </a:rPr>
+              <a:t>複数連結</a:t>
+            </a:r>
+          </a:p>
+          <a:p>
+            <a:pPr lvl="2">
+              <a:lnSpc>
+                <a:spcPct val="150000"/>
+              </a:lnSpc>
+            </a:pPr>
+            <a:r>
+              <a:rPr lang="en-US" altLang="ja-JP" sz="2400" b="0" dirty="0">
+                <a:solidFill>
+                  <a:schemeClr val="tx1"/>
+                </a:solidFill>
+                <a:effectLst/>
+                <a:latin typeface="Consolas" panose="020B0609020204030204" pitchFamily="49" charset="0"/>
+              </a:rPr>
+              <a:t>"*" </a:t>
+            </a:r>
+            <a:r>
+              <a:rPr lang="ja-JP" altLang="en-US" sz="2400" b="0" dirty="0">
+                <a:solidFill>
+                  <a:schemeClr val="tx1"/>
+                </a:solidFill>
+                <a:effectLst/>
+                <a:latin typeface="Consolas" panose="020B0609020204030204" pitchFamily="49" charset="0"/>
+              </a:rPr>
+              <a:t>を用いることで、同じ文字列を複数連結させる</a:t>
+            </a:r>
+            <a:endParaRPr lang="en-US" altLang="ja-JP" sz="2400" b="0" dirty="0">
+              <a:solidFill>
+                <a:schemeClr val="tx1"/>
+              </a:solidFill>
+              <a:effectLst/>
+              <a:latin typeface="Consolas" panose="020B0609020204030204" pitchFamily="49" charset="0"/>
+            </a:endParaRPr>
+          </a:p>
+          <a:p>
+            <a:pPr lvl="1"/>
+            <a:endParaRPr lang="ja-JP" altLang="en-US" b="0" dirty="0">
+              <a:solidFill>
+                <a:schemeClr val="tx1"/>
+              </a:solidFill>
+              <a:effectLst/>
+              <a:latin typeface="Consolas" panose="020B0609020204030204" pitchFamily="49" charset="0"/>
+            </a:endParaRPr>
+          </a:p>
+          <a:p>
+            <a:endParaRPr kumimoji="1" lang="ja-JP" altLang="en-US" dirty="0">
+              <a:solidFill>
+                <a:schemeClr val="tx1"/>
+              </a:solidFill>
+            </a:endParaRPr>
           </a:p>
         </p:txBody>
       </p:sp>
@@ -10899,32 +11181,6 @@
               <a:buNone/>
             </a:pPr>
             <a:r>
-              <a:rPr lang="ja-JP" altLang="en-US" b="0" dirty="0">
-                <a:effectLst/>
-                <a:latin typeface="Consolas" panose="020B0609020204030204" pitchFamily="49" charset="0"/>
-              </a:rPr>
-              <a:t>    </a:t>
-            </a:r>
-            <a:r>
-              <a:rPr lang="en-US" altLang="ja-JP" b="0" dirty="0">
-                <a:effectLst/>
-                <a:latin typeface="Consolas" panose="020B0609020204030204" pitchFamily="49" charset="0"/>
-              </a:rPr>
-              <a:t>-</a:t>
-            </a:r>
-            <a:r>
-              <a:rPr lang="ja-JP" altLang="en-US" b="0" dirty="0">
-                <a:effectLst/>
-                <a:latin typeface="Consolas" panose="020B0609020204030204" pitchFamily="49" charset="0"/>
-              </a:rPr>
-              <a:t> インタープリタ言語の特長</a:t>
-            </a:r>
-          </a:p>
-          <a:p>
-            <a:pPr marL="0" indent="0">
-              <a:buNone/>
-            </a:pPr>
-            <a:r>
               <a:rPr lang="en-US" altLang="ja-JP" b="0" dirty="0">
                 <a:effectLst/>
                 <a:latin typeface="Consolas" panose="020B0609020204030204" pitchFamily="49" charset="0"/>
@@ -11070,13 +11326,13 @@
         </p:nvPicPr>
         <p:blipFill rotWithShape="1">
           <a:blip r:embed="rId2"/>
-          <a:srcRect r="36957"/>
+          <a:srcRect t="10631" r="36957"/>
           <a:stretch/>
         </p:blipFill>
         <p:spPr>
           <a:xfrm>
-            <a:off x="1525808" y="2336474"/>
-            <a:ext cx="9140383" cy="3467426"/>
+            <a:off x="1525808" y="2381250"/>
+            <a:ext cx="9140383" cy="3098800"/>
           </a:xfrm>
         </p:spPr>
       </p:pic>
@@ -11163,6 +11419,15 @@
           <a:bodyPr/>
           <a:lstStyle/>
           <a:p>
+            <a:pPr marL="0" indent="0">
+              <a:buNone/>
+            </a:pPr>
+            <a:endParaRPr lang="en-US" altLang="ja-JP" sz="1000" b="0" dirty="0">
+              <a:effectLst/>
+              <a:latin typeface="Consolas" panose="020B0609020204030204" pitchFamily="49" charset="0"/>
+            </a:endParaRPr>
+          </a:p>
+          <a:p>
             <a:r>
               <a:rPr lang="ja-JP" altLang="en-US" b="0" dirty="0">
                 <a:effectLst/>
@@ -11268,7 +11533,7 @@
             </a:r>
             <a:r>
               <a:rPr lang="en-US" altLang="ja-JP" dirty="0"/>
-              <a:t>Hello ! </a:t>
+              <a:t>Hello!! </a:t>
             </a:r>
             <a:endParaRPr kumimoji="1" lang="ja-JP" altLang="en-US" dirty="0"/>
           </a:p>
@@ -11364,6 +11629,15 @@
           </a:bodyPr>
           <a:lstStyle/>
           <a:p>
+            <a:pPr marL="0" indent="0">
+              <a:buNone/>
+            </a:pPr>
+            <a:endParaRPr lang="en-US" altLang="ja-JP" sz="1000" b="0" dirty="0">
+              <a:effectLst/>
+              <a:latin typeface="Consolas" panose="020B0609020204030204" pitchFamily="49" charset="0"/>
+            </a:endParaRPr>
+          </a:p>
+          <a:p>
             <a:r>
               <a:rPr lang="ja-JP" altLang="en-US" b="0" dirty="0">
                 <a:effectLst/>
@@ -11840,7 +12114,7 @@
             <a:r>
               <a:rPr lang="ja-JP" altLang="en-US" b="0" dirty="0">
                 <a:solidFill>
-                  <a:srgbClr val="92D050"/>
+                  <a:schemeClr val="tx1"/>
                 </a:solidFill>
                 <a:effectLst/>
                 <a:latin typeface="Consolas" panose="020B0609020204030204" pitchFamily="49" charset="0"/>
@@ -11850,7 +12124,7 @@
             <a:r>
               <a:rPr lang="en-US" altLang="ja-JP" b="0" dirty="0">
                 <a:solidFill>
-                  <a:srgbClr val="92D050"/>
+                  <a:schemeClr val="tx1"/>
                 </a:solidFill>
                 <a:effectLst/>
                 <a:latin typeface="Consolas" panose="020B0609020204030204" pitchFamily="49" charset="0"/>
@@ -11901,7 +12175,7 @@
           <p:cNvPr id="2" name="タイトル 1">
             <a:extLst>
               <a:ext uri="{FF2B5EF4-FFF2-40B4-BE49-F238E27FC236}">
-                <a16:creationId xmlns:a16="http://schemas.microsoft.com/office/drawing/2014/main" id="{1789AC4F-6B37-8A16-A757-6FF1157EF333}"/>
+                <a16:creationId xmlns:a16="http://schemas.microsoft.com/office/drawing/2014/main" id="{5882B6C9-12F6-9F58-C2D7-CC4F5903E972}"/>
               </a:ext>
             </a:extLst>
           </p:cNvPr>
@@ -11918,11 +12192,8 @@
           <a:lstStyle/>
           <a:p>
             <a:r>
-              <a:rPr lang="ja-JP" altLang="en-US" b="0" dirty="0">
-                <a:effectLst/>
-                <a:latin typeface="Consolas" panose="020B0609020204030204" pitchFamily="49" charset="0"/>
-              </a:rPr>
-              <a:t>標準出力</a:t>
+              <a:rPr kumimoji="1" lang="en-US" altLang="ja-JP" dirty="0"/>
+              <a:t>1-1</a:t>
             </a:r>
             <a:endParaRPr kumimoji="1" lang="ja-JP" altLang="en-US" dirty="0"/>
           </a:p>
@@ -11933,7 +12204,7 @@
           <p:cNvPr id="3" name="コンテンツ プレースホルダー 2">
             <a:extLst>
               <a:ext uri="{FF2B5EF4-FFF2-40B4-BE49-F238E27FC236}">
-                <a16:creationId xmlns:a16="http://schemas.microsoft.com/office/drawing/2014/main" id="{5737E00A-49E1-C38B-B42F-B684CD90EF13}"/>
+                <a16:creationId xmlns:a16="http://schemas.microsoft.com/office/drawing/2014/main" id="{4556C645-5F54-1858-8883-A5C1276C079D}"/>
               </a:ext>
             </a:extLst>
           </p:cNvPr>
@@ -11949,127 +12220,39 @@
           <a:bodyPr/>
           <a:lstStyle/>
           <a:p>
+            <a:endParaRPr lang="en-US" altLang="ja-JP" b="0" dirty="0">
+              <a:solidFill>
+                <a:schemeClr val="tx1"/>
+              </a:solidFill>
+              <a:effectLst/>
+              <a:latin typeface="Consolas" panose="020B0609020204030204" pitchFamily="49" charset="0"/>
+            </a:endParaRPr>
+          </a:p>
+          <a:p>
             <a:r>
               <a:rPr lang="ja-JP" altLang="en-US" b="0" dirty="0">
-                <a:effectLst/>
-                <a:latin typeface="Consolas" panose="020B0609020204030204" pitchFamily="49" charset="0"/>
-              </a:rPr>
-              <a:t>文字列や数値などを</a:t>
-            </a:r>
-            <a:r>
-              <a:rPr lang="en-US" altLang="ja-JP" b="0" dirty="0">
-                <a:solidFill>
-                  <a:schemeClr val="accent4">
-                    <a:lumMod val="75000"/>
-                  </a:schemeClr>
-                </a:solidFill>
-                <a:effectLst/>
-                <a:latin typeface="Consolas" panose="020B0609020204030204" pitchFamily="49" charset="0"/>
-              </a:rPr>
-              <a:t>print</a:t>
-            </a:r>
-            <a:r>
-              <a:rPr lang="en-US" altLang="ja-JP" b="0" dirty="0">
-                <a:effectLst/>
-                <a:latin typeface="Consolas" panose="020B0609020204030204" pitchFamily="49" charset="0"/>
-              </a:rPr>
-              <a:t>()</a:t>
-            </a:r>
-            <a:r>
-              <a:rPr lang="ja-JP" altLang="en-US" b="0" dirty="0">
-                <a:effectLst/>
-                <a:latin typeface="Consolas" panose="020B0609020204030204" pitchFamily="49" charset="0"/>
-              </a:rPr>
-              <a:t>関数の引数に渡すとその値が出力される。</a:t>
-            </a:r>
-          </a:p>
-          <a:p>
-            <a:pPr marL="0" indent="0">
-              <a:buNone/>
-            </a:pPr>
-            <a:endParaRPr kumimoji="1" lang="en-US" altLang="ja-JP" dirty="0"/>
-          </a:p>
-          <a:p>
-            <a:pPr marL="0" indent="0">
-              <a:buNone/>
-            </a:pPr>
-            <a:r>
-              <a:rPr lang="en-US" altLang="ja-JP" b="0" dirty="0">
-                <a:solidFill>
-                  <a:srgbClr val="DCDCAA"/>
-                </a:solidFill>
-                <a:effectLst/>
-                <a:latin typeface="Consolas" panose="020B0609020204030204" pitchFamily="49" charset="0"/>
-              </a:rPr>
-              <a:t> </a:t>
-            </a:r>
-            <a:r>
-              <a:rPr lang="en-US" altLang="ja-JP" dirty="0"/>
-              <a:t>&gt;&gt;&gt; </a:t>
-            </a:r>
-            <a:r>
-              <a:rPr lang="en-US" altLang="ja-JP" b="0" dirty="0">
-                <a:solidFill>
-                  <a:schemeClr val="accent4">
-                    <a:lumMod val="75000"/>
-                  </a:schemeClr>
-                </a:solidFill>
-                <a:effectLst/>
-                <a:latin typeface="Consolas" panose="020B0609020204030204" pitchFamily="49" charset="0"/>
-              </a:rPr>
-              <a:t>print</a:t>
-            </a:r>
-            <a:r>
-              <a:rPr lang="en-US" altLang="ja-JP" b="0" dirty="0">
-                <a:solidFill>
-                  <a:srgbClr val="D4D4D4"/>
-                </a:solidFill>
-                <a:effectLst/>
-                <a:latin typeface="Consolas" panose="020B0609020204030204" pitchFamily="49" charset="0"/>
-              </a:rPr>
-              <a:t>(</a:t>
-            </a:r>
-            <a:r>
-              <a:rPr lang="en-US" altLang="ja-JP" b="0" dirty="0">
-                <a:solidFill>
-                  <a:srgbClr val="CE9178"/>
-                </a:solidFill>
-                <a:effectLst/>
-                <a:latin typeface="Consolas" panose="020B0609020204030204" pitchFamily="49" charset="0"/>
-              </a:rPr>
-              <a:t>"Hello!!"</a:t>
-            </a:r>
-            <a:r>
-              <a:rPr lang="en-US" altLang="ja-JP" b="0" dirty="0">
-                <a:solidFill>
-                  <a:srgbClr val="D4D4D4"/>
-                </a:solidFill>
-                <a:effectLst/>
-                <a:latin typeface="Consolas" panose="020B0609020204030204" pitchFamily="49" charset="0"/>
-              </a:rPr>
-              <a:t>)</a:t>
-            </a:r>
-          </a:p>
-          <a:p>
-            <a:pPr marL="0" indent="0">
-              <a:buNone/>
-            </a:pPr>
-            <a:r>
-              <a:rPr lang="ja-JP" altLang="en-US" dirty="0"/>
-              <a:t> </a:t>
-            </a:r>
-            <a:r>
-              <a:rPr lang="en-US" altLang="ja-JP" dirty="0"/>
-              <a:t>Hello ! </a:t>
-            </a:r>
-            <a:endParaRPr kumimoji="1" lang="ja-JP" altLang="en-US" dirty="0"/>
+                <a:solidFill>
+                  <a:schemeClr val="tx1"/>
+                </a:solidFill>
+                <a:effectLst/>
+                <a:latin typeface="Consolas" panose="020B0609020204030204" pitchFamily="49" charset="0"/>
+              </a:rPr>
+              <a:t>好きな言葉を書いてみよう</a:t>
+            </a:r>
+          </a:p>
+          <a:p>
+            <a:endParaRPr kumimoji="1" lang="ja-JP" altLang="en-US" dirty="0">
+              <a:solidFill>
+                <a:schemeClr val="tx1"/>
+              </a:solidFill>
+            </a:endParaRPr>
           </a:p>
         </p:txBody>
       </p:sp>
     </p:spTree>
     <p:extLst>
       <p:ext uri="{BB962C8B-B14F-4D97-AF65-F5344CB8AC3E}">
-        <p14:creationId xmlns:p14="http://schemas.microsoft.com/office/powerpoint/2010/main" val="729524809"/>
+        <p14:creationId xmlns:p14="http://schemas.microsoft.com/office/powerpoint/2010/main" val="2205189541"/>
       </p:ext>
     </p:extLst>
   </p:cSld>

--- a/20230530/unit1.pptx
+++ b/20230530/unit1.pptx
@@ -40,11 +40,12 @@
     <p:sldId id="287" r:id="rId34"/>
     <p:sldId id="288" r:id="rId35"/>
     <p:sldId id="289" r:id="rId36"/>
-    <p:sldId id="293" r:id="rId37"/>
-    <p:sldId id="292" r:id="rId38"/>
-    <p:sldId id="294" r:id="rId39"/>
-    <p:sldId id="295" r:id="rId40"/>
-    <p:sldId id="296" r:id="rId41"/>
+    <p:sldId id="297" r:id="rId37"/>
+    <p:sldId id="293" r:id="rId38"/>
+    <p:sldId id="292" r:id="rId39"/>
+    <p:sldId id="294" r:id="rId40"/>
+    <p:sldId id="295" r:id="rId41"/>
+    <p:sldId id="296" r:id="rId42"/>
   </p:sldIdLst>
   <p:sldSz cx="12192000" cy="6858000"/>
   <p:notesSz cx="6858000" cy="9144000"/>
@@ -377,7 +378,7 @@
           <a:p>
             <a:fld id="{87C46EDA-6141-4A17-A137-A1686AD67C1D}" type="datetimeFigureOut">
               <a:rPr kumimoji="1" lang="en-US" altLang="ja-JP" smtClean="0"/>
-              <a:t>6/2/2023</a:t>
+              <a:t>6/13/2023</a:t>
             </a:fld>
             <a:endParaRPr kumimoji="1" lang="ja-JP"/>
           </a:p>
@@ -617,7 +618,7 @@
           <a:p>
             <a:fld id="{87C46EDA-6141-4A17-A137-A1686AD67C1D}" type="datetimeFigureOut">
               <a:rPr kumimoji="1" lang="en-US" altLang="ja-JP" smtClean="0"/>
-              <a:t>6/2/2023</a:t>
+              <a:t>6/13/2023</a:t>
             </a:fld>
             <a:endParaRPr kumimoji="1" lang="ja-JP"/>
           </a:p>
@@ -905,7 +906,7 @@
           <a:p>
             <a:fld id="{87C46EDA-6141-4A17-A137-A1686AD67C1D}" type="datetimeFigureOut">
               <a:rPr kumimoji="1" lang="en-US" altLang="ja-JP" smtClean="0"/>
-              <a:t>6/2/2023</a:t>
+              <a:t>6/13/2023</a:t>
             </a:fld>
             <a:endParaRPr kumimoji="1" lang="ja-JP"/>
           </a:p>
@@ -1147,7 +1148,7 @@
           <a:p>
             <a:fld id="{87C46EDA-6141-4A17-A137-A1686AD67C1D}" type="datetimeFigureOut">
               <a:rPr kumimoji="1" lang="en-US" altLang="ja-JP" smtClean="0"/>
-              <a:t>6/2/2023</a:t>
+              <a:t>6/13/2023</a:t>
             </a:fld>
             <a:endParaRPr kumimoji="1" lang="ja-JP"/>
           </a:p>
@@ -1490,7 +1491,7 @@
           <a:p>
             <a:fld id="{87C46EDA-6141-4A17-A137-A1686AD67C1D}" type="datetimeFigureOut">
               <a:rPr kumimoji="1" lang="en-US" altLang="ja-JP" smtClean="0"/>
-              <a:t>6/2/2023</a:t>
+              <a:t>6/13/2023</a:t>
             </a:fld>
             <a:endParaRPr kumimoji="1" lang="ja-JP"/>
           </a:p>
@@ -1829,7 +1830,7 @@
           <a:p>
             <a:fld id="{87C46EDA-6141-4A17-A137-A1686AD67C1D}" type="datetimeFigureOut">
               <a:rPr kumimoji="1" lang="en-US" altLang="ja-JP" smtClean="0"/>
-              <a:t>6/2/2023</a:t>
+              <a:t>6/13/2023</a:t>
             </a:fld>
             <a:endParaRPr kumimoji="1" lang="ja-JP"/>
           </a:p>
@@ -2272,7 +2273,7 @@
           <a:p>
             <a:fld id="{87C46EDA-6141-4A17-A137-A1686AD67C1D}" type="datetimeFigureOut">
               <a:rPr kumimoji="1" lang="en-US" altLang="ja-JP" smtClean="0"/>
-              <a:t>6/2/2023</a:t>
+              <a:t>6/13/2023</a:t>
             </a:fld>
             <a:endParaRPr kumimoji="1" lang="ja-JP"/>
           </a:p>
@@ -2390,7 +2391,7 @@
           <a:p>
             <a:fld id="{87C46EDA-6141-4A17-A137-A1686AD67C1D}" type="datetimeFigureOut">
               <a:rPr kumimoji="1" lang="en-US" altLang="ja-JP" smtClean="0"/>
-              <a:t>6/2/2023</a:t>
+              <a:t>6/13/2023</a:t>
             </a:fld>
             <a:endParaRPr kumimoji="1" lang="ja-JP"/>
           </a:p>
@@ -2561,7 +2562,7 @@
           <a:p>
             <a:fld id="{87C46EDA-6141-4A17-A137-A1686AD67C1D}" type="datetimeFigureOut">
               <a:rPr kumimoji="1" lang="en-US" altLang="ja-JP" smtClean="0"/>
-              <a:t>6/2/2023</a:t>
+              <a:t>6/13/2023</a:t>
             </a:fld>
             <a:endParaRPr kumimoji="1" lang="ja-JP"/>
           </a:p>
@@ -2947,7 +2948,7 @@
           <a:p>
             <a:fld id="{87C46EDA-6141-4A17-A137-A1686AD67C1D}" type="datetimeFigureOut">
               <a:rPr kumimoji="1" lang="en-US" altLang="ja-JP" smtClean="0"/>
-              <a:t>6/2/2023</a:t>
+              <a:t>6/13/2023</a:t>
             </a:fld>
             <a:endParaRPr kumimoji="1" lang="ja-JP"/>
           </a:p>
@@ -3329,7 +3330,7 @@
           <a:p>
             <a:fld id="{87C46EDA-6141-4A17-A137-A1686AD67C1D}" type="datetimeFigureOut">
               <a:rPr kumimoji="1" lang="en-US" altLang="ja-JP" smtClean="0"/>
-              <a:t>6/2/2023</a:t>
+              <a:t>6/13/2023</a:t>
             </a:fld>
             <a:endParaRPr kumimoji="1" lang="ja-JP"/>
           </a:p>
@@ -3648,7 +3649,7 @@
           <a:p>
             <a:fld id="{87C46EDA-6141-4A17-A137-A1686AD67C1D}" type="datetimeFigureOut">
               <a:rPr kumimoji="1" lang="en-US" altLang="ja-JP" smtClean="0"/>
-              <a:t>6/2/2023</a:t>
+              <a:t>6/13/2023</a:t>
             </a:fld>
             <a:endParaRPr kumimoji="1" lang="ja-JP"/>
           </a:p>
@@ -13085,6 +13086,32 @@
               <a:buAutoNum type="arabicPeriod"/>
             </a:pPr>
             <a:r>
+              <a:rPr lang="ja-JP" altLang="en-US" sz="3200" b="0" dirty="0">
+                <a:solidFill>
+                  <a:schemeClr val="tx1"/>
+                </a:solidFill>
+                <a:effectLst/>
+                <a:latin typeface="Consolas" panose="020B0609020204030204" pitchFamily="49" charset="0"/>
+              </a:rPr>
+              <a:t>空文字列</a:t>
+            </a:r>
+            <a:endParaRPr lang="en-US" altLang="ja-JP" sz="3200" b="0" dirty="0">
+              <a:solidFill>
+                <a:schemeClr val="tx1"/>
+              </a:solidFill>
+              <a:effectLst/>
+              <a:latin typeface="Consolas" panose="020B0609020204030204" pitchFamily="49" charset="0"/>
+            </a:endParaRPr>
+          </a:p>
+          <a:p>
+            <a:pPr marL="514350" indent="-514350">
+              <a:lnSpc>
+                <a:spcPct val="150000"/>
+              </a:lnSpc>
+              <a:buFont typeface="+mj-lt"/>
+              <a:buAutoNum type="arabicPeriod"/>
+            </a:pPr>
+            <a:r>
               <a:rPr lang="en-US" altLang="ja-JP" sz="3200" b="0" dirty="0">
                 <a:solidFill>
                   <a:schemeClr val="tx1"/>
@@ -13220,6 +13247,112 @@
           <p:cNvPr id="2" name="タイトル 1">
             <a:extLst>
               <a:ext uri="{FF2B5EF4-FFF2-40B4-BE49-F238E27FC236}">
+                <a16:creationId xmlns:a16="http://schemas.microsoft.com/office/drawing/2014/main" id="{0AAB5CE8-7AEF-759C-A318-18FC643757BA}"/>
+              </a:ext>
+            </a:extLst>
+          </p:cNvPr>
+          <p:cNvSpPr>
+            <a:spLocks noGrp="1"/>
+          </p:cNvSpPr>
+          <p:nvPr>
+            <p:ph type="title"/>
+          </p:nvPr>
+        </p:nvSpPr>
+        <p:spPr/>
+        <p:txBody>
+          <a:bodyPr/>
+          <a:lstStyle/>
+          <a:p>
+            <a:r>
+              <a:rPr kumimoji="1" lang="ja-JP" altLang="en-US" dirty="0"/>
+              <a:t>空文字列</a:t>
+            </a:r>
+          </a:p>
+        </p:txBody>
+      </p:sp>
+      <p:sp>
+        <p:nvSpPr>
+          <p:cNvPr id="3" name="コンテンツ プレースホルダー 2">
+            <a:extLst>
+              <a:ext uri="{FF2B5EF4-FFF2-40B4-BE49-F238E27FC236}">
+                <a16:creationId xmlns:a16="http://schemas.microsoft.com/office/drawing/2014/main" id="{23827D9A-2F71-D651-22BD-E6F123B72EDE}"/>
+              </a:ext>
+            </a:extLst>
+          </p:cNvPr>
+          <p:cNvSpPr>
+            <a:spLocks noGrp="1"/>
+          </p:cNvSpPr>
+          <p:nvPr>
+            <p:ph idx="1"/>
+          </p:nvPr>
+        </p:nvSpPr>
+        <p:spPr/>
+        <p:txBody>
+          <a:bodyPr/>
+          <a:lstStyle/>
+          <a:p>
+            <a:endParaRPr kumimoji="1" lang="en-US" altLang="ja-JP" sz="800" dirty="0"/>
+          </a:p>
+          <a:p>
+            <a:pPr>
+              <a:lnSpc>
+                <a:spcPct val="150000"/>
+              </a:lnSpc>
+            </a:pPr>
+            <a:r>
+              <a:rPr kumimoji="1" lang="ja-JP" altLang="en-US" dirty="0"/>
+              <a:t>中身のない文字列</a:t>
+            </a:r>
+            <a:endParaRPr lang="en-US" altLang="ja-JP" dirty="0"/>
+          </a:p>
+          <a:p>
+            <a:pPr>
+              <a:lnSpc>
+                <a:spcPct val="150000"/>
+              </a:lnSpc>
+            </a:pPr>
+            <a:r>
+              <a:rPr kumimoji="1" lang="ja-JP" altLang="en-US" dirty="0"/>
+              <a:t>空文字列に必要な文字を連結していくことでほしい形に作ることが多い</a:t>
+            </a:r>
+          </a:p>
+        </p:txBody>
+      </p:sp>
+    </p:spTree>
+    <p:extLst>
+      <p:ext uri="{BB962C8B-B14F-4D97-AF65-F5344CB8AC3E}">
+        <p14:creationId xmlns:p14="http://schemas.microsoft.com/office/powerpoint/2010/main" val="1536152744"/>
+      </p:ext>
+    </p:extLst>
+  </p:cSld>
+  <p:clrMapOvr>
+    <a:masterClrMapping/>
+  </p:clrMapOvr>
+</p:sld>
+</file>
+
+<file path=ppt/slides/slide37.xml><?xml version="1.0" encoding="utf-8"?>
+<p:sld xmlns:a="http://schemas.openxmlformats.org/drawingml/2006/main" xmlns:r="http://schemas.openxmlformats.org/officeDocument/2006/relationships" xmlns:p="http://schemas.openxmlformats.org/presentationml/2006/main">
+  <p:cSld>
+    <p:spTree>
+      <p:nvGrpSpPr>
+        <p:cNvPr id="1" name=""/>
+        <p:cNvGrpSpPr/>
+        <p:nvPr/>
+      </p:nvGrpSpPr>
+      <p:grpSpPr>
+        <a:xfrm>
+          <a:off x="0" y="0"/>
+          <a:ext cx="0" cy="0"/>
+          <a:chOff x="0" y="0"/>
+          <a:chExt cx="0" cy="0"/>
+        </a:xfrm>
+      </p:grpSpPr>
+      <p:sp>
+        <p:nvSpPr>
+          <p:cNvPr id="2" name="タイトル 1">
+            <a:extLst>
+              <a:ext uri="{FF2B5EF4-FFF2-40B4-BE49-F238E27FC236}">
                 <a16:creationId xmlns:a16="http://schemas.microsoft.com/office/drawing/2014/main" id="{641889DA-B7FB-7396-2808-E74E220D7AA4}"/>
               </a:ext>
             </a:extLst>
@@ -13409,7 +13542,7 @@
 </p:sld>
 </file>
 
-<file path=ppt/slides/slide37.xml><?xml version="1.0" encoding="utf-8"?>
+<file path=ppt/slides/slide38.xml><?xml version="1.0" encoding="utf-8"?>
 <p:sld xmlns:a="http://schemas.openxmlformats.org/drawingml/2006/main" xmlns:r="http://schemas.openxmlformats.org/officeDocument/2006/relationships" xmlns:p="http://schemas.openxmlformats.org/presentationml/2006/main">
   <p:cSld>
     <p:spTree>
@@ -13503,7 +13636,7 @@
                 <a:effectLst/>
                 <a:latin typeface="Consolas" panose="020B0609020204030204" pitchFamily="49" charset="0"/>
               </a:rPr>
-              <a:t>区切り文字</a:t>
+              <a:t>末尾の文字</a:t>
             </a:r>
             <a:endParaRPr lang="en-US" altLang="ja-JP" b="0" dirty="0">
               <a:solidFill>
@@ -13637,7 +13770,7 @@
                 <a:effectLst/>
                 <a:latin typeface="Consolas" panose="020B0609020204030204" pitchFamily="49" charset="0"/>
               </a:rPr>
-              <a:t>末尾の</a:t>
+              <a:t>区切り</a:t>
             </a:r>
             <a:r>
               <a:rPr lang="ja-JP" altLang="en-US" dirty="0">
@@ -13739,7 +13872,7 @@
 </p:sld>
 </file>
 
-<file path=ppt/slides/slide38.xml><?xml version="1.0" encoding="utf-8"?>
+<file path=ppt/slides/slide39.xml><?xml version="1.0" encoding="utf-8"?>
 <p:sld xmlns:a="http://schemas.openxmlformats.org/drawingml/2006/main" xmlns:r="http://schemas.openxmlformats.org/officeDocument/2006/relationships" xmlns:p="http://schemas.openxmlformats.org/presentationml/2006/main">
   <p:cSld>
     <p:spTree>
@@ -13895,867 +14028,6 @@
     <p:extLst>
       <p:ext uri="{BB962C8B-B14F-4D97-AF65-F5344CB8AC3E}">
         <p14:creationId xmlns:p14="http://schemas.microsoft.com/office/powerpoint/2010/main" val="3749338865"/>
-      </p:ext>
-    </p:extLst>
-  </p:cSld>
-  <p:clrMapOvr>
-    <a:masterClrMapping/>
-  </p:clrMapOvr>
-</p:sld>
-</file>
-
-<file path=ppt/slides/slide39.xml><?xml version="1.0" encoding="utf-8"?>
-<p:sld xmlns:a="http://schemas.openxmlformats.org/drawingml/2006/main" xmlns:r="http://schemas.openxmlformats.org/officeDocument/2006/relationships" xmlns:p="http://schemas.openxmlformats.org/presentationml/2006/main">
-  <p:cSld>
-    <p:spTree>
-      <p:nvGrpSpPr>
-        <p:cNvPr id="1" name=""/>
-        <p:cNvGrpSpPr/>
-        <p:nvPr/>
-      </p:nvGrpSpPr>
-      <p:grpSpPr>
-        <a:xfrm>
-          <a:off x="0" y="0"/>
-          <a:ext cx="0" cy="0"/>
-          <a:chOff x="0" y="0"/>
-          <a:chExt cx="0" cy="0"/>
-        </a:xfrm>
-      </p:grpSpPr>
-      <p:sp>
-        <p:nvSpPr>
-          <p:cNvPr id="2" name="タイトル 1">
-            <a:extLst>
-              <a:ext uri="{FF2B5EF4-FFF2-40B4-BE49-F238E27FC236}">
-                <a16:creationId xmlns:a16="http://schemas.microsoft.com/office/drawing/2014/main" id="{78FAAAB5-C494-DE9E-093C-475EB76C1499}"/>
-              </a:ext>
-            </a:extLst>
-          </p:cNvPr>
-          <p:cNvSpPr>
-            <a:spLocks noGrp="1"/>
-          </p:cNvSpPr>
-          <p:nvPr>
-            <p:ph type="title"/>
-          </p:nvPr>
-        </p:nvSpPr>
-        <p:spPr/>
-        <p:txBody>
-          <a:bodyPr/>
-          <a:lstStyle/>
-          <a:p>
-            <a:r>
-              <a:rPr kumimoji="1" lang="ja-JP" altLang="en-US" dirty="0"/>
-              <a:t>複数出力したい場合</a:t>
-            </a:r>
-          </a:p>
-        </p:txBody>
-      </p:sp>
-      <p:sp>
-        <p:nvSpPr>
-          <p:cNvPr id="3" name="コンテンツ プレースホルダー 2">
-            <a:extLst>
-              <a:ext uri="{FF2B5EF4-FFF2-40B4-BE49-F238E27FC236}">
-                <a16:creationId xmlns:a16="http://schemas.microsoft.com/office/drawing/2014/main" id="{2C249C9D-43DC-7AAE-AFD9-5BF74DDE9F49}"/>
-              </a:ext>
-            </a:extLst>
-          </p:cNvPr>
-          <p:cNvSpPr>
-            <a:spLocks noGrp="1"/>
-          </p:cNvSpPr>
-          <p:nvPr>
-            <p:ph idx="1"/>
-          </p:nvPr>
-        </p:nvSpPr>
-        <p:spPr>
-          <a:xfrm>
-            <a:off x="1097280" y="1845733"/>
-            <a:ext cx="10383520" cy="4725663"/>
-          </a:xfrm>
-        </p:spPr>
-        <p:txBody>
-          <a:bodyPr>
-            <a:normAutofit fontScale="85000" lnSpcReduction="20000"/>
-          </a:bodyPr>
-          <a:lstStyle/>
-          <a:p>
-            <a:r>
-              <a:rPr lang="en-US" altLang="ja-JP" b="0" dirty="0">
-                <a:solidFill>
-                  <a:srgbClr val="6A9955"/>
-                </a:solidFill>
-                <a:effectLst/>
-                <a:latin typeface="Consolas" panose="020B0609020204030204" pitchFamily="49" charset="0"/>
-              </a:rPr>
-              <a:t># format() </a:t>
-            </a:r>
-            <a:r>
-              <a:rPr lang="ja-JP" altLang="en-US" b="0" dirty="0">
-                <a:solidFill>
-                  <a:srgbClr val="6A9955"/>
-                </a:solidFill>
-                <a:effectLst/>
-                <a:latin typeface="Consolas" panose="020B0609020204030204" pitchFamily="49" charset="0"/>
-              </a:rPr>
-              <a:t>の </a:t>
-            </a:r>
-            <a:r>
-              <a:rPr lang="en-US" altLang="ja-JP" b="0" dirty="0">
-                <a:solidFill>
-                  <a:srgbClr val="6A9955"/>
-                </a:solidFill>
-                <a:effectLst/>
-                <a:latin typeface="Consolas" panose="020B0609020204030204" pitchFamily="49" charset="0"/>
-              </a:rPr>
-              <a:t>() </a:t>
-            </a:r>
-            <a:r>
-              <a:rPr lang="ja-JP" altLang="en-US" b="0" dirty="0">
-                <a:solidFill>
-                  <a:srgbClr val="6A9955"/>
-                </a:solidFill>
-                <a:effectLst/>
-                <a:latin typeface="Consolas" panose="020B0609020204030204" pitchFamily="49" charset="0"/>
-              </a:rPr>
-              <a:t>の中のものが </a:t>
-            </a:r>
-            <a:r>
-              <a:rPr lang="en-US" altLang="ja-JP" b="0" dirty="0">
-                <a:solidFill>
-                  <a:srgbClr val="6A9955"/>
-                </a:solidFill>
-                <a:effectLst/>
-                <a:latin typeface="Consolas" panose="020B0609020204030204" pitchFamily="49" charset="0"/>
-              </a:rPr>
-              <a:t>{} </a:t>
-            </a:r>
-            <a:r>
-              <a:rPr lang="ja-JP" altLang="en-US" b="0" dirty="0">
-                <a:solidFill>
-                  <a:srgbClr val="6A9955"/>
-                </a:solidFill>
-                <a:effectLst/>
-                <a:latin typeface="Consolas" panose="020B0609020204030204" pitchFamily="49" charset="0"/>
-              </a:rPr>
-              <a:t>に入る</a:t>
-            </a:r>
-            <a:endParaRPr lang="ja-JP" altLang="en-US" b="0" dirty="0">
-              <a:solidFill>
-                <a:srgbClr val="D4D4D4"/>
-              </a:solidFill>
-              <a:effectLst/>
-              <a:latin typeface="Consolas" panose="020B0609020204030204" pitchFamily="49" charset="0"/>
-            </a:endParaRPr>
-          </a:p>
-          <a:p>
-            <a:r>
-              <a:rPr lang="en-US" altLang="ja-JP" b="0" dirty="0">
-                <a:solidFill>
-                  <a:schemeClr val="tx1"/>
-                </a:solidFill>
-                <a:effectLst/>
-                <a:latin typeface="Consolas" panose="020B0609020204030204" pitchFamily="49" charset="0"/>
-              </a:rPr>
-              <a:t>&gt;&gt;&gt;</a:t>
-            </a:r>
-            <a:r>
-              <a:rPr lang="en-US" altLang="ja-JP" b="0" dirty="0">
-                <a:solidFill>
-                  <a:schemeClr val="accent2">
-                    <a:lumMod val="75000"/>
-                  </a:schemeClr>
-                </a:solidFill>
-                <a:effectLst/>
-                <a:latin typeface="Consolas" panose="020B0609020204030204" pitchFamily="49" charset="0"/>
-              </a:rPr>
-              <a:t> print</a:t>
-            </a:r>
-            <a:r>
-              <a:rPr lang="en-US" altLang="ja-JP" b="0" dirty="0">
-                <a:solidFill>
-                  <a:schemeClr val="tx1"/>
-                </a:solidFill>
-                <a:effectLst/>
-                <a:latin typeface="Consolas" panose="020B0609020204030204" pitchFamily="49" charset="0"/>
-              </a:rPr>
-              <a:t>(</a:t>
-            </a:r>
-            <a:r>
-              <a:rPr lang="en-US" altLang="ja-JP" b="0" dirty="0">
-                <a:solidFill>
-                  <a:srgbClr val="CE9178"/>
-                </a:solidFill>
-                <a:effectLst/>
-                <a:latin typeface="Consolas" panose="020B0609020204030204" pitchFamily="49" charset="0"/>
-              </a:rPr>
-              <a:t>"</a:t>
-            </a:r>
-            <a:r>
-              <a:rPr lang="ja-JP" altLang="en-US" b="0" dirty="0">
-                <a:solidFill>
-                  <a:srgbClr val="CE9178"/>
-                </a:solidFill>
-                <a:effectLst/>
-                <a:latin typeface="Consolas" panose="020B0609020204030204" pitchFamily="49" charset="0"/>
-              </a:rPr>
-              <a:t>私の趣味は </a:t>
-            </a:r>
-            <a:r>
-              <a:rPr lang="en-US" altLang="ja-JP" b="0" dirty="0">
-                <a:solidFill>
-                  <a:srgbClr val="569CD6"/>
-                </a:solidFill>
-                <a:effectLst/>
-                <a:latin typeface="Consolas" panose="020B0609020204030204" pitchFamily="49" charset="0"/>
-              </a:rPr>
-              <a:t>{}</a:t>
-            </a:r>
-            <a:r>
-              <a:rPr lang="ja-JP" altLang="en-US" b="0" dirty="0">
-                <a:solidFill>
-                  <a:srgbClr val="CE9178"/>
-                </a:solidFill>
-                <a:effectLst/>
-                <a:latin typeface="Consolas" panose="020B0609020204030204" pitchFamily="49" charset="0"/>
-              </a:rPr>
-              <a:t> です</a:t>
-            </a:r>
-            <a:r>
-              <a:rPr lang="en-US" altLang="ja-JP" b="0" dirty="0">
-                <a:solidFill>
-                  <a:srgbClr val="CE9178"/>
-                </a:solidFill>
-                <a:effectLst/>
-                <a:latin typeface="Consolas" panose="020B0609020204030204" pitchFamily="49" charset="0"/>
-              </a:rPr>
-              <a:t>"</a:t>
-            </a:r>
-            <a:r>
-              <a:rPr lang="en-US" altLang="ja-JP" b="0" dirty="0">
-                <a:solidFill>
-                  <a:schemeClr val="tx1"/>
-                </a:solidFill>
-                <a:effectLst/>
-                <a:latin typeface="Consolas" panose="020B0609020204030204" pitchFamily="49" charset="0"/>
-              </a:rPr>
-              <a:t>.</a:t>
-            </a:r>
-            <a:r>
-              <a:rPr lang="en-US" altLang="ja-JP" b="0" dirty="0">
-                <a:solidFill>
-                  <a:schemeClr val="accent2">
-                    <a:lumMod val="75000"/>
-                  </a:schemeClr>
-                </a:solidFill>
-                <a:effectLst/>
-                <a:latin typeface="Consolas" panose="020B0609020204030204" pitchFamily="49" charset="0"/>
-              </a:rPr>
-              <a:t>format</a:t>
-            </a:r>
-            <a:r>
-              <a:rPr lang="en-US" altLang="ja-JP" b="0" dirty="0">
-                <a:solidFill>
-                  <a:schemeClr val="tx1"/>
-                </a:solidFill>
-                <a:effectLst/>
-                <a:latin typeface="Consolas" panose="020B0609020204030204" pitchFamily="49" charset="0"/>
-              </a:rPr>
-              <a:t>(</a:t>
-            </a:r>
-            <a:r>
-              <a:rPr lang="en-US" altLang="ja-JP" b="0" dirty="0">
-                <a:solidFill>
-                  <a:srgbClr val="CE9178"/>
-                </a:solidFill>
-                <a:effectLst/>
-                <a:latin typeface="Consolas" panose="020B0609020204030204" pitchFamily="49" charset="0"/>
-              </a:rPr>
-              <a:t>"</a:t>
-            </a:r>
-            <a:r>
-              <a:rPr lang="ja-JP" altLang="en-US" b="0" dirty="0">
-                <a:solidFill>
-                  <a:srgbClr val="CE9178"/>
-                </a:solidFill>
-                <a:effectLst/>
-                <a:latin typeface="Consolas" panose="020B0609020204030204" pitchFamily="49" charset="0"/>
-              </a:rPr>
-              <a:t>プログラミング</a:t>
-            </a:r>
-            <a:r>
-              <a:rPr lang="en-US" altLang="ja-JP" b="0" dirty="0">
-                <a:solidFill>
-                  <a:srgbClr val="CE9178"/>
-                </a:solidFill>
-                <a:effectLst/>
-                <a:latin typeface="Consolas" panose="020B0609020204030204" pitchFamily="49" charset="0"/>
-              </a:rPr>
-              <a:t>"</a:t>
-            </a:r>
-            <a:r>
-              <a:rPr lang="en-US" altLang="ja-JP" b="0" dirty="0">
-                <a:solidFill>
-                  <a:schemeClr val="tx1"/>
-                </a:solidFill>
-                <a:effectLst/>
-                <a:latin typeface="Consolas" panose="020B0609020204030204" pitchFamily="49" charset="0"/>
-              </a:rPr>
-              <a:t>))</a:t>
-            </a:r>
-          </a:p>
-          <a:p>
-            <a:r>
-              <a:rPr lang="ja-JP" altLang="en-US" b="0" dirty="0">
-                <a:solidFill>
-                  <a:schemeClr val="tx1"/>
-                </a:solidFill>
-                <a:effectLst/>
-                <a:latin typeface="Consolas" panose="020B0609020204030204" pitchFamily="49" charset="0"/>
-              </a:rPr>
-              <a:t>私の趣味はプログラミングです</a:t>
-            </a:r>
-            <a:endParaRPr lang="en-US" altLang="ja-JP" b="0" dirty="0">
-              <a:solidFill>
-                <a:schemeClr val="tx1"/>
-              </a:solidFill>
-              <a:effectLst/>
-              <a:latin typeface="Consolas" panose="020B0609020204030204" pitchFamily="49" charset="0"/>
-            </a:endParaRPr>
-          </a:p>
-          <a:p>
-            <a:br>
-              <a:rPr lang="en-US" altLang="ja-JP" b="0" dirty="0">
-                <a:solidFill>
-                  <a:srgbClr val="D4D4D4"/>
-                </a:solidFill>
-                <a:effectLst/>
-                <a:latin typeface="Consolas" panose="020B0609020204030204" pitchFamily="49" charset="0"/>
-              </a:rPr>
-            </a:br>
-            <a:r>
-              <a:rPr lang="en-US" altLang="ja-JP" b="0" dirty="0">
-                <a:solidFill>
-                  <a:srgbClr val="6A9955"/>
-                </a:solidFill>
-                <a:effectLst/>
-                <a:latin typeface="Consolas" panose="020B0609020204030204" pitchFamily="49" charset="0"/>
-              </a:rPr>
-              <a:t># </a:t>
-            </a:r>
-            <a:r>
-              <a:rPr lang="ja-JP" altLang="en-US" b="0" dirty="0">
-                <a:solidFill>
-                  <a:srgbClr val="6A9955"/>
-                </a:solidFill>
-                <a:effectLst/>
-                <a:latin typeface="Consolas" panose="020B0609020204030204" pitchFamily="49" charset="0"/>
-              </a:rPr>
-              <a:t>複数ある場合は、前から順に</a:t>
-            </a:r>
-            <a:endParaRPr lang="ja-JP" altLang="en-US" b="0" dirty="0">
-              <a:solidFill>
-                <a:srgbClr val="D4D4D4"/>
-              </a:solidFill>
-              <a:effectLst/>
-              <a:latin typeface="Consolas" panose="020B0609020204030204" pitchFamily="49" charset="0"/>
-            </a:endParaRPr>
-          </a:p>
-          <a:p>
-            <a:r>
-              <a:rPr lang="en-US" altLang="ja-JP" b="0" dirty="0">
-                <a:solidFill>
-                  <a:schemeClr val="tx1"/>
-                </a:solidFill>
-                <a:effectLst/>
-                <a:latin typeface="Consolas" panose="020B0609020204030204" pitchFamily="49" charset="0"/>
-              </a:rPr>
-              <a:t>&gt;&gt;&gt;</a:t>
-            </a:r>
-            <a:r>
-              <a:rPr lang="en-US" altLang="ja-JP" b="0" dirty="0">
-                <a:solidFill>
-                  <a:schemeClr val="accent2">
-                    <a:lumMod val="75000"/>
-                  </a:schemeClr>
-                </a:solidFill>
-                <a:effectLst/>
-                <a:latin typeface="Consolas" panose="020B0609020204030204" pitchFamily="49" charset="0"/>
-              </a:rPr>
-              <a:t> print</a:t>
-            </a:r>
-            <a:r>
-              <a:rPr lang="en-US" altLang="ja-JP" b="0" dirty="0">
-                <a:solidFill>
-                  <a:schemeClr val="tx1"/>
-                </a:solidFill>
-                <a:effectLst/>
-                <a:latin typeface="Consolas" panose="020B0609020204030204" pitchFamily="49" charset="0"/>
-              </a:rPr>
-              <a:t>(</a:t>
-            </a:r>
-            <a:r>
-              <a:rPr lang="en-US" altLang="ja-JP" b="0" dirty="0">
-                <a:solidFill>
-                  <a:srgbClr val="CE9178"/>
-                </a:solidFill>
-                <a:effectLst/>
-                <a:latin typeface="Consolas" panose="020B0609020204030204" pitchFamily="49" charset="0"/>
-              </a:rPr>
-              <a:t>"</a:t>
-            </a:r>
-            <a:r>
-              <a:rPr lang="en-US" altLang="ja-JP" b="0" dirty="0">
-                <a:solidFill>
-                  <a:srgbClr val="569CD6"/>
-                </a:solidFill>
-                <a:effectLst/>
-                <a:latin typeface="Consolas" panose="020B0609020204030204" pitchFamily="49" charset="0"/>
-              </a:rPr>
-              <a:t>{}</a:t>
-            </a:r>
-            <a:r>
-              <a:rPr lang="en-US" altLang="ja-JP" b="0" dirty="0">
-                <a:solidFill>
-                  <a:srgbClr val="CE9178"/>
-                </a:solidFill>
-                <a:effectLst/>
-                <a:latin typeface="Consolas" panose="020B0609020204030204" pitchFamily="49" charset="0"/>
-              </a:rPr>
-              <a:t> is </a:t>
-            </a:r>
-            <a:r>
-              <a:rPr lang="en-US" altLang="ja-JP" b="0" dirty="0">
-                <a:solidFill>
-                  <a:srgbClr val="569CD6"/>
-                </a:solidFill>
-                <a:effectLst/>
-                <a:latin typeface="Consolas" panose="020B0609020204030204" pitchFamily="49" charset="0"/>
-              </a:rPr>
-              <a:t>{}</a:t>
-            </a:r>
-            <a:r>
-              <a:rPr lang="en-US" altLang="ja-JP" b="0" dirty="0">
-                <a:solidFill>
-                  <a:srgbClr val="CE9178"/>
-                </a:solidFill>
-                <a:effectLst/>
-                <a:latin typeface="Consolas" panose="020B0609020204030204" pitchFamily="49" charset="0"/>
-              </a:rPr>
-              <a:t> years </a:t>
-            </a:r>
-            <a:r>
-              <a:rPr lang="en-US" altLang="ja-JP" b="0" dirty="0" err="1">
-                <a:solidFill>
-                  <a:srgbClr val="CE9178"/>
-                </a:solidFill>
-                <a:effectLst/>
-                <a:latin typeface="Consolas" panose="020B0609020204030204" pitchFamily="49" charset="0"/>
-              </a:rPr>
-              <a:t>old."</a:t>
-            </a:r>
-            <a:r>
-              <a:rPr lang="en-US" altLang="ja-JP" b="0" dirty="0" err="1">
-                <a:solidFill>
-                  <a:schemeClr val="tx1"/>
-                </a:solidFill>
-                <a:effectLst/>
-                <a:latin typeface="Consolas" panose="020B0609020204030204" pitchFamily="49" charset="0"/>
-              </a:rPr>
-              <a:t>.</a:t>
-            </a:r>
-            <a:r>
-              <a:rPr lang="en-US" altLang="ja-JP" b="0" dirty="0" err="1">
-                <a:solidFill>
-                  <a:schemeClr val="accent2">
-                    <a:lumMod val="75000"/>
-                  </a:schemeClr>
-                </a:solidFill>
-                <a:effectLst/>
-                <a:latin typeface="Consolas" panose="020B0609020204030204" pitchFamily="49" charset="0"/>
-              </a:rPr>
-              <a:t>format</a:t>
-            </a:r>
-            <a:r>
-              <a:rPr lang="en-US" altLang="ja-JP" b="0" dirty="0">
-                <a:solidFill>
-                  <a:schemeClr val="tx1"/>
-                </a:solidFill>
-                <a:effectLst/>
-                <a:latin typeface="Consolas" panose="020B0609020204030204" pitchFamily="49" charset="0"/>
-              </a:rPr>
-              <a:t>(</a:t>
-            </a:r>
-            <a:r>
-              <a:rPr lang="en-US" altLang="ja-JP" b="0" dirty="0">
-                <a:solidFill>
-                  <a:srgbClr val="CE9178"/>
-                </a:solidFill>
-                <a:effectLst/>
-                <a:latin typeface="Consolas" panose="020B0609020204030204" pitchFamily="49" charset="0"/>
-              </a:rPr>
-              <a:t>"Alice"</a:t>
-            </a:r>
-            <a:r>
-              <a:rPr lang="en-US" altLang="ja-JP" b="0" dirty="0">
-                <a:solidFill>
-                  <a:schemeClr val="tx1"/>
-                </a:solidFill>
-                <a:effectLst/>
-                <a:latin typeface="Consolas" panose="020B0609020204030204" pitchFamily="49" charset="0"/>
-              </a:rPr>
-              <a:t>,</a:t>
-            </a:r>
-            <a:r>
-              <a:rPr lang="en-US" altLang="ja-JP" b="0" dirty="0">
-                <a:solidFill>
-                  <a:srgbClr val="D4D4D4"/>
-                </a:solidFill>
-                <a:effectLst/>
-                <a:latin typeface="Consolas" panose="020B0609020204030204" pitchFamily="49" charset="0"/>
-              </a:rPr>
-              <a:t> </a:t>
-            </a:r>
-            <a:r>
-              <a:rPr lang="en-US" altLang="ja-JP" b="0" dirty="0">
-                <a:solidFill>
-                  <a:srgbClr val="B5CEA8"/>
-                </a:solidFill>
-                <a:effectLst/>
-                <a:latin typeface="Consolas" panose="020B0609020204030204" pitchFamily="49" charset="0"/>
-              </a:rPr>
-              <a:t>14</a:t>
-            </a:r>
-            <a:r>
-              <a:rPr lang="en-US" altLang="ja-JP" b="0" dirty="0">
-                <a:solidFill>
-                  <a:schemeClr val="tx1"/>
-                </a:solidFill>
-                <a:effectLst/>
-                <a:latin typeface="Consolas" panose="020B0609020204030204" pitchFamily="49" charset="0"/>
-              </a:rPr>
-              <a:t>))</a:t>
-            </a:r>
-          </a:p>
-          <a:p>
-            <a:r>
-              <a:rPr lang="en-US" altLang="ja-JP" b="0" dirty="0">
-                <a:solidFill>
-                  <a:schemeClr val="tx1"/>
-                </a:solidFill>
-                <a:effectLst/>
-                <a:latin typeface="Consolas" panose="020B0609020204030204" pitchFamily="49" charset="0"/>
-              </a:rPr>
-              <a:t>Alice is 14 years old.</a:t>
-            </a:r>
-          </a:p>
-          <a:p>
-            <a:br>
-              <a:rPr lang="en-US" altLang="ja-JP" b="0" dirty="0">
-                <a:solidFill>
-                  <a:srgbClr val="D4D4D4"/>
-                </a:solidFill>
-                <a:effectLst/>
-                <a:latin typeface="Consolas" panose="020B0609020204030204" pitchFamily="49" charset="0"/>
-              </a:rPr>
-            </a:br>
-            <a:r>
-              <a:rPr lang="en-US" altLang="ja-JP" b="0" dirty="0">
-                <a:solidFill>
-                  <a:srgbClr val="6A9955"/>
-                </a:solidFill>
-                <a:effectLst/>
-                <a:latin typeface="Consolas" panose="020B0609020204030204" pitchFamily="49" charset="0"/>
-              </a:rPr>
-              <a:t># </a:t>
-            </a:r>
-            <a:r>
-              <a:rPr lang="ja-JP" altLang="en-US" b="0" dirty="0">
-                <a:solidFill>
-                  <a:srgbClr val="6A9955"/>
-                </a:solidFill>
-                <a:effectLst/>
-                <a:latin typeface="Consolas" panose="020B0609020204030204" pitchFamily="49" charset="0"/>
-              </a:rPr>
-              <a:t>位置を指定することもできる</a:t>
-            </a:r>
-            <a:endParaRPr lang="ja-JP" altLang="en-US" b="0" dirty="0">
-              <a:solidFill>
-                <a:srgbClr val="D4D4D4"/>
-              </a:solidFill>
-              <a:effectLst/>
-              <a:latin typeface="Consolas" panose="020B0609020204030204" pitchFamily="49" charset="0"/>
-            </a:endParaRPr>
-          </a:p>
-          <a:p>
-            <a:r>
-              <a:rPr lang="en-US" altLang="ja-JP" b="0" dirty="0">
-                <a:solidFill>
-                  <a:schemeClr val="tx1"/>
-                </a:solidFill>
-                <a:effectLst/>
-                <a:latin typeface="Consolas" panose="020B0609020204030204" pitchFamily="49" charset="0"/>
-              </a:rPr>
-              <a:t>&gt;&gt;&gt;</a:t>
-            </a:r>
-            <a:r>
-              <a:rPr lang="en-US" altLang="ja-JP" b="0" dirty="0">
-                <a:solidFill>
-                  <a:schemeClr val="accent2">
-                    <a:lumMod val="75000"/>
-                  </a:schemeClr>
-                </a:solidFill>
-                <a:effectLst/>
-                <a:latin typeface="Consolas" panose="020B0609020204030204" pitchFamily="49" charset="0"/>
-              </a:rPr>
-              <a:t> print</a:t>
-            </a:r>
-            <a:r>
-              <a:rPr lang="en-US" altLang="ja-JP" b="0" dirty="0">
-                <a:solidFill>
-                  <a:schemeClr val="tx1"/>
-                </a:solidFill>
-                <a:effectLst/>
-                <a:latin typeface="Consolas" panose="020B0609020204030204" pitchFamily="49" charset="0"/>
-              </a:rPr>
-              <a:t>(</a:t>
-            </a:r>
-            <a:r>
-              <a:rPr lang="en-US" altLang="ja-JP" b="0" dirty="0">
-                <a:solidFill>
-                  <a:srgbClr val="CE9178"/>
-                </a:solidFill>
-                <a:effectLst/>
-                <a:latin typeface="Consolas" panose="020B0609020204030204" pitchFamily="49" charset="0"/>
-              </a:rPr>
-              <a:t>"</a:t>
-            </a:r>
-            <a:r>
-              <a:rPr lang="en-US" altLang="ja-JP" b="0" dirty="0">
-                <a:solidFill>
-                  <a:srgbClr val="569CD6"/>
-                </a:solidFill>
-                <a:effectLst/>
-                <a:latin typeface="Consolas" panose="020B0609020204030204" pitchFamily="49" charset="0"/>
-              </a:rPr>
-              <a:t>{0}</a:t>
-            </a:r>
-            <a:r>
-              <a:rPr lang="en-US" altLang="ja-JP" b="0" dirty="0">
-                <a:solidFill>
-                  <a:srgbClr val="CE9178"/>
-                </a:solidFill>
-                <a:effectLst/>
-                <a:latin typeface="Consolas" panose="020B0609020204030204" pitchFamily="49" charset="0"/>
-              </a:rPr>
-              <a:t>, </a:t>
-            </a:r>
-            <a:r>
-              <a:rPr lang="en-US" altLang="ja-JP" b="0" dirty="0">
-                <a:solidFill>
-                  <a:srgbClr val="569CD6"/>
-                </a:solidFill>
-                <a:effectLst/>
-                <a:latin typeface="Consolas" panose="020B0609020204030204" pitchFamily="49" charset="0"/>
-              </a:rPr>
-              <a:t>{2}</a:t>
-            </a:r>
-            <a:r>
-              <a:rPr lang="en-US" altLang="ja-JP" b="0" dirty="0">
-                <a:solidFill>
-                  <a:srgbClr val="CE9178"/>
-                </a:solidFill>
-                <a:effectLst/>
-                <a:latin typeface="Consolas" panose="020B0609020204030204" pitchFamily="49" charset="0"/>
-              </a:rPr>
-              <a:t>, </a:t>
-            </a:r>
-            <a:r>
-              <a:rPr lang="en-US" altLang="ja-JP" b="0" dirty="0">
-                <a:solidFill>
-                  <a:srgbClr val="569CD6"/>
-                </a:solidFill>
-                <a:effectLst/>
-                <a:latin typeface="Consolas" panose="020B0609020204030204" pitchFamily="49" charset="0"/>
-              </a:rPr>
-              <a:t>{1}</a:t>
-            </a:r>
-            <a:r>
-              <a:rPr lang="en-US" altLang="ja-JP" b="0" dirty="0">
-                <a:solidFill>
-                  <a:srgbClr val="CE9178"/>
-                </a:solidFill>
-                <a:effectLst/>
-                <a:latin typeface="Consolas" panose="020B0609020204030204" pitchFamily="49" charset="0"/>
-              </a:rPr>
-              <a:t> and </a:t>
-            </a:r>
-            <a:r>
-              <a:rPr lang="en-US" altLang="ja-JP" b="0" dirty="0">
-                <a:solidFill>
-                  <a:srgbClr val="569CD6"/>
-                </a:solidFill>
-                <a:effectLst/>
-                <a:latin typeface="Consolas" panose="020B0609020204030204" pitchFamily="49" charset="0"/>
-              </a:rPr>
-              <a:t>{3}</a:t>
-            </a:r>
-            <a:r>
-              <a:rPr lang="en-US" altLang="ja-JP" b="0" dirty="0">
-                <a:solidFill>
-                  <a:srgbClr val="CE9178"/>
-                </a:solidFill>
-                <a:effectLst/>
-                <a:latin typeface="Consolas" panose="020B0609020204030204" pitchFamily="49" charset="0"/>
-              </a:rPr>
-              <a:t>"</a:t>
-            </a:r>
-            <a:r>
-              <a:rPr lang="en-US" altLang="ja-JP" b="0" dirty="0">
-                <a:solidFill>
-                  <a:schemeClr val="tx1"/>
-                </a:solidFill>
-                <a:effectLst/>
-                <a:latin typeface="Consolas" panose="020B0609020204030204" pitchFamily="49" charset="0"/>
-              </a:rPr>
-              <a:t>.</a:t>
-            </a:r>
-            <a:r>
-              <a:rPr lang="en-US" altLang="ja-JP" b="0" dirty="0">
-                <a:solidFill>
-                  <a:schemeClr val="accent2">
-                    <a:lumMod val="75000"/>
-                  </a:schemeClr>
-                </a:solidFill>
-                <a:effectLst/>
-                <a:latin typeface="Consolas" panose="020B0609020204030204" pitchFamily="49" charset="0"/>
-              </a:rPr>
-              <a:t>format</a:t>
-            </a:r>
-            <a:r>
-              <a:rPr lang="en-US" altLang="ja-JP" b="0" dirty="0">
-                <a:solidFill>
-                  <a:schemeClr val="tx1"/>
-                </a:solidFill>
-                <a:effectLst/>
-                <a:latin typeface="Consolas" panose="020B0609020204030204" pitchFamily="49" charset="0"/>
-              </a:rPr>
-              <a:t>(</a:t>
-            </a:r>
-            <a:r>
-              <a:rPr lang="en-US" altLang="ja-JP" b="0" dirty="0">
-                <a:solidFill>
-                  <a:srgbClr val="CE9178"/>
-                </a:solidFill>
-                <a:effectLst/>
-                <a:latin typeface="Consolas" panose="020B0609020204030204" pitchFamily="49" charset="0"/>
-              </a:rPr>
-              <a:t>"Python"</a:t>
-            </a:r>
-            <a:r>
-              <a:rPr lang="en-US" altLang="ja-JP" b="0" dirty="0">
-                <a:solidFill>
-                  <a:schemeClr val="tx1"/>
-                </a:solidFill>
-                <a:effectLst/>
-                <a:latin typeface="Consolas" panose="020B0609020204030204" pitchFamily="49" charset="0"/>
-              </a:rPr>
-              <a:t>,</a:t>
-            </a:r>
-            <a:r>
-              <a:rPr lang="en-US" altLang="ja-JP" b="0" dirty="0">
-                <a:solidFill>
-                  <a:srgbClr val="D4D4D4"/>
-                </a:solidFill>
-                <a:effectLst/>
-                <a:latin typeface="Consolas" panose="020B0609020204030204" pitchFamily="49" charset="0"/>
-              </a:rPr>
-              <a:t> </a:t>
-            </a:r>
-            <a:r>
-              <a:rPr lang="en-US" altLang="ja-JP" b="0" dirty="0">
-                <a:solidFill>
-                  <a:srgbClr val="CE9178"/>
-                </a:solidFill>
-                <a:effectLst/>
-                <a:latin typeface="Consolas" panose="020B0609020204030204" pitchFamily="49" charset="0"/>
-              </a:rPr>
-              <a:t>"JavaScript"</a:t>
-            </a:r>
-            <a:r>
-              <a:rPr lang="en-US" altLang="ja-JP" b="0" dirty="0">
-                <a:solidFill>
-                  <a:schemeClr val="tx1"/>
-                </a:solidFill>
-                <a:effectLst/>
-                <a:latin typeface="Consolas" panose="020B0609020204030204" pitchFamily="49" charset="0"/>
-              </a:rPr>
-              <a:t>, </a:t>
-            </a:r>
-            <a:r>
-              <a:rPr lang="en-US" altLang="ja-JP" b="0" dirty="0">
-                <a:solidFill>
-                  <a:srgbClr val="CE9178"/>
-                </a:solidFill>
-                <a:effectLst/>
-                <a:latin typeface="Consolas" panose="020B0609020204030204" pitchFamily="49" charset="0"/>
-              </a:rPr>
-              <a:t>"Swift"</a:t>
-            </a:r>
-            <a:r>
-              <a:rPr lang="en-US" altLang="ja-JP" b="0" dirty="0">
-                <a:solidFill>
-                  <a:schemeClr val="tx1"/>
-                </a:solidFill>
-                <a:effectLst/>
-                <a:latin typeface="Consolas" panose="020B0609020204030204" pitchFamily="49" charset="0"/>
-              </a:rPr>
-              <a:t>, </a:t>
-            </a:r>
-            <a:r>
-              <a:rPr lang="en-US" altLang="ja-JP" b="0" dirty="0">
-                <a:solidFill>
-                  <a:srgbClr val="CE9178"/>
-                </a:solidFill>
-                <a:effectLst/>
-                <a:latin typeface="Consolas" panose="020B0609020204030204" pitchFamily="49" charset="0"/>
-              </a:rPr>
-              <a:t>"Kotlin"</a:t>
-            </a:r>
-            <a:r>
-              <a:rPr lang="en-US" altLang="ja-JP" b="0" dirty="0">
-                <a:solidFill>
-                  <a:schemeClr val="tx1"/>
-                </a:solidFill>
-                <a:effectLst/>
-                <a:latin typeface="Consolas" panose="020B0609020204030204" pitchFamily="49" charset="0"/>
-              </a:rPr>
-              <a:t>))</a:t>
-            </a:r>
-          </a:p>
-          <a:p>
-            <a:r>
-              <a:rPr lang="en-US" altLang="ja-JP" dirty="0">
-                <a:solidFill>
-                  <a:schemeClr val="tx1"/>
-                </a:solidFill>
-              </a:rPr>
-              <a:t>Python Swift JavaScript Kotlin</a:t>
-            </a:r>
-            <a:endParaRPr lang="en-US" altLang="ja-JP" b="0" dirty="0">
-              <a:solidFill>
-                <a:schemeClr val="tx1"/>
-              </a:solidFill>
-              <a:effectLst/>
-              <a:latin typeface="Consolas" panose="020B0609020204030204" pitchFamily="49" charset="0"/>
-            </a:endParaRPr>
-          </a:p>
-          <a:p>
-            <a:endParaRPr kumimoji="1" lang="ja-JP" altLang="en-US" dirty="0"/>
-          </a:p>
-        </p:txBody>
-      </p:sp>
-    </p:spTree>
-    <p:extLst>
-      <p:ext uri="{BB962C8B-B14F-4D97-AF65-F5344CB8AC3E}">
-        <p14:creationId xmlns:p14="http://schemas.microsoft.com/office/powerpoint/2010/main" val="3094879577"/>
       </p:ext>
     </p:extLst>
   </p:cSld>
@@ -15164,6 +14436,867 @@
 </file>
 
 <file path=ppt/slides/slide40.xml><?xml version="1.0" encoding="utf-8"?>
+<p:sld xmlns:a="http://schemas.openxmlformats.org/drawingml/2006/main" xmlns:r="http://schemas.openxmlformats.org/officeDocument/2006/relationships" xmlns:p="http://schemas.openxmlformats.org/presentationml/2006/main">
+  <p:cSld>
+    <p:spTree>
+      <p:nvGrpSpPr>
+        <p:cNvPr id="1" name=""/>
+        <p:cNvGrpSpPr/>
+        <p:nvPr/>
+      </p:nvGrpSpPr>
+      <p:grpSpPr>
+        <a:xfrm>
+          <a:off x="0" y="0"/>
+          <a:ext cx="0" cy="0"/>
+          <a:chOff x="0" y="0"/>
+          <a:chExt cx="0" cy="0"/>
+        </a:xfrm>
+      </p:grpSpPr>
+      <p:sp>
+        <p:nvSpPr>
+          <p:cNvPr id="2" name="タイトル 1">
+            <a:extLst>
+              <a:ext uri="{FF2B5EF4-FFF2-40B4-BE49-F238E27FC236}">
+                <a16:creationId xmlns:a16="http://schemas.microsoft.com/office/drawing/2014/main" id="{78FAAAB5-C494-DE9E-093C-475EB76C1499}"/>
+              </a:ext>
+            </a:extLst>
+          </p:cNvPr>
+          <p:cNvSpPr>
+            <a:spLocks noGrp="1"/>
+          </p:cNvSpPr>
+          <p:nvPr>
+            <p:ph type="title"/>
+          </p:nvPr>
+        </p:nvSpPr>
+        <p:spPr/>
+        <p:txBody>
+          <a:bodyPr/>
+          <a:lstStyle/>
+          <a:p>
+            <a:r>
+              <a:rPr kumimoji="1" lang="ja-JP" altLang="en-US" dirty="0"/>
+              <a:t>複数出力したい場合</a:t>
+            </a:r>
+          </a:p>
+        </p:txBody>
+      </p:sp>
+      <p:sp>
+        <p:nvSpPr>
+          <p:cNvPr id="3" name="コンテンツ プレースホルダー 2">
+            <a:extLst>
+              <a:ext uri="{FF2B5EF4-FFF2-40B4-BE49-F238E27FC236}">
+                <a16:creationId xmlns:a16="http://schemas.microsoft.com/office/drawing/2014/main" id="{2C249C9D-43DC-7AAE-AFD9-5BF74DDE9F49}"/>
+              </a:ext>
+            </a:extLst>
+          </p:cNvPr>
+          <p:cNvSpPr>
+            <a:spLocks noGrp="1"/>
+          </p:cNvSpPr>
+          <p:nvPr>
+            <p:ph idx="1"/>
+          </p:nvPr>
+        </p:nvSpPr>
+        <p:spPr>
+          <a:xfrm>
+            <a:off x="1097280" y="1845733"/>
+            <a:ext cx="10383520" cy="4725663"/>
+          </a:xfrm>
+        </p:spPr>
+        <p:txBody>
+          <a:bodyPr>
+            <a:normAutofit fontScale="85000" lnSpcReduction="20000"/>
+          </a:bodyPr>
+          <a:lstStyle/>
+          <a:p>
+            <a:r>
+              <a:rPr lang="en-US" altLang="ja-JP" b="0" dirty="0">
+                <a:solidFill>
+                  <a:srgbClr val="6A9955"/>
+                </a:solidFill>
+                <a:effectLst/>
+                <a:latin typeface="Consolas" panose="020B0609020204030204" pitchFamily="49" charset="0"/>
+              </a:rPr>
+              <a:t># format() </a:t>
+            </a:r>
+            <a:r>
+              <a:rPr lang="ja-JP" altLang="en-US" b="0" dirty="0">
+                <a:solidFill>
+                  <a:srgbClr val="6A9955"/>
+                </a:solidFill>
+                <a:effectLst/>
+                <a:latin typeface="Consolas" panose="020B0609020204030204" pitchFamily="49" charset="0"/>
+              </a:rPr>
+              <a:t>の </a:t>
+            </a:r>
+            <a:r>
+              <a:rPr lang="en-US" altLang="ja-JP" b="0" dirty="0">
+                <a:solidFill>
+                  <a:srgbClr val="6A9955"/>
+                </a:solidFill>
+                <a:effectLst/>
+                <a:latin typeface="Consolas" panose="020B0609020204030204" pitchFamily="49" charset="0"/>
+              </a:rPr>
+              <a:t>() </a:t>
+            </a:r>
+            <a:r>
+              <a:rPr lang="ja-JP" altLang="en-US" b="0" dirty="0">
+                <a:solidFill>
+                  <a:srgbClr val="6A9955"/>
+                </a:solidFill>
+                <a:effectLst/>
+                <a:latin typeface="Consolas" panose="020B0609020204030204" pitchFamily="49" charset="0"/>
+              </a:rPr>
+              <a:t>の中のものが </a:t>
+            </a:r>
+            <a:r>
+              <a:rPr lang="en-US" altLang="ja-JP" b="0" dirty="0">
+                <a:solidFill>
+                  <a:srgbClr val="6A9955"/>
+                </a:solidFill>
+                <a:effectLst/>
+                <a:latin typeface="Consolas" panose="020B0609020204030204" pitchFamily="49" charset="0"/>
+              </a:rPr>
+              <a:t>{} </a:t>
+            </a:r>
+            <a:r>
+              <a:rPr lang="ja-JP" altLang="en-US" b="0" dirty="0">
+                <a:solidFill>
+                  <a:srgbClr val="6A9955"/>
+                </a:solidFill>
+                <a:effectLst/>
+                <a:latin typeface="Consolas" panose="020B0609020204030204" pitchFamily="49" charset="0"/>
+              </a:rPr>
+              <a:t>に入る</a:t>
+            </a:r>
+            <a:endParaRPr lang="ja-JP" altLang="en-US" b="0" dirty="0">
+              <a:solidFill>
+                <a:srgbClr val="D4D4D4"/>
+              </a:solidFill>
+              <a:effectLst/>
+              <a:latin typeface="Consolas" panose="020B0609020204030204" pitchFamily="49" charset="0"/>
+            </a:endParaRPr>
+          </a:p>
+          <a:p>
+            <a:r>
+              <a:rPr lang="en-US" altLang="ja-JP" b="0" dirty="0">
+                <a:solidFill>
+                  <a:schemeClr val="tx1"/>
+                </a:solidFill>
+                <a:effectLst/>
+                <a:latin typeface="Consolas" panose="020B0609020204030204" pitchFamily="49" charset="0"/>
+              </a:rPr>
+              <a:t>&gt;&gt;&gt;</a:t>
+            </a:r>
+            <a:r>
+              <a:rPr lang="en-US" altLang="ja-JP" b="0" dirty="0">
+                <a:solidFill>
+                  <a:schemeClr val="accent2">
+                    <a:lumMod val="75000"/>
+                  </a:schemeClr>
+                </a:solidFill>
+                <a:effectLst/>
+                <a:latin typeface="Consolas" panose="020B0609020204030204" pitchFamily="49" charset="0"/>
+              </a:rPr>
+              <a:t> print</a:t>
+            </a:r>
+            <a:r>
+              <a:rPr lang="en-US" altLang="ja-JP" b="0" dirty="0">
+                <a:solidFill>
+                  <a:schemeClr val="tx1"/>
+                </a:solidFill>
+                <a:effectLst/>
+                <a:latin typeface="Consolas" panose="020B0609020204030204" pitchFamily="49" charset="0"/>
+              </a:rPr>
+              <a:t>(</a:t>
+            </a:r>
+            <a:r>
+              <a:rPr lang="en-US" altLang="ja-JP" b="0" dirty="0">
+                <a:solidFill>
+                  <a:srgbClr val="CE9178"/>
+                </a:solidFill>
+                <a:effectLst/>
+                <a:latin typeface="Consolas" panose="020B0609020204030204" pitchFamily="49" charset="0"/>
+              </a:rPr>
+              <a:t>"</a:t>
+            </a:r>
+            <a:r>
+              <a:rPr lang="ja-JP" altLang="en-US" b="0" dirty="0">
+                <a:solidFill>
+                  <a:srgbClr val="CE9178"/>
+                </a:solidFill>
+                <a:effectLst/>
+                <a:latin typeface="Consolas" panose="020B0609020204030204" pitchFamily="49" charset="0"/>
+              </a:rPr>
+              <a:t>私の趣味は </a:t>
+            </a:r>
+            <a:r>
+              <a:rPr lang="en-US" altLang="ja-JP" b="0" dirty="0">
+                <a:solidFill>
+                  <a:srgbClr val="569CD6"/>
+                </a:solidFill>
+                <a:effectLst/>
+                <a:latin typeface="Consolas" panose="020B0609020204030204" pitchFamily="49" charset="0"/>
+              </a:rPr>
+              <a:t>{}</a:t>
+            </a:r>
+            <a:r>
+              <a:rPr lang="ja-JP" altLang="en-US" b="0" dirty="0">
+                <a:solidFill>
+                  <a:srgbClr val="CE9178"/>
+                </a:solidFill>
+                <a:effectLst/>
+                <a:latin typeface="Consolas" panose="020B0609020204030204" pitchFamily="49" charset="0"/>
+              </a:rPr>
+              <a:t> です</a:t>
+            </a:r>
+            <a:r>
+              <a:rPr lang="en-US" altLang="ja-JP" b="0" dirty="0">
+                <a:solidFill>
+                  <a:srgbClr val="CE9178"/>
+                </a:solidFill>
+                <a:effectLst/>
+                <a:latin typeface="Consolas" panose="020B0609020204030204" pitchFamily="49" charset="0"/>
+              </a:rPr>
+              <a:t>"</a:t>
+            </a:r>
+            <a:r>
+              <a:rPr lang="en-US" altLang="ja-JP" b="0" dirty="0">
+                <a:solidFill>
+                  <a:schemeClr val="tx1"/>
+                </a:solidFill>
+                <a:effectLst/>
+                <a:latin typeface="Consolas" panose="020B0609020204030204" pitchFamily="49" charset="0"/>
+              </a:rPr>
+              <a:t>.</a:t>
+            </a:r>
+            <a:r>
+              <a:rPr lang="en-US" altLang="ja-JP" b="0" dirty="0">
+                <a:solidFill>
+                  <a:schemeClr val="accent2">
+                    <a:lumMod val="75000"/>
+                  </a:schemeClr>
+                </a:solidFill>
+                <a:effectLst/>
+                <a:latin typeface="Consolas" panose="020B0609020204030204" pitchFamily="49" charset="0"/>
+              </a:rPr>
+              <a:t>format</a:t>
+            </a:r>
+            <a:r>
+              <a:rPr lang="en-US" altLang="ja-JP" b="0" dirty="0">
+                <a:solidFill>
+                  <a:schemeClr val="tx1"/>
+                </a:solidFill>
+                <a:effectLst/>
+                <a:latin typeface="Consolas" panose="020B0609020204030204" pitchFamily="49" charset="0"/>
+              </a:rPr>
+              <a:t>(</a:t>
+            </a:r>
+            <a:r>
+              <a:rPr lang="en-US" altLang="ja-JP" b="0" dirty="0">
+                <a:solidFill>
+                  <a:srgbClr val="CE9178"/>
+                </a:solidFill>
+                <a:effectLst/>
+                <a:latin typeface="Consolas" panose="020B0609020204030204" pitchFamily="49" charset="0"/>
+              </a:rPr>
+              <a:t>"</a:t>
+            </a:r>
+            <a:r>
+              <a:rPr lang="ja-JP" altLang="en-US" b="0" dirty="0">
+                <a:solidFill>
+                  <a:srgbClr val="CE9178"/>
+                </a:solidFill>
+                <a:effectLst/>
+                <a:latin typeface="Consolas" panose="020B0609020204030204" pitchFamily="49" charset="0"/>
+              </a:rPr>
+              <a:t>プログラミング</a:t>
+            </a:r>
+            <a:r>
+              <a:rPr lang="en-US" altLang="ja-JP" b="0" dirty="0">
+                <a:solidFill>
+                  <a:srgbClr val="CE9178"/>
+                </a:solidFill>
+                <a:effectLst/>
+                <a:latin typeface="Consolas" panose="020B0609020204030204" pitchFamily="49" charset="0"/>
+              </a:rPr>
+              <a:t>"</a:t>
+            </a:r>
+            <a:r>
+              <a:rPr lang="en-US" altLang="ja-JP" b="0" dirty="0">
+                <a:solidFill>
+                  <a:schemeClr val="tx1"/>
+                </a:solidFill>
+                <a:effectLst/>
+                <a:latin typeface="Consolas" panose="020B0609020204030204" pitchFamily="49" charset="0"/>
+              </a:rPr>
+              <a:t>))</a:t>
+            </a:r>
+          </a:p>
+          <a:p>
+            <a:r>
+              <a:rPr lang="ja-JP" altLang="en-US" b="0" dirty="0">
+                <a:solidFill>
+                  <a:schemeClr val="tx1"/>
+                </a:solidFill>
+                <a:effectLst/>
+                <a:latin typeface="Consolas" panose="020B0609020204030204" pitchFamily="49" charset="0"/>
+              </a:rPr>
+              <a:t>私の趣味はプログラミングです</a:t>
+            </a:r>
+            <a:endParaRPr lang="en-US" altLang="ja-JP" b="0" dirty="0">
+              <a:solidFill>
+                <a:schemeClr val="tx1"/>
+              </a:solidFill>
+              <a:effectLst/>
+              <a:latin typeface="Consolas" panose="020B0609020204030204" pitchFamily="49" charset="0"/>
+            </a:endParaRPr>
+          </a:p>
+          <a:p>
+            <a:br>
+              <a:rPr lang="en-US" altLang="ja-JP" b="0" dirty="0">
+                <a:solidFill>
+                  <a:srgbClr val="D4D4D4"/>
+                </a:solidFill>
+                <a:effectLst/>
+                <a:latin typeface="Consolas" panose="020B0609020204030204" pitchFamily="49" charset="0"/>
+              </a:rPr>
+            </a:br>
+            <a:r>
+              <a:rPr lang="en-US" altLang="ja-JP" b="0" dirty="0">
+                <a:solidFill>
+                  <a:srgbClr val="6A9955"/>
+                </a:solidFill>
+                <a:effectLst/>
+                <a:latin typeface="Consolas" panose="020B0609020204030204" pitchFamily="49" charset="0"/>
+              </a:rPr>
+              <a:t># </a:t>
+            </a:r>
+            <a:r>
+              <a:rPr lang="ja-JP" altLang="en-US" b="0" dirty="0">
+                <a:solidFill>
+                  <a:srgbClr val="6A9955"/>
+                </a:solidFill>
+                <a:effectLst/>
+                <a:latin typeface="Consolas" panose="020B0609020204030204" pitchFamily="49" charset="0"/>
+              </a:rPr>
+              <a:t>複数ある場合は、前から順に</a:t>
+            </a:r>
+            <a:endParaRPr lang="ja-JP" altLang="en-US" b="0" dirty="0">
+              <a:solidFill>
+                <a:srgbClr val="D4D4D4"/>
+              </a:solidFill>
+              <a:effectLst/>
+              <a:latin typeface="Consolas" panose="020B0609020204030204" pitchFamily="49" charset="0"/>
+            </a:endParaRPr>
+          </a:p>
+          <a:p>
+            <a:r>
+              <a:rPr lang="en-US" altLang="ja-JP" b="0" dirty="0">
+                <a:solidFill>
+                  <a:schemeClr val="tx1"/>
+                </a:solidFill>
+                <a:effectLst/>
+                <a:latin typeface="Consolas" panose="020B0609020204030204" pitchFamily="49" charset="0"/>
+              </a:rPr>
+              <a:t>&gt;&gt;&gt;</a:t>
+            </a:r>
+            <a:r>
+              <a:rPr lang="en-US" altLang="ja-JP" b="0" dirty="0">
+                <a:solidFill>
+                  <a:schemeClr val="accent2">
+                    <a:lumMod val="75000"/>
+                  </a:schemeClr>
+                </a:solidFill>
+                <a:effectLst/>
+                <a:latin typeface="Consolas" panose="020B0609020204030204" pitchFamily="49" charset="0"/>
+              </a:rPr>
+              <a:t> print</a:t>
+            </a:r>
+            <a:r>
+              <a:rPr lang="en-US" altLang="ja-JP" b="0" dirty="0">
+                <a:solidFill>
+                  <a:schemeClr val="tx1"/>
+                </a:solidFill>
+                <a:effectLst/>
+                <a:latin typeface="Consolas" panose="020B0609020204030204" pitchFamily="49" charset="0"/>
+              </a:rPr>
+              <a:t>(</a:t>
+            </a:r>
+            <a:r>
+              <a:rPr lang="en-US" altLang="ja-JP" b="0" dirty="0">
+                <a:solidFill>
+                  <a:srgbClr val="CE9178"/>
+                </a:solidFill>
+                <a:effectLst/>
+                <a:latin typeface="Consolas" panose="020B0609020204030204" pitchFamily="49" charset="0"/>
+              </a:rPr>
+              <a:t>"</a:t>
+            </a:r>
+            <a:r>
+              <a:rPr lang="en-US" altLang="ja-JP" b="0" dirty="0">
+                <a:solidFill>
+                  <a:srgbClr val="569CD6"/>
+                </a:solidFill>
+                <a:effectLst/>
+                <a:latin typeface="Consolas" panose="020B0609020204030204" pitchFamily="49" charset="0"/>
+              </a:rPr>
+              <a:t>{}</a:t>
+            </a:r>
+            <a:r>
+              <a:rPr lang="en-US" altLang="ja-JP" b="0" dirty="0">
+                <a:solidFill>
+                  <a:srgbClr val="CE9178"/>
+                </a:solidFill>
+                <a:effectLst/>
+                <a:latin typeface="Consolas" panose="020B0609020204030204" pitchFamily="49" charset="0"/>
+              </a:rPr>
+              <a:t> is </a:t>
+            </a:r>
+            <a:r>
+              <a:rPr lang="en-US" altLang="ja-JP" b="0" dirty="0">
+                <a:solidFill>
+                  <a:srgbClr val="569CD6"/>
+                </a:solidFill>
+                <a:effectLst/>
+                <a:latin typeface="Consolas" panose="020B0609020204030204" pitchFamily="49" charset="0"/>
+              </a:rPr>
+              <a:t>{}</a:t>
+            </a:r>
+            <a:r>
+              <a:rPr lang="en-US" altLang="ja-JP" b="0" dirty="0">
+                <a:solidFill>
+                  <a:srgbClr val="CE9178"/>
+                </a:solidFill>
+                <a:effectLst/>
+                <a:latin typeface="Consolas" panose="020B0609020204030204" pitchFamily="49" charset="0"/>
+              </a:rPr>
+              <a:t> years </a:t>
+            </a:r>
+            <a:r>
+              <a:rPr lang="en-US" altLang="ja-JP" b="0" dirty="0" err="1">
+                <a:solidFill>
+                  <a:srgbClr val="CE9178"/>
+                </a:solidFill>
+                <a:effectLst/>
+                <a:latin typeface="Consolas" panose="020B0609020204030204" pitchFamily="49" charset="0"/>
+              </a:rPr>
+              <a:t>old."</a:t>
+            </a:r>
+            <a:r>
+              <a:rPr lang="en-US" altLang="ja-JP" b="0" dirty="0" err="1">
+                <a:solidFill>
+                  <a:schemeClr val="tx1"/>
+                </a:solidFill>
+                <a:effectLst/>
+                <a:latin typeface="Consolas" panose="020B0609020204030204" pitchFamily="49" charset="0"/>
+              </a:rPr>
+              <a:t>.</a:t>
+            </a:r>
+            <a:r>
+              <a:rPr lang="en-US" altLang="ja-JP" b="0" dirty="0" err="1">
+                <a:solidFill>
+                  <a:schemeClr val="accent2">
+                    <a:lumMod val="75000"/>
+                  </a:schemeClr>
+                </a:solidFill>
+                <a:effectLst/>
+                <a:latin typeface="Consolas" panose="020B0609020204030204" pitchFamily="49" charset="0"/>
+              </a:rPr>
+              <a:t>format</a:t>
+            </a:r>
+            <a:r>
+              <a:rPr lang="en-US" altLang="ja-JP" b="0" dirty="0">
+                <a:solidFill>
+                  <a:schemeClr val="tx1"/>
+                </a:solidFill>
+                <a:effectLst/>
+                <a:latin typeface="Consolas" panose="020B0609020204030204" pitchFamily="49" charset="0"/>
+              </a:rPr>
+              <a:t>(</a:t>
+            </a:r>
+            <a:r>
+              <a:rPr lang="en-US" altLang="ja-JP" b="0" dirty="0">
+                <a:solidFill>
+                  <a:srgbClr val="CE9178"/>
+                </a:solidFill>
+                <a:effectLst/>
+                <a:latin typeface="Consolas" panose="020B0609020204030204" pitchFamily="49" charset="0"/>
+              </a:rPr>
+              <a:t>"Alice"</a:t>
+            </a:r>
+            <a:r>
+              <a:rPr lang="en-US" altLang="ja-JP" b="0" dirty="0">
+                <a:solidFill>
+                  <a:schemeClr val="tx1"/>
+                </a:solidFill>
+                <a:effectLst/>
+                <a:latin typeface="Consolas" panose="020B0609020204030204" pitchFamily="49" charset="0"/>
+              </a:rPr>
+              <a:t>,</a:t>
+            </a:r>
+            <a:r>
+              <a:rPr lang="en-US" altLang="ja-JP" b="0" dirty="0">
+                <a:solidFill>
+                  <a:srgbClr val="D4D4D4"/>
+                </a:solidFill>
+                <a:effectLst/>
+                <a:latin typeface="Consolas" panose="020B0609020204030204" pitchFamily="49" charset="0"/>
+              </a:rPr>
+              <a:t> </a:t>
+            </a:r>
+            <a:r>
+              <a:rPr lang="en-US" altLang="ja-JP" b="0" dirty="0">
+                <a:solidFill>
+                  <a:srgbClr val="B5CEA8"/>
+                </a:solidFill>
+                <a:effectLst/>
+                <a:latin typeface="Consolas" panose="020B0609020204030204" pitchFamily="49" charset="0"/>
+              </a:rPr>
+              <a:t>14</a:t>
+            </a:r>
+            <a:r>
+              <a:rPr lang="en-US" altLang="ja-JP" b="0" dirty="0">
+                <a:solidFill>
+                  <a:schemeClr val="tx1"/>
+                </a:solidFill>
+                <a:effectLst/>
+                <a:latin typeface="Consolas" panose="020B0609020204030204" pitchFamily="49" charset="0"/>
+              </a:rPr>
+              <a:t>))</a:t>
+            </a:r>
+          </a:p>
+          <a:p>
+            <a:r>
+              <a:rPr lang="en-US" altLang="ja-JP" b="0" dirty="0">
+                <a:solidFill>
+                  <a:schemeClr val="tx1"/>
+                </a:solidFill>
+                <a:effectLst/>
+                <a:latin typeface="Consolas" panose="020B0609020204030204" pitchFamily="49" charset="0"/>
+              </a:rPr>
+              <a:t>Alice is 14 years old.</a:t>
+            </a:r>
+          </a:p>
+          <a:p>
+            <a:br>
+              <a:rPr lang="en-US" altLang="ja-JP" b="0" dirty="0">
+                <a:solidFill>
+                  <a:srgbClr val="D4D4D4"/>
+                </a:solidFill>
+                <a:effectLst/>
+                <a:latin typeface="Consolas" panose="020B0609020204030204" pitchFamily="49" charset="0"/>
+              </a:rPr>
+            </a:br>
+            <a:r>
+              <a:rPr lang="en-US" altLang="ja-JP" b="0" dirty="0">
+                <a:solidFill>
+                  <a:srgbClr val="6A9955"/>
+                </a:solidFill>
+                <a:effectLst/>
+                <a:latin typeface="Consolas" panose="020B0609020204030204" pitchFamily="49" charset="0"/>
+              </a:rPr>
+              <a:t># </a:t>
+            </a:r>
+            <a:r>
+              <a:rPr lang="ja-JP" altLang="en-US" b="0" dirty="0">
+                <a:solidFill>
+                  <a:srgbClr val="6A9955"/>
+                </a:solidFill>
+                <a:effectLst/>
+                <a:latin typeface="Consolas" panose="020B0609020204030204" pitchFamily="49" charset="0"/>
+              </a:rPr>
+              <a:t>位置を指定することもできる</a:t>
+            </a:r>
+            <a:endParaRPr lang="ja-JP" altLang="en-US" b="0" dirty="0">
+              <a:solidFill>
+                <a:srgbClr val="D4D4D4"/>
+              </a:solidFill>
+              <a:effectLst/>
+              <a:latin typeface="Consolas" panose="020B0609020204030204" pitchFamily="49" charset="0"/>
+            </a:endParaRPr>
+          </a:p>
+          <a:p>
+            <a:r>
+              <a:rPr lang="en-US" altLang="ja-JP" b="0" dirty="0">
+                <a:solidFill>
+                  <a:schemeClr val="tx1"/>
+                </a:solidFill>
+                <a:effectLst/>
+                <a:latin typeface="Consolas" panose="020B0609020204030204" pitchFamily="49" charset="0"/>
+              </a:rPr>
+              <a:t>&gt;&gt;&gt;</a:t>
+            </a:r>
+            <a:r>
+              <a:rPr lang="en-US" altLang="ja-JP" b="0" dirty="0">
+                <a:solidFill>
+                  <a:schemeClr val="accent2">
+                    <a:lumMod val="75000"/>
+                  </a:schemeClr>
+                </a:solidFill>
+                <a:effectLst/>
+                <a:latin typeface="Consolas" panose="020B0609020204030204" pitchFamily="49" charset="0"/>
+              </a:rPr>
+              <a:t> print</a:t>
+            </a:r>
+            <a:r>
+              <a:rPr lang="en-US" altLang="ja-JP" b="0" dirty="0">
+                <a:solidFill>
+                  <a:schemeClr val="tx1"/>
+                </a:solidFill>
+                <a:effectLst/>
+                <a:latin typeface="Consolas" panose="020B0609020204030204" pitchFamily="49" charset="0"/>
+              </a:rPr>
+              <a:t>(</a:t>
+            </a:r>
+            <a:r>
+              <a:rPr lang="en-US" altLang="ja-JP" b="0" dirty="0">
+                <a:solidFill>
+                  <a:srgbClr val="CE9178"/>
+                </a:solidFill>
+                <a:effectLst/>
+                <a:latin typeface="Consolas" panose="020B0609020204030204" pitchFamily="49" charset="0"/>
+              </a:rPr>
+              <a:t>"</a:t>
+            </a:r>
+            <a:r>
+              <a:rPr lang="en-US" altLang="ja-JP" b="0" dirty="0">
+                <a:solidFill>
+                  <a:srgbClr val="569CD6"/>
+                </a:solidFill>
+                <a:effectLst/>
+                <a:latin typeface="Consolas" panose="020B0609020204030204" pitchFamily="49" charset="0"/>
+              </a:rPr>
+              <a:t>{0}</a:t>
+            </a:r>
+            <a:r>
+              <a:rPr lang="en-US" altLang="ja-JP" b="0" dirty="0">
+                <a:solidFill>
+                  <a:srgbClr val="CE9178"/>
+                </a:solidFill>
+                <a:effectLst/>
+                <a:latin typeface="Consolas" panose="020B0609020204030204" pitchFamily="49" charset="0"/>
+              </a:rPr>
+              <a:t>, </a:t>
+            </a:r>
+            <a:r>
+              <a:rPr lang="en-US" altLang="ja-JP" b="0" dirty="0">
+                <a:solidFill>
+                  <a:srgbClr val="569CD6"/>
+                </a:solidFill>
+                <a:effectLst/>
+                <a:latin typeface="Consolas" panose="020B0609020204030204" pitchFamily="49" charset="0"/>
+              </a:rPr>
+              <a:t>{2}</a:t>
+            </a:r>
+            <a:r>
+              <a:rPr lang="en-US" altLang="ja-JP" b="0" dirty="0">
+                <a:solidFill>
+                  <a:srgbClr val="CE9178"/>
+                </a:solidFill>
+                <a:effectLst/>
+                <a:latin typeface="Consolas" panose="020B0609020204030204" pitchFamily="49" charset="0"/>
+              </a:rPr>
+              <a:t>, </a:t>
+            </a:r>
+            <a:r>
+              <a:rPr lang="en-US" altLang="ja-JP" b="0" dirty="0">
+                <a:solidFill>
+                  <a:srgbClr val="569CD6"/>
+                </a:solidFill>
+                <a:effectLst/>
+                <a:latin typeface="Consolas" panose="020B0609020204030204" pitchFamily="49" charset="0"/>
+              </a:rPr>
+              <a:t>{1}</a:t>
+            </a:r>
+            <a:r>
+              <a:rPr lang="en-US" altLang="ja-JP" b="0" dirty="0">
+                <a:solidFill>
+                  <a:srgbClr val="CE9178"/>
+                </a:solidFill>
+                <a:effectLst/>
+                <a:latin typeface="Consolas" panose="020B0609020204030204" pitchFamily="49" charset="0"/>
+              </a:rPr>
+              <a:t> and </a:t>
+            </a:r>
+            <a:r>
+              <a:rPr lang="en-US" altLang="ja-JP" b="0" dirty="0">
+                <a:solidFill>
+                  <a:srgbClr val="569CD6"/>
+                </a:solidFill>
+                <a:effectLst/>
+                <a:latin typeface="Consolas" panose="020B0609020204030204" pitchFamily="49" charset="0"/>
+              </a:rPr>
+              <a:t>{3}</a:t>
+            </a:r>
+            <a:r>
+              <a:rPr lang="en-US" altLang="ja-JP" b="0" dirty="0">
+                <a:solidFill>
+                  <a:srgbClr val="CE9178"/>
+                </a:solidFill>
+                <a:effectLst/>
+                <a:latin typeface="Consolas" panose="020B0609020204030204" pitchFamily="49" charset="0"/>
+              </a:rPr>
+              <a:t>"</a:t>
+            </a:r>
+            <a:r>
+              <a:rPr lang="en-US" altLang="ja-JP" b="0" dirty="0">
+                <a:solidFill>
+                  <a:schemeClr val="tx1"/>
+                </a:solidFill>
+                <a:effectLst/>
+                <a:latin typeface="Consolas" panose="020B0609020204030204" pitchFamily="49" charset="0"/>
+              </a:rPr>
+              <a:t>.</a:t>
+            </a:r>
+            <a:r>
+              <a:rPr lang="en-US" altLang="ja-JP" b="0" dirty="0">
+                <a:solidFill>
+                  <a:schemeClr val="accent2">
+                    <a:lumMod val="75000"/>
+                  </a:schemeClr>
+                </a:solidFill>
+                <a:effectLst/>
+                <a:latin typeface="Consolas" panose="020B0609020204030204" pitchFamily="49" charset="0"/>
+              </a:rPr>
+              <a:t>format</a:t>
+            </a:r>
+            <a:r>
+              <a:rPr lang="en-US" altLang="ja-JP" b="0" dirty="0">
+                <a:solidFill>
+                  <a:schemeClr val="tx1"/>
+                </a:solidFill>
+                <a:effectLst/>
+                <a:latin typeface="Consolas" panose="020B0609020204030204" pitchFamily="49" charset="0"/>
+              </a:rPr>
+              <a:t>(</a:t>
+            </a:r>
+            <a:r>
+              <a:rPr lang="en-US" altLang="ja-JP" b="0" dirty="0">
+                <a:solidFill>
+                  <a:srgbClr val="CE9178"/>
+                </a:solidFill>
+                <a:effectLst/>
+                <a:latin typeface="Consolas" panose="020B0609020204030204" pitchFamily="49" charset="0"/>
+              </a:rPr>
+              <a:t>"Python"</a:t>
+            </a:r>
+            <a:r>
+              <a:rPr lang="en-US" altLang="ja-JP" b="0" dirty="0">
+                <a:solidFill>
+                  <a:schemeClr val="tx1"/>
+                </a:solidFill>
+                <a:effectLst/>
+                <a:latin typeface="Consolas" panose="020B0609020204030204" pitchFamily="49" charset="0"/>
+              </a:rPr>
+              <a:t>,</a:t>
+            </a:r>
+            <a:r>
+              <a:rPr lang="en-US" altLang="ja-JP" b="0" dirty="0">
+                <a:solidFill>
+                  <a:srgbClr val="D4D4D4"/>
+                </a:solidFill>
+                <a:effectLst/>
+                <a:latin typeface="Consolas" panose="020B0609020204030204" pitchFamily="49" charset="0"/>
+              </a:rPr>
+              <a:t> </a:t>
+            </a:r>
+            <a:r>
+              <a:rPr lang="en-US" altLang="ja-JP" b="0" dirty="0">
+                <a:solidFill>
+                  <a:srgbClr val="CE9178"/>
+                </a:solidFill>
+                <a:effectLst/>
+                <a:latin typeface="Consolas" panose="020B0609020204030204" pitchFamily="49" charset="0"/>
+              </a:rPr>
+              <a:t>"JavaScript"</a:t>
+            </a:r>
+            <a:r>
+              <a:rPr lang="en-US" altLang="ja-JP" b="0" dirty="0">
+                <a:solidFill>
+                  <a:schemeClr val="tx1"/>
+                </a:solidFill>
+                <a:effectLst/>
+                <a:latin typeface="Consolas" panose="020B0609020204030204" pitchFamily="49" charset="0"/>
+              </a:rPr>
+              <a:t>, </a:t>
+            </a:r>
+            <a:r>
+              <a:rPr lang="en-US" altLang="ja-JP" b="0" dirty="0">
+                <a:solidFill>
+                  <a:srgbClr val="CE9178"/>
+                </a:solidFill>
+                <a:effectLst/>
+                <a:latin typeface="Consolas" panose="020B0609020204030204" pitchFamily="49" charset="0"/>
+              </a:rPr>
+              <a:t>"Swift"</a:t>
+            </a:r>
+            <a:r>
+              <a:rPr lang="en-US" altLang="ja-JP" b="0" dirty="0">
+                <a:solidFill>
+                  <a:schemeClr val="tx1"/>
+                </a:solidFill>
+                <a:effectLst/>
+                <a:latin typeface="Consolas" panose="020B0609020204030204" pitchFamily="49" charset="0"/>
+              </a:rPr>
+              <a:t>, </a:t>
+            </a:r>
+            <a:r>
+              <a:rPr lang="en-US" altLang="ja-JP" b="0" dirty="0">
+                <a:solidFill>
+                  <a:srgbClr val="CE9178"/>
+                </a:solidFill>
+                <a:effectLst/>
+                <a:latin typeface="Consolas" panose="020B0609020204030204" pitchFamily="49" charset="0"/>
+              </a:rPr>
+              <a:t>"Kotlin"</a:t>
+            </a:r>
+            <a:r>
+              <a:rPr lang="en-US" altLang="ja-JP" b="0" dirty="0">
+                <a:solidFill>
+                  <a:schemeClr val="tx1"/>
+                </a:solidFill>
+                <a:effectLst/>
+                <a:latin typeface="Consolas" panose="020B0609020204030204" pitchFamily="49" charset="0"/>
+              </a:rPr>
+              <a:t>))</a:t>
+            </a:r>
+          </a:p>
+          <a:p>
+            <a:r>
+              <a:rPr lang="en-US" altLang="ja-JP" dirty="0">
+                <a:solidFill>
+                  <a:schemeClr val="tx1"/>
+                </a:solidFill>
+              </a:rPr>
+              <a:t>Python Swift JavaScript Kotlin</a:t>
+            </a:r>
+            <a:endParaRPr lang="en-US" altLang="ja-JP" b="0" dirty="0">
+              <a:solidFill>
+                <a:schemeClr val="tx1"/>
+              </a:solidFill>
+              <a:effectLst/>
+              <a:latin typeface="Consolas" panose="020B0609020204030204" pitchFamily="49" charset="0"/>
+            </a:endParaRPr>
+          </a:p>
+          <a:p>
+            <a:endParaRPr kumimoji="1" lang="ja-JP" altLang="en-US" dirty="0"/>
+          </a:p>
+        </p:txBody>
+      </p:sp>
+    </p:spTree>
+    <p:extLst>
+      <p:ext uri="{BB962C8B-B14F-4D97-AF65-F5344CB8AC3E}">
+        <p14:creationId xmlns:p14="http://schemas.microsoft.com/office/powerpoint/2010/main" val="3094879577"/>
+      </p:ext>
+    </p:extLst>
+  </p:cSld>
+  <p:clrMapOvr>
+    <a:masterClrMapping/>
+  </p:clrMapOvr>
+</p:sld>
+</file>
+
+<file path=ppt/slides/slide41.xml><?xml version="1.0" encoding="utf-8"?>
 <p:sld xmlns:a="http://schemas.openxmlformats.org/drawingml/2006/main" xmlns:r="http://schemas.openxmlformats.org/officeDocument/2006/relationships" xmlns:p="http://schemas.openxmlformats.org/presentationml/2006/main">
   <p:cSld>
     <p:spTree>
